--- a/Blank/Lecture_01_ Text_as_Data.pptx
+++ b/Blank/Lecture_01_ Text_as_Data.pptx
@@ -16,6 +16,28 @@
     <p:sldId id="261" r:id="rId10"/>
     <p:sldId id="262" r:id="rId11"/>
     <p:sldId id="263" r:id="rId12"/>
+    <p:sldId id="264" r:id="rId13"/>
+    <p:sldId id="265" r:id="rId14"/>
+    <p:sldId id="266" r:id="rId15"/>
+    <p:sldId id="267" r:id="rId16"/>
+    <p:sldId id="268" r:id="rId17"/>
+    <p:sldId id="269" r:id="rId18"/>
+    <p:sldId id="270" r:id="rId19"/>
+    <p:sldId id="271" r:id="rId20"/>
+    <p:sldId id="272" r:id="rId21"/>
+    <p:sldId id="273" r:id="rId22"/>
+    <p:sldId id="274" r:id="rId23"/>
+    <p:sldId id="275" r:id="rId24"/>
+    <p:sldId id="276" r:id="rId25"/>
+    <p:sldId id="277" r:id="rId26"/>
+    <p:sldId id="278" r:id="rId27"/>
+    <p:sldId id="279" r:id="rId28"/>
+    <p:sldId id="280" r:id="rId29"/>
+    <p:sldId id="281" r:id="rId30"/>
+    <p:sldId id="282" r:id="rId31"/>
+    <p:sldId id="283" r:id="rId32"/>
+    <p:sldId id="284" r:id="rId33"/>
+    <p:sldId id="285" r:id="rId34"/>
   </p:sldIdLst>
   <p:sldSz cy="6858000" cx="9144000"/>
   <p:notesSz cx="6858000" cy="9144000"/>
@@ -250,7 +272,7 @@
   </p:defaultTextStyle>
   <p:extLst>
     <p:ext uri="GoogleSlidesCustomDataVersion2">
-      <go:slidesCustomData xmlns:go="http://customooxmlschemas.google.com/" r:id="rId13" roundtripDataSignature="AMtx7mij8GsRTBLimoeHwBdDM/4AwlJ2CA=="/>
+      <go:slidesCustomData xmlns:go="http://customooxmlschemas.google.com/" r:id="rId35" roundtripDataSignature="AMtx7mgpsFsaImcBg6W+dNPeCAJ24Gn7WA=="/>
     </p:ext>
   </p:extLst>
 </p:presentation>
@@ -934,12 +956,12 @@
 </p:notes>
 </file>
 
-<file path=ppt/notesSlides/notesSlide2.xml><?xml version="1.0" encoding="utf-8"?>
+<file path=ppt/notesSlides/notesSlide10.xml><?xml version="1.0" encoding="utf-8"?>
 <p:notes xmlns:a="http://schemas.openxmlformats.org/drawingml/2006/main" xmlns:r="http://schemas.openxmlformats.org/officeDocument/2006/relationships" xmlns:mc="http://schemas.openxmlformats.org/markup-compatibility/2006" xmlns:mv="urn:schemas-microsoft-com:mac:vml" xmlns:p="http://schemas.openxmlformats.org/presentationml/2006/main" xmlns:c="http://schemas.openxmlformats.org/drawingml/2006/chart" xmlns:dgm="http://schemas.openxmlformats.org/drawingml/2006/diagram" xmlns:o="urn:schemas-microsoft-com:office:office" xmlns:v="urn:schemas-microsoft-com:vml" xmlns:pvml="urn:schemas-microsoft-com:office:powerpoint" xmlns:com="http://schemas.openxmlformats.org/drawingml/2006/compatibility" xmlns:p14="http://schemas.microsoft.com/office/powerpoint/2010/main" xmlns:p15="http://schemas.microsoft.com/office/powerpoint/2012/main" xmlns:ahyp="http://schemas.microsoft.com/office/drawing/2018/hyperlinkcolor" showMasterPhAnim="0" showMasterSp="0">
   <p:cSld>
     <p:spTree>
       <p:nvGrpSpPr>
-        <p:cNvPr id="35" name="Shape 35"/>
+        <p:cNvPr id="93" name="Shape 93"/>
         <p:cNvGrpSpPr/>
         <p:nvPr/>
       </p:nvGrpSpPr>
@@ -953,7 +975,7 @@
       </p:grpSpPr>
       <p:sp>
         <p:nvSpPr>
-          <p:cNvPr id="36" name="Google Shape;36;g3ba79990f52_0_5:notes"/>
+          <p:cNvPr id="94" name="Google Shape;94;g3ba7baafcd5_0_100:notes"/>
           <p:cNvSpPr/>
           <p:nvPr>
             <p:ph idx="2" type="sldImg"/>
@@ -988,7 +1010,7 @@
       </p:sp>
       <p:sp>
         <p:nvSpPr>
-          <p:cNvPr id="37" name="Google Shape;37;g3ba79990f52_0_5:notes"/>
+          <p:cNvPr id="95" name="Google Shape;95;g3ba7baafcd5_0_100:notes"/>
           <p:cNvSpPr txBox="1"/>
           <p:nvPr>
             <p:ph idx="1" type="body"/>
@@ -1033,12 +1055,12 @@
 </p:notes>
 </file>
 
-<file path=ppt/notesSlides/notesSlide3.xml><?xml version="1.0" encoding="utf-8"?>
+<file path=ppt/notesSlides/notesSlide11.xml><?xml version="1.0" encoding="utf-8"?>
 <p:notes xmlns:a="http://schemas.openxmlformats.org/drawingml/2006/main" xmlns:r="http://schemas.openxmlformats.org/officeDocument/2006/relationships" xmlns:mc="http://schemas.openxmlformats.org/markup-compatibility/2006" xmlns:mv="urn:schemas-microsoft-com:mac:vml" xmlns:p="http://schemas.openxmlformats.org/presentationml/2006/main" xmlns:c="http://schemas.openxmlformats.org/drawingml/2006/chart" xmlns:dgm="http://schemas.openxmlformats.org/drawingml/2006/diagram" xmlns:o="urn:schemas-microsoft-com:office:office" xmlns:v="urn:schemas-microsoft-com:vml" xmlns:pvml="urn:schemas-microsoft-com:office:powerpoint" xmlns:com="http://schemas.openxmlformats.org/drawingml/2006/compatibility" xmlns:p14="http://schemas.microsoft.com/office/powerpoint/2010/main" xmlns:p15="http://schemas.microsoft.com/office/powerpoint/2012/main" xmlns:ahyp="http://schemas.microsoft.com/office/drawing/2018/hyperlinkcolor" showMasterPhAnim="0" showMasterSp="0">
   <p:cSld>
     <p:spTree>
       <p:nvGrpSpPr>
-        <p:cNvPr id="41" name="Shape 41"/>
+        <p:cNvPr id="99" name="Shape 99"/>
         <p:cNvGrpSpPr/>
         <p:nvPr/>
       </p:nvGrpSpPr>
@@ -1052,7 +1074,7 @@
       </p:grpSpPr>
       <p:sp>
         <p:nvSpPr>
-          <p:cNvPr id="42" name="Google Shape;42;p3:notes"/>
+          <p:cNvPr id="100" name="Google Shape;100;g3ba7baafcd5_0_105:notes"/>
           <p:cNvSpPr/>
           <p:nvPr>
             <p:ph idx="2" type="sldImg"/>
@@ -1097,7 +1119,7 @@
       </p:sp>
       <p:sp>
         <p:nvSpPr>
-          <p:cNvPr id="43" name="Google Shape;43;p3:notes"/>
+          <p:cNvPr id="101" name="Google Shape;101;g3ba7baafcd5_0_105:notes"/>
           <p:cNvSpPr txBox="1"/>
           <p:nvPr>
             <p:ph idx="1" type="body"/>
@@ -1136,8 +1158,7 @@
               <a:buNone/>
             </a:pPr>
             <a:r>
-              <a:rPr lang="en"/>
-              <a:t>Have students introduce themselves, then TAs, and then instructor</a:t>
+              <a:t/>
             </a:r>
             <a:endParaRPr/>
           </a:p>
@@ -1151,12 +1172,12 @@
 </p:notes>
 </file>
 
-<file path=ppt/notesSlides/notesSlide4.xml><?xml version="1.0" encoding="utf-8"?>
+<file path=ppt/notesSlides/notesSlide12.xml><?xml version="1.0" encoding="utf-8"?>
 <p:notes xmlns:a="http://schemas.openxmlformats.org/drawingml/2006/main" xmlns:r="http://schemas.openxmlformats.org/officeDocument/2006/relationships" xmlns:mc="http://schemas.openxmlformats.org/markup-compatibility/2006" xmlns:mv="urn:schemas-microsoft-com:mac:vml" xmlns:p="http://schemas.openxmlformats.org/presentationml/2006/main" xmlns:c="http://schemas.openxmlformats.org/drawingml/2006/chart" xmlns:dgm="http://schemas.openxmlformats.org/drawingml/2006/diagram" xmlns:o="urn:schemas-microsoft-com:office:office" xmlns:v="urn:schemas-microsoft-com:vml" xmlns:pvml="urn:schemas-microsoft-com:office:powerpoint" xmlns:com="http://schemas.openxmlformats.org/drawingml/2006/compatibility" xmlns:p14="http://schemas.microsoft.com/office/powerpoint/2010/main" xmlns:p15="http://schemas.microsoft.com/office/powerpoint/2012/main" xmlns:ahyp="http://schemas.microsoft.com/office/drawing/2018/hyperlinkcolor" showMasterPhAnim="0" showMasterSp="0">
   <p:cSld>
     <p:spTree>
       <p:nvGrpSpPr>
-        <p:cNvPr id="47" name="Shape 47"/>
+        <p:cNvPr id="105" name="Shape 105"/>
         <p:cNvGrpSpPr/>
         <p:nvPr/>
       </p:nvGrpSpPr>
@@ -1170,7 +1191,7 @@
       </p:grpSpPr>
       <p:sp>
         <p:nvSpPr>
-          <p:cNvPr id="48" name="Google Shape;48;g3ba79990f52_0_11:notes"/>
+          <p:cNvPr id="106" name="Google Shape;106;g3ba7baafcd5_0_136:notes"/>
           <p:cNvSpPr/>
           <p:nvPr>
             <p:ph idx="2" type="sldImg"/>
@@ -1205,7 +1226,7 @@
       </p:sp>
       <p:sp>
         <p:nvSpPr>
-          <p:cNvPr id="49" name="Google Shape;49;g3ba79990f52_0_11:notes"/>
+          <p:cNvPr id="107" name="Google Shape;107;g3ba7baafcd5_0_136:notes"/>
           <p:cNvSpPr txBox="1"/>
           <p:nvPr>
             <p:ph idx="1" type="body"/>
@@ -1250,12 +1271,12 @@
 </p:notes>
 </file>
 
-<file path=ppt/notesSlides/notesSlide5.xml><?xml version="1.0" encoding="utf-8"?>
+<file path=ppt/notesSlides/notesSlide13.xml><?xml version="1.0" encoding="utf-8"?>
 <p:notes xmlns:a="http://schemas.openxmlformats.org/drawingml/2006/main" xmlns:r="http://schemas.openxmlformats.org/officeDocument/2006/relationships" xmlns:mc="http://schemas.openxmlformats.org/markup-compatibility/2006" xmlns:mv="urn:schemas-microsoft-com:mac:vml" xmlns:p="http://schemas.openxmlformats.org/presentationml/2006/main" xmlns:c="http://schemas.openxmlformats.org/drawingml/2006/chart" xmlns:dgm="http://schemas.openxmlformats.org/drawingml/2006/diagram" xmlns:o="urn:schemas-microsoft-com:office:office" xmlns:v="urn:schemas-microsoft-com:vml" xmlns:pvml="urn:schemas-microsoft-com:office:powerpoint" xmlns:com="http://schemas.openxmlformats.org/drawingml/2006/compatibility" xmlns:p14="http://schemas.microsoft.com/office/powerpoint/2010/main" xmlns:p15="http://schemas.microsoft.com/office/powerpoint/2012/main" xmlns:ahyp="http://schemas.microsoft.com/office/drawing/2018/hyperlinkcolor" showMasterPhAnim="0" showMasterSp="0">
   <p:cSld>
     <p:spTree>
       <p:nvGrpSpPr>
-        <p:cNvPr id="53" name="Shape 53"/>
+        <p:cNvPr id="117" name="Shape 117"/>
         <p:cNvGrpSpPr/>
         <p:nvPr/>
       </p:nvGrpSpPr>
@@ -1269,7 +1290,7 @@
       </p:grpSpPr>
       <p:sp>
         <p:nvSpPr>
-          <p:cNvPr id="54" name="Google Shape;54;g3ba79990f52_0_16:notes"/>
+          <p:cNvPr id="118" name="Google Shape;118;g3ba7baafcd5_0_180:notes"/>
           <p:cNvSpPr/>
           <p:nvPr>
             <p:ph idx="2" type="sldImg"/>
@@ -1304,7 +1325,7 @@
       </p:sp>
       <p:sp>
         <p:nvSpPr>
-          <p:cNvPr id="55" name="Google Shape;55;g3ba79990f52_0_16:notes"/>
+          <p:cNvPr id="119" name="Google Shape;119;g3ba7baafcd5_0_180:notes"/>
           <p:cNvSpPr txBox="1"/>
           <p:nvPr>
             <p:ph idx="1" type="body"/>
@@ -1349,12 +1370,12 @@
 </p:notes>
 </file>
 
-<file path=ppt/notesSlides/notesSlide6.xml><?xml version="1.0" encoding="utf-8"?>
+<file path=ppt/notesSlides/notesSlide14.xml><?xml version="1.0" encoding="utf-8"?>
 <p:notes xmlns:a="http://schemas.openxmlformats.org/drawingml/2006/main" xmlns:r="http://schemas.openxmlformats.org/officeDocument/2006/relationships" xmlns:mc="http://schemas.openxmlformats.org/markup-compatibility/2006" xmlns:mv="urn:schemas-microsoft-com:mac:vml" xmlns:p="http://schemas.openxmlformats.org/presentationml/2006/main" xmlns:c="http://schemas.openxmlformats.org/drawingml/2006/chart" xmlns:dgm="http://schemas.openxmlformats.org/drawingml/2006/diagram" xmlns:o="urn:schemas-microsoft-com:office:office" xmlns:v="urn:schemas-microsoft-com:vml" xmlns:pvml="urn:schemas-microsoft-com:office:powerpoint" xmlns:com="http://schemas.openxmlformats.org/drawingml/2006/compatibility" xmlns:p14="http://schemas.microsoft.com/office/powerpoint/2010/main" xmlns:p15="http://schemas.microsoft.com/office/powerpoint/2012/main" xmlns:ahyp="http://schemas.microsoft.com/office/drawing/2018/hyperlinkcolor" showMasterPhAnim="0" showMasterSp="0">
   <p:cSld>
     <p:spTree>
       <p:nvGrpSpPr>
-        <p:cNvPr id="59" name="Shape 59"/>
+        <p:cNvPr id="124" name="Shape 124"/>
         <p:cNvGrpSpPr/>
         <p:nvPr/>
       </p:nvGrpSpPr>
@@ -1368,7 +1389,7 @@
       </p:grpSpPr>
       <p:sp>
         <p:nvSpPr>
-          <p:cNvPr id="60" name="Google Shape;60;g3ba79990f52_0_21:notes"/>
+          <p:cNvPr id="125" name="Google Shape;125;g3ba7baafcd5_0_169:notes"/>
           <p:cNvSpPr/>
           <p:nvPr>
             <p:ph idx="2" type="sldImg"/>
@@ -1403,7 +1424,7 @@
       </p:sp>
       <p:sp>
         <p:nvSpPr>
-          <p:cNvPr id="61" name="Google Shape;61;g3ba79990f52_0_21:notes"/>
+          <p:cNvPr id="126" name="Google Shape;126;g3ba7baafcd5_0_169:notes"/>
           <p:cNvSpPr txBox="1"/>
           <p:nvPr>
             <p:ph idx="1" type="body"/>
@@ -1448,12 +1469,12 @@
 </p:notes>
 </file>
 
-<file path=ppt/notesSlides/notesSlide7.xml><?xml version="1.0" encoding="utf-8"?>
+<file path=ppt/notesSlides/notesSlide15.xml><?xml version="1.0" encoding="utf-8"?>
 <p:notes xmlns:a="http://schemas.openxmlformats.org/drawingml/2006/main" xmlns:r="http://schemas.openxmlformats.org/officeDocument/2006/relationships" xmlns:mc="http://schemas.openxmlformats.org/markup-compatibility/2006" xmlns:mv="urn:schemas-microsoft-com:mac:vml" xmlns:p="http://schemas.openxmlformats.org/presentationml/2006/main" xmlns:c="http://schemas.openxmlformats.org/drawingml/2006/chart" xmlns:dgm="http://schemas.openxmlformats.org/drawingml/2006/diagram" xmlns:o="urn:schemas-microsoft-com:office:office" xmlns:v="urn:schemas-microsoft-com:vml" xmlns:pvml="urn:schemas-microsoft-com:office:powerpoint" xmlns:com="http://schemas.openxmlformats.org/drawingml/2006/compatibility" xmlns:p14="http://schemas.microsoft.com/office/powerpoint/2010/main" xmlns:p15="http://schemas.microsoft.com/office/powerpoint/2012/main" xmlns:ahyp="http://schemas.microsoft.com/office/drawing/2018/hyperlinkcolor" showMasterPhAnim="0" showMasterSp="0">
   <p:cSld>
     <p:spTree>
       <p:nvGrpSpPr>
-        <p:cNvPr id="65" name="Shape 65"/>
+        <p:cNvPr id="136" name="Shape 136"/>
         <p:cNvGrpSpPr/>
         <p:nvPr/>
       </p:nvGrpSpPr>
@@ -1467,7 +1488,7 @@
       </p:grpSpPr>
       <p:sp>
         <p:nvSpPr>
-          <p:cNvPr id="66" name="Google Shape;66;g3ba79990f52_0_26:notes"/>
+          <p:cNvPr id="137" name="Google Shape;137;g3ba7baafcd5_0_40:notes"/>
           <p:cNvSpPr/>
           <p:nvPr>
             <p:ph idx="2" type="sldImg"/>
@@ -1498,11 +1519,21 @@
               </a:path>
             </a:pathLst>
           </a:custGeom>
+          <a:noFill/>
+          <a:ln cap="flat" cmpd="sng" w="9525">
+            <a:solidFill>
+              <a:srgbClr val="000000"/>
+            </a:solidFill>
+            <a:prstDash val="solid"/>
+            <a:round/>
+            <a:headEnd len="sm" w="sm" type="none"/>
+            <a:tailEnd len="sm" w="sm" type="none"/>
+          </a:ln>
         </p:spPr>
       </p:sp>
       <p:sp>
         <p:nvSpPr>
-          <p:cNvPr id="67" name="Google Shape;67;g3ba79990f52_0_26:notes"/>
+          <p:cNvPr id="138" name="Google Shape;138;g3ba7baafcd5_0_40:notes"/>
           <p:cNvSpPr txBox="1"/>
           <p:nvPr>
             <p:ph idx="1" type="body"/>
@@ -1516,6 +1547,10 @@
           <a:prstGeom prst="rect">
             <a:avLst/>
           </a:prstGeom>
+          <a:noFill/>
+          <a:ln>
+            <a:noFill/>
+          </a:ln>
         </p:spPr>
         <p:txBody>
           <a:bodyPr anchorCtr="0" anchor="t" bIns="91425" lIns="91425" spcFirstLastPara="1" rIns="91425" wrap="square" tIns="91425">
@@ -1524,12 +1559,16 @@
           <a:lstStyle/>
           <a:p>
             <a:pPr indent="0" lvl="0" marL="0" rtl="0" algn="l">
-              <a:spcBef>
-                <a:spcPts val="0"/>
-              </a:spcBef>
-              <a:spcAft>
-                <a:spcPts val="0"/>
-              </a:spcAft>
+              <a:lnSpc>
+                <a:spcPct val="100000"/>
+              </a:lnSpc>
+              <a:spcBef>
+                <a:spcPts val="0"/>
+              </a:spcBef>
+              <a:spcAft>
+                <a:spcPts val="0"/>
+              </a:spcAft>
+              <a:buSzPts val="1400"/>
               <a:buNone/>
             </a:pPr>
             <a:r>
@@ -1547,12 +1586,12 @@
 </p:notes>
 </file>
 
-<file path=ppt/notesSlides/notesSlide8.xml><?xml version="1.0" encoding="utf-8"?>
+<file path=ppt/notesSlides/notesSlide16.xml><?xml version="1.0" encoding="utf-8"?>
 <p:notes xmlns:a="http://schemas.openxmlformats.org/drawingml/2006/main" xmlns:r="http://schemas.openxmlformats.org/officeDocument/2006/relationships" xmlns:mc="http://schemas.openxmlformats.org/markup-compatibility/2006" xmlns:mv="urn:schemas-microsoft-com:mac:vml" xmlns:p="http://schemas.openxmlformats.org/presentationml/2006/main" xmlns:c="http://schemas.openxmlformats.org/drawingml/2006/chart" xmlns:dgm="http://schemas.openxmlformats.org/drawingml/2006/diagram" xmlns:o="urn:schemas-microsoft-com:office:office" xmlns:v="urn:schemas-microsoft-com:vml" xmlns:pvml="urn:schemas-microsoft-com:office:powerpoint" xmlns:com="http://schemas.openxmlformats.org/drawingml/2006/compatibility" xmlns:p14="http://schemas.microsoft.com/office/powerpoint/2010/main" xmlns:p15="http://schemas.microsoft.com/office/powerpoint/2012/main" xmlns:ahyp="http://schemas.microsoft.com/office/drawing/2018/hyperlinkcolor" showMasterPhAnim="0" showMasterSp="0">
   <p:cSld>
     <p:spTree>
       <p:nvGrpSpPr>
-        <p:cNvPr id="71" name="Shape 71"/>
+        <p:cNvPr id="143" name="Shape 143"/>
         <p:cNvGrpSpPr/>
         <p:nvPr/>
       </p:nvGrpSpPr>
@@ -1566,7 +1605,7 @@
       </p:grpSpPr>
       <p:sp>
         <p:nvSpPr>
-          <p:cNvPr id="72" name="Google Shape;72;g3ba79990f52_0_31:notes"/>
+          <p:cNvPr id="144" name="Google Shape;144;g3ba79990f52_0_16:notes"/>
           <p:cNvSpPr/>
           <p:nvPr>
             <p:ph idx="2" type="sldImg"/>
@@ -1597,11 +1636,2352 @@
               </a:path>
             </a:pathLst>
           </a:custGeom>
+          <a:noFill/>
+          <a:ln cap="flat" cmpd="sng" w="9525">
+            <a:solidFill>
+              <a:srgbClr val="000000"/>
+            </a:solidFill>
+            <a:prstDash val="solid"/>
+            <a:round/>
+            <a:headEnd len="sm" w="sm" type="none"/>
+            <a:tailEnd len="sm" w="sm" type="none"/>
+          </a:ln>
         </p:spPr>
       </p:sp>
       <p:sp>
         <p:nvSpPr>
-          <p:cNvPr id="73" name="Google Shape;73;g3ba79990f52_0_31:notes"/>
+          <p:cNvPr id="145" name="Google Shape;145;g3ba79990f52_0_16:notes"/>
+          <p:cNvSpPr txBox="1"/>
+          <p:nvPr>
+            <p:ph idx="1" type="body"/>
+          </p:nvPr>
+        </p:nvSpPr>
+        <p:spPr>
+          <a:xfrm>
+            <a:off x="685800" y="4343400"/>
+            <a:ext cx="5486400" cy="4114800"/>
+          </a:xfrm>
+          <a:prstGeom prst="rect">
+            <a:avLst/>
+          </a:prstGeom>
+          <a:noFill/>
+          <a:ln>
+            <a:noFill/>
+          </a:ln>
+        </p:spPr>
+        <p:txBody>
+          <a:bodyPr anchorCtr="0" anchor="t" bIns="91425" lIns="91425" spcFirstLastPara="1" rIns="91425" wrap="square" tIns="91425">
+            <a:noAutofit/>
+          </a:bodyPr>
+          <a:lstStyle/>
+          <a:p>
+            <a:pPr indent="0" lvl="0" marL="0" rtl="0" algn="l">
+              <a:lnSpc>
+                <a:spcPct val="100000"/>
+              </a:lnSpc>
+              <a:spcBef>
+                <a:spcPts val="0"/>
+              </a:spcBef>
+              <a:spcAft>
+                <a:spcPts val="0"/>
+              </a:spcAft>
+              <a:buSzPts val="1400"/>
+              <a:buNone/>
+            </a:pPr>
+            <a:r>
+              <a:t/>
+            </a:r>
+            <a:endParaRPr/>
+          </a:p>
+        </p:txBody>
+      </p:sp>
+    </p:spTree>
+  </p:cSld>
+  <p:clrMapOvr>
+    <a:masterClrMapping/>
+  </p:clrMapOvr>
+</p:notes>
+</file>
+
+<file path=ppt/notesSlides/notesSlide17.xml><?xml version="1.0" encoding="utf-8"?>
+<p:notes xmlns:a="http://schemas.openxmlformats.org/drawingml/2006/main" xmlns:r="http://schemas.openxmlformats.org/officeDocument/2006/relationships" xmlns:mc="http://schemas.openxmlformats.org/markup-compatibility/2006" xmlns:mv="urn:schemas-microsoft-com:mac:vml" xmlns:p="http://schemas.openxmlformats.org/presentationml/2006/main" xmlns:c="http://schemas.openxmlformats.org/drawingml/2006/chart" xmlns:dgm="http://schemas.openxmlformats.org/drawingml/2006/diagram" xmlns:o="urn:schemas-microsoft-com:office:office" xmlns:v="urn:schemas-microsoft-com:vml" xmlns:pvml="urn:schemas-microsoft-com:office:powerpoint" xmlns:com="http://schemas.openxmlformats.org/drawingml/2006/compatibility" xmlns:p14="http://schemas.microsoft.com/office/powerpoint/2010/main" xmlns:p15="http://schemas.microsoft.com/office/powerpoint/2012/main" xmlns:ahyp="http://schemas.microsoft.com/office/drawing/2018/hyperlinkcolor" showMasterPhAnim="0" showMasterSp="0">
+  <p:cSld>
+    <p:spTree>
+      <p:nvGrpSpPr>
+        <p:cNvPr id="151" name="Shape 151"/>
+        <p:cNvGrpSpPr/>
+        <p:nvPr/>
+      </p:nvGrpSpPr>
+      <p:grpSpPr>
+        <a:xfrm>
+          <a:off x="0" y="0"/>
+          <a:ext cx="0" cy="0"/>
+          <a:chOff x="0" y="0"/>
+          <a:chExt cx="0" cy="0"/>
+        </a:xfrm>
+      </p:grpSpPr>
+      <p:sp>
+        <p:nvSpPr>
+          <p:cNvPr id="152" name="Google Shape;152;g3ba7baafcd5_0_210:notes"/>
+          <p:cNvSpPr/>
+          <p:nvPr>
+            <p:ph idx="2" type="sldImg"/>
+          </p:nvPr>
+        </p:nvSpPr>
+        <p:spPr>
+          <a:xfrm>
+            <a:off x="1143309" y="685800"/>
+            <a:ext cx="4572000" cy="3429000"/>
+          </a:xfrm>
+          <a:custGeom>
+            <a:rect b="b" l="l" r="r" t="t"/>
+            <a:pathLst>
+              <a:path extrusionOk="0" h="120000" w="120000">
+                <a:moveTo>
+                  <a:pt x="0" y="0"/>
+                </a:moveTo>
+                <a:lnTo>
+                  <a:pt x="120000" y="0"/>
+                </a:lnTo>
+                <a:lnTo>
+                  <a:pt x="120000" y="120000"/>
+                </a:lnTo>
+                <a:lnTo>
+                  <a:pt x="0" y="120000"/>
+                </a:lnTo>
+                <a:close/>
+              </a:path>
+            </a:pathLst>
+          </a:custGeom>
+        </p:spPr>
+      </p:sp>
+      <p:sp>
+        <p:nvSpPr>
+          <p:cNvPr id="153" name="Google Shape;153;g3ba7baafcd5_0_210:notes"/>
+          <p:cNvSpPr txBox="1"/>
+          <p:nvPr>
+            <p:ph idx="1" type="body"/>
+          </p:nvPr>
+        </p:nvSpPr>
+        <p:spPr>
+          <a:xfrm>
+            <a:off x="685800" y="4343400"/>
+            <a:ext cx="5486400" cy="4114800"/>
+          </a:xfrm>
+          <a:prstGeom prst="rect">
+            <a:avLst/>
+          </a:prstGeom>
+        </p:spPr>
+        <p:txBody>
+          <a:bodyPr anchorCtr="0" anchor="t" bIns="91425" lIns="91425" spcFirstLastPara="1" rIns="91425" wrap="square" tIns="91425">
+            <a:noAutofit/>
+          </a:bodyPr>
+          <a:lstStyle/>
+          <a:p>
+            <a:pPr indent="0" lvl="0" marL="0" rtl="0" algn="l">
+              <a:spcBef>
+                <a:spcPts val="0"/>
+              </a:spcBef>
+              <a:spcAft>
+                <a:spcPts val="0"/>
+              </a:spcAft>
+              <a:buNone/>
+            </a:pPr>
+            <a:r>
+              <a:t/>
+            </a:r>
+            <a:endParaRPr/>
+          </a:p>
+        </p:txBody>
+      </p:sp>
+    </p:spTree>
+  </p:cSld>
+  <p:clrMapOvr>
+    <a:masterClrMapping/>
+  </p:clrMapOvr>
+</p:notes>
+</file>
+
+<file path=ppt/notesSlides/notesSlide18.xml><?xml version="1.0" encoding="utf-8"?>
+<p:notes xmlns:a="http://schemas.openxmlformats.org/drawingml/2006/main" xmlns:r="http://schemas.openxmlformats.org/officeDocument/2006/relationships" xmlns:mc="http://schemas.openxmlformats.org/markup-compatibility/2006" xmlns:mv="urn:schemas-microsoft-com:mac:vml" xmlns:p="http://schemas.openxmlformats.org/presentationml/2006/main" xmlns:c="http://schemas.openxmlformats.org/drawingml/2006/chart" xmlns:dgm="http://schemas.openxmlformats.org/drawingml/2006/diagram" xmlns:o="urn:schemas-microsoft-com:office:office" xmlns:v="urn:schemas-microsoft-com:vml" xmlns:pvml="urn:schemas-microsoft-com:office:powerpoint" xmlns:com="http://schemas.openxmlformats.org/drawingml/2006/compatibility" xmlns:p14="http://schemas.microsoft.com/office/powerpoint/2010/main" xmlns:p15="http://schemas.microsoft.com/office/powerpoint/2012/main" xmlns:ahyp="http://schemas.microsoft.com/office/drawing/2018/hyperlinkcolor" showMasterPhAnim="0" showMasterSp="0">
+  <p:cSld>
+    <p:spTree>
+      <p:nvGrpSpPr>
+        <p:cNvPr id="157" name="Shape 157"/>
+        <p:cNvGrpSpPr/>
+        <p:nvPr/>
+      </p:nvGrpSpPr>
+      <p:grpSpPr>
+        <a:xfrm>
+          <a:off x="0" y="0"/>
+          <a:ext cx="0" cy="0"/>
+          <a:chOff x="0" y="0"/>
+          <a:chExt cx="0" cy="0"/>
+        </a:xfrm>
+      </p:grpSpPr>
+      <p:sp>
+        <p:nvSpPr>
+          <p:cNvPr id="158" name="Google Shape;158;g3ba7baafcd5_0_215:notes"/>
+          <p:cNvSpPr/>
+          <p:nvPr>
+            <p:ph idx="2" type="sldImg"/>
+          </p:nvPr>
+        </p:nvSpPr>
+        <p:spPr>
+          <a:xfrm>
+            <a:off x="1143309" y="685800"/>
+            <a:ext cx="4572000" cy="3429000"/>
+          </a:xfrm>
+          <a:custGeom>
+            <a:rect b="b" l="l" r="r" t="t"/>
+            <a:pathLst>
+              <a:path extrusionOk="0" h="120000" w="120000">
+                <a:moveTo>
+                  <a:pt x="0" y="0"/>
+                </a:moveTo>
+                <a:lnTo>
+                  <a:pt x="120000" y="0"/>
+                </a:lnTo>
+                <a:lnTo>
+                  <a:pt x="120000" y="120000"/>
+                </a:lnTo>
+                <a:lnTo>
+                  <a:pt x="0" y="120000"/>
+                </a:lnTo>
+                <a:close/>
+              </a:path>
+            </a:pathLst>
+          </a:custGeom>
+        </p:spPr>
+      </p:sp>
+      <p:sp>
+        <p:nvSpPr>
+          <p:cNvPr id="159" name="Google Shape;159;g3ba7baafcd5_0_215:notes"/>
+          <p:cNvSpPr txBox="1"/>
+          <p:nvPr>
+            <p:ph idx="1" type="body"/>
+          </p:nvPr>
+        </p:nvSpPr>
+        <p:spPr>
+          <a:xfrm>
+            <a:off x="685800" y="4343400"/>
+            <a:ext cx="5486400" cy="4114800"/>
+          </a:xfrm>
+          <a:prstGeom prst="rect">
+            <a:avLst/>
+          </a:prstGeom>
+        </p:spPr>
+        <p:txBody>
+          <a:bodyPr anchorCtr="0" anchor="t" bIns="91425" lIns="91425" spcFirstLastPara="1" rIns="91425" wrap="square" tIns="91425">
+            <a:noAutofit/>
+          </a:bodyPr>
+          <a:lstStyle/>
+          <a:p>
+            <a:pPr indent="0" lvl="0" marL="0" rtl="0" algn="l">
+              <a:spcBef>
+                <a:spcPts val="0"/>
+              </a:spcBef>
+              <a:spcAft>
+                <a:spcPts val="0"/>
+              </a:spcAft>
+              <a:buNone/>
+            </a:pPr>
+            <a:r>
+              <a:t/>
+            </a:r>
+            <a:endParaRPr/>
+          </a:p>
+        </p:txBody>
+      </p:sp>
+    </p:spTree>
+  </p:cSld>
+  <p:clrMapOvr>
+    <a:masterClrMapping/>
+  </p:clrMapOvr>
+</p:notes>
+</file>
+
+<file path=ppt/notesSlides/notesSlide19.xml><?xml version="1.0" encoding="utf-8"?>
+<p:notes xmlns:a="http://schemas.openxmlformats.org/drawingml/2006/main" xmlns:r="http://schemas.openxmlformats.org/officeDocument/2006/relationships" xmlns:mc="http://schemas.openxmlformats.org/markup-compatibility/2006" xmlns:mv="urn:schemas-microsoft-com:mac:vml" xmlns:p="http://schemas.openxmlformats.org/presentationml/2006/main" xmlns:c="http://schemas.openxmlformats.org/drawingml/2006/chart" xmlns:dgm="http://schemas.openxmlformats.org/drawingml/2006/diagram" xmlns:o="urn:schemas-microsoft-com:office:office" xmlns:v="urn:schemas-microsoft-com:vml" xmlns:pvml="urn:schemas-microsoft-com:office:powerpoint" xmlns:com="http://schemas.openxmlformats.org/drawingml/2006/compatibility" xmlns:p14="http://schemas.microsoft.com/office/powerpoint/2010/main" xmlns:p15="http://schemas.microsoft.com/office/powerpoint/2012/main" xmlns:ahyp="http://schemas.microsoft.com/office/drawing/2018/hyperlinkcolor" showMasterPhAnim="0" showMasterSp="0">
+  <p:cSld>
+    <p:spTree>
+      <p:nvGrpSpPr>
+        <p:cNvPr id="163" name="Shape 163"/>
+        <p:cNvGrpSpPr/>
+        <p:nvPr/>
+      </p:nvGrpSpPr>
+      <p:grpSpPr>
+        <a:xfrm>
+          <a:off x="0" y="0"/>
+          <a:ext cx="0" cy="0"/>
+          <a:chOff x="0" y="0"/>
+          <a:chExt cx="0" cy="0"/>
+        </a:xfrm>
+      </p:grpSpPr>
+      <p:sp>
+        <p:nvSpPr>
+          <p:cNvPr id="164" name="Google Shape;164;g3ba7baafcd5_0_0:notes"/>
+          <p:cNvSpPr/>
+          <p:nvPr>
+            <p:ph idx="2" type="sldImg"/>
+          </p:nvPr>
+        </p:nvSpPr>
+        <p:spPr>
+          <a:xfrm>
+            <a:off x="1143309" y="685800"/>
+            <a:ext cx="4572000" cy="3429000"/>
+          </a:xfrm>
+          <a:custGeom>
+            <a:rect b="b" l="l" r="r" t="t"/>
+            <a:pathLst>
+              <a:path extrusionOk="0" h="120000" w="120000">
+                <a:moveTo>
+                  <a:pt x="0" y="0"/>
+                </a:moveTo>
+                <a:lnTo>
+                  <a:pt x="120000" y="0"/>
+                </a:lnTo>
+                <a:lnTo>
+                  <a:pt x="120000" y="120000"/>
+                </a:lnTo>
+                <a:lnTo>
+                  <a:pt x="0" y="120000"/>
+                </a:lnTo>
+                <a:close/>
+              </a:path>
+            </a:pathLst>
+          </a:custGeom>
+        </p:spPr>
+      </p:sp>
+      <p:sp>
+        <p:nvSpPr>
+          <p:cNvPr id="165" name="Google Shape;165;g3ba7baafcd5_0_0:notes"/>
+          <p:cNvSpPr txBox="1"/>
+          <p:nvPr>
+            <p:ph idx="1" type="body"/>
+          </p:nvPr>
+        </p:nvSpPr>
+        <p:spPr>
+          <a:xfrm>
+            <a:off x="685800" y="4343400"/>
+            <a:ext cx="5486400" cy="4114800"/>
+          </a:xfrm>
+          <a:prstGeom prst="rect">
+            <a:avLst/>
+          </a:prstGeom>
+        </p:spPr>
+        <p:txBody>
+          <a:bodyPr anchorCtr="0" anchor="t" bIns="91425" lIns="91425" spcFirstLastPara="1" rIns="91425" wrap="square" tIns="91425">
+            <a:noAutofit/>
+          </a:bodyPr>
+          <a:lstStyle/>
+          <a:p>
+            <a:pPr indent="0" lvl="0" marL="0" rtl="0" algn="l">
+              <a:spcBef>
+                <a:spcPts val="0"/>
+              </a:spcBef>
+              <a:spcAft>
+                <a:spcPts val="0"/>
+              </a:spcAft>
+              <a:buNone/>
+            </a:pPr>
+            <a:r>
+              <a:t/>
+            </a:r>
+            <a:endParaRPr/>
+          </a:p>
+        </p:txBody>
+      </p:sp>
+    </p:spTree>
+  </p:cSld>
+  <p:clrMapOvr>
+    <a:masterClrMapping/>
+  </p:clrMapOvr>
+</p:notes>
+</file>
+
+<file path=ppt/notesSlides/notesSlide2.xml><?xml version="1.0" encoding="utf-8"?>
+<p:notes xmlns:a="http://schemas.openxmlformats.org/drawingml/2006/main" xmlns:r="http://schemas.openxmlformats.org/officeDocument/2006/relationships" xmlns:mc="http://schemas.openxmlformats.org/markup-compatibility/2006" xmlns:mv="urn:schemas-microsoft-com:mac:vml" xmlns:p="http://schemas.openxmlformats.org/presentationml/2006/main" xmlns:c="http://schemas.openxmlformats.org/drawingml/2006/chart" xmlns:dgm="http://schemas.openxmlformats.org/drawingml/2006/diagram" xmlns:o="urn:schemas-microsoft-com:office:office" xmlns:v="urn:schemas-microsoft-com:vml" xmlns:pvml="urn:schemas-microsoft-com:office:powerpoint" xmlns:com="http://schemas.openxmlformats.org/drawingml/2006/compatibility" xmlns:p14="http://schemas.microsoft.com/office/powerpoint/2010/main" xmlns:p15="http://schemas.microsoft.com/office/powerpoint/2012/main" xmlns:ahyp="http://schemas.microsoft.com/office/drawing/2018/hyperlinkcolor" showMasterPhAnim="0" showMasterSp="0">
+  <p:cSld>
+    <p:spTree>
+      <p:nvGrpSpPr>
+        <p:cNvPr id="35" name="Shape 35"/>
+        <p:cNvGrpSpPr/>
+        <p:nvPr/>
+      </p:nvGrpSpPr>
+      <p:grpSpPr>
+        <a:xfrm>
+          <a:off x="0" y="0"/>
+          <a:ext cx="0" cy="0"/>
+          <a:chOff x="0" y="0"/>
+          <a:chExt cx="0" cy="0"/>
+        </a:xfrm>
+      </p:grpSpPr>
+      <p:sp>
+        <p:nvSpPr>
+          <p:cNvPr id="36" name="Google Shape;36;g3ba7baafcd5_0_34:notes"/>
+          <p:cNvSpPr/>
+          <p:nvPr>
+            <p:ph idx="2" type="sldImg"/>
+          </p:nvPr>
+        </p:nvSpPr>
+        <p:spPr>
+          <a:xfrm>
+            <a:off x="1143309" y="685800"/>
+            <a:ext cx="4572000" cy="3429000"/>
+          </a:xfrm>
+          <a:custGeom>
+            <a:rect b="b" l="l" r="r" t="t"/>
+            <a:pathLst>
+              <a:path extrusionOk="0" h="120000" w="120000">
+                <a:moveTo>
+                  <a:pt x="0" y="0"/>
+                </a:moveTo>
+                <a:lnTo>
+                  <a:pt x="120000" y="0"/>
+                </a:lnTo>
+                <a:lnTo>
+                  <a:pt x="120000" y="120000"/>
+                </a:lnTo>
+                <a:lnTo>
+                  <a:pt x="0" y="120000"/>
+                </a:lnTo>
+                <a:close/>
+              </a:path>
+            </a:pathLst>
+          </a:custGeom>
+        </p:spPr>
+      </p:sp>
+      <p:sp>
+        <p:nvSpPr>
+          <p:cNvPr id="37" name="Google Shape;37;g3ba7baafcd5_0_34:notes"/>
+          <p:cNvSpPr txBox="1"/>
+          <p:nvPr>
+            <p:ph idx="1" type="body"/>
+          </p:nvPr>
+        </p:nvSpPr>
+        <p:spPr>
+          <a:xfrm>
+            <a:off x="685800" y="4343400"/>
+            <a:ext cx="5486400" cy="4114800"/>
+          </a:xfrm>
+          <a:prstGeom prst="rect">
+            <a:avLst/>
+          </a:prstGeom>
+        </p:spPr>
+        <p:txBody>
+          <a:bodyPr anchorCtr="0" anchor="t" bIns="91425" lIns="91425" spcFirstLastPara="1" rIns="91425" wrap="square" tIns="91425">
+            <a:noAutofit/>
+          </a:bodyPr>
+          <a:lstStyle/>
+          <a:p>
+            <a:pPr indent="0" lvl="0" marL="0" rtl="0" algn="l">
+              <a:spcBef>
+                <a:spcPts val="0"/>
+              </a:spcBef>
+              <a:spcAft>
+                <a:spcPts val="0"/>
+              </a:spcAft>
+              <a:buNone/>
+            </a:pPr>
+            <a:r>
+              <a:t/>
+            </a:r>
+            <a:endParaRPr/>
+          </a:p>
+        </p:txBody>
+      </p:sp>
+    </p:spTree>
+  </p:cSld>
+  <p:clrMapOvr>
+    <a:masterClrMapping/>
+  </p:clrMapOvr>
+</p:notes>
+</file>
+
+<file path=ppt/notesSlides/notesSlide20.xml><?xml version="1.0" encoding="utf-8"?>
+<p:notes xmlns:a="http://schemas.openxmlformats.org/drawingml/2006/main" xmlns:r="http://schemas.openxmlformats.org/officeDocument/2006/relationships" xmlns:mc="http://schemas.openxmlformats.org/markup-compatibility/2006" xmlns:mv="urn:schemas-microsoft-com:mac:vml" xmlns:p="http://schemas.openxmlformats.org/presentationml/2006/main" xmlns:c="http://schemas.openxmlformats.org/drawingml/2006/chart" xmlns:dgm="http://schemas.openxmlformats.org/drawingml/2006/diagram" xmlns:o="urn:schemas-microsoft-com:office:office" xmlns:v="urn:schemas-microsoft-com:vml" xmlns:pvml="urn:schemas-microsoft-com:office:powerpoint" xmlns:com="http://schemas.openxmlformats.org/drawingml/2006/compatibility" xmlns:p14="http://schemas.microsoft.com/office/powerpoint/2010/main" xmlns:p15="http://schemas.microsoft.com/office/powerpoint/2012/main" xmlns:ahyp="http://schemas.microsoft.com/office/drawing/2018/hyperlinkcolor" showMasterPhAnim="0" showMasterSp="0">
+  <p:cSld>
+    <p:spTree>
+      <p:nvGrpSpPr>
+        <p:cNvPr id="170" name="Shape 170"/>
+        <p:cNvGrpSpPr/>
+        <p:nvPr/>
+      </p:nvGrpSpPr>
+      <p:grpSpPr>
+        <a:xfrm>
+          <a:off x="0" y="0"/>
+          <a:ext cx="0" cy="0"/>
+          <a:chOff x="0" y="0"/>
+          <a:chExt cx="0" cy="0"/>
+        </a:xfrm>
+      </p:grpSpPr>
+      <p:sp>
+        <p:nvSpPr>
+          <p:cNvPr id="171" name="Google Shape;171;g3ba7baafcd5_0_235:notes"/>
+          <p:cNvSpPr/>
+          <p:nvPr>
+            <p:ph idx="2" type="sldImg"/>
+          </p:nvPr>
+        </p:nvSpPr>
+        <p:spPr>
+          <a:xfrm>
+            <a:off x="1143309" y="685800"/>
+            <a:ext cx="4572000" cy="3429000"/>
+          </a:xfrm>
+          <a:custGeom>
+            <a:rect b="b" l="l" r="r" t="t"/>
+            <a:pathLst>
+              <a:path extrusionOk="0" h="120000" w="120000">
+                <a:moveTo>
+                  <a:pt x="0" y="0"/>
+                </a:moveTo>
+                <a:lnTo>
+                  <a:pt x="120000" y="0"/>
+                </a:lnTo>
+                <a:lnTo>
+                  <a:pt x="120000" y="120000"/>
+                </a:lnTo>
+                <a:lnTo>
+                  <a:pt x="0" y="120000"/>
+                </a:lnTo>
+                <a:close/>
+              </a:path>
+            </a:pathLst>
+          </a:custGeom>
+        </p:spPr>
+      </p:sp>
+      <p:sp>
+        <p:nvSpPr>
+          <p:cNvPr id="172" name="Google Shape;172;g3ba7baafcd5_0_235:notes"/>
+          <p:cNvSpPr txBox="1"/>
+          <p:nvPr>
+            <p:ph idx="1" type="body"/>
+          </p:nvPr>
+        </p:nvSpPr>
+        <p:spPr>
+          <a:xfrm>
+            <a:off x="685800" y="4343400"/>
+            <a:ext cx="5486400" cy="4114800"/>
+          </a:xfrm>
+          <a:prstGeom prst="rect">
+            <a:avLst/>
+          </a:prstGeom>
+        </p:spPr>
+        <p:txBody>
+          <a:bodyPr anchorCtr="0" anchor="t" bIns="91425" lIns="91425" spcFirstLastPara="1" rIns="91425" wrap="square" tIns="91425">
+            <a:noAutofit/>
+          </a:bodyPr>
+          <a:lstStyle/>
+          <a:p>
+            <a:pPr indent="0" lvl="0" marL="0" rtl="0" algn="l">
+              <a:spcBef>
+                <a:spcPts val="0"/>
+              </a:spcBef>
+              <a:spcAft>
+                <a:spcPts val="0"/>
+              </a:spcAft>
+              <a:buNone/>
+            </a:pPr>
+            <a:r>
+              <a:t/>
+            </a:r>
+            <a:endParaRPr/>
+          </a:p>
+        </p:txBody>
+      </p:sp>
+    </p:spTree>
+  </p:cSld>
+  <p:clrMapOvr>
+    <a:masterClrMapping/>
+  </p:clrMapOvr>
+</p:notes>
+</file>
+
+<file path=ppt/notesSlides/notesSlide21.xml><?xml version="1.0" encoding="utf-8"?>
+<p:notes xmlns:a="http://schemas.openxmlformats.org/drawingml/2006/main" xmlns:r="http://schemas.openxmlformats.org/officeDocument/2006/relationships" xmlns:mc="http://schemas.openxmlformats.org/markup-compatibility/2006" xmlns:mv="urn:schemas-microsoft-com:mac:vml" xmlns:p="http://schemas.openxmlformats.org/presentationml/2006/main" xmlns:c="http://schemas.openxmlformats.org/drawingml/2006/chart" xmlns:dgm="http://schemas.openxmlformats.org/drawingml/2006/diagram" xmlns:o="urn:schemas-microsoft-com:office:office" xmlns:v="urn:schemas-microsoft-com:vml" xmlns:pvml="urn:schemas-microsoft-com:office:powerpoint" xmlns:com="http://schemas.openxmlformats.org/drawingml/2006/compatibility" xmlns:p14="http://schemas.microsoft.com/office/powerpoint/2010/main" xmlns:p15="http://schemas.microsoft.com/office/powerpoint/2012/main" xmlns:ahyp="http://schemas.microsoft.com/office/drawing/2018/hyperlinkcolor" showMasterPhAnim="0" showMasterSp="0">
+  <p:cSld>
+    <p:spTree>
+      <p:nvGrpSpPr>
+        <p:cNvPr id="178" name="Shape 178"/>
+        <p:cNvGrpSpPr/>
+        <p:nvPr/>
+      </p:nvGrpSpPr>
+      <p:grpSpPr>
+        <a:xfrm>
+          <a:off x="0" y="0"/>
+          <a:ext cx="0" cy="0"/>
+          <a:chOff x="0" y="0"/>
+          <a:chExt cx="0" cy="0"/>
+        </a:xfrm>
+      </p:grpSpPr>
+      <p:sp>
+        <p:nvSpPr>
+          <p:cNvPr id="179" name="Google Shape;179;g3ba7baafcd5_0_251:notes"/>
+          <p:cNvSpPr/>
+          <p:nvPr>
+            <p:ph idx="2" type="sldImg"/>
+          </p:nvPr>
+        </p:nvSpPr>
+        <p:spPr>
+          <a:xfrm>
+            <a:off x="1143309" y="685800"/>
+            <a:ext cx="4572000" cy="3429000"/>
+          </a:xfrm>
+          <a:custGeom>
+            <a:rect b="b" l="l" r="r" t="t"/>
+            <a:pathLst>
+              <a:path extrusionOk="0" h="120000" w="120000">
+                <a:moveTo>
+                  <a:pt x="0" y="0"/>
+                </a:moveTo>
+                <a:lnTo>
+                  <a:pt x="120000" y="0"/>
+                </a:lnTo>
+                <a:lnTo>
+                  <a:pt x="120000" y="120000"/>
+                </a:lnTo>
+                <a:lnTo>
+                  <a:pt x="0" y="120000"/>
+                </a:lnTo>
+                <a:close/>
+              </a:path>
+            </a:pathLst>
+          </a:custGeom>
+        </p:spPr>
+      </p:sp>
+      <p:sp>
+        <p:nvSpPr>
+          <p:cNvPr id="180" name="Google Shape;180;g3ba7baafcd5_0_251:notes"/>
+          <p:cNvSpPr txBox="1"/>
+          <p:nvPr>
+            <p:ph idx="1" type="body"/>
+          </p:nvPr>
+        </p:nvSpPr>
+        <p:spPr>
+          <a:xfrm>
+            <a:off x="685800" y="4343400"/>
+            <a:ext cx="5486400" cy="4114800"/>
+          </a:xfrm>
+          <a:prstGeom prst="rect">
+            <a:avLst/>
+          </a:prstGeom>
+        </p:spPr>
+        <p:txBody>
+          <a:bodyPr anchorCtr="0" anchor="t" bIns="91425" lIns="91425" spcFirstLastPara="1" rIns="91425" wrap="square" tIns="91425">
+            <a:noAutofit/>
+          </a:bodyPr>
+          <a:lstStyle/>
+          <a:p>
+            <a:pPr indent="0" lvl="0" marL="0" rtl="0" algn="l">
+              <a:spcBef>
+                <a:spcPts val="0"/>
+              </a:spcBef>
+              <a:spcAft>
+                <a:spcPts val="0"/>
+              </a:spcAft>
+              <a:buNone/>
+            </a:pPr>
+            <a:r>
+              <a:t/>
+            </a:r>
+            <a:endParaRPr/>
+          </a:p>
+        </p:txBody>
+      </p:sp>
+    </p:spTree>
+  </p:cSld>
+  <p:clrMapOvr>
+    <a:masterClrMapping/>
+  </p:clrMapOvr>
+</p:notes>
+</file>
+
+<file path=ppt/notesSlides/notesSlide22.xml><?xml version="1.0" encoding="utf-8"?>
+<p:notes xmlns:a="http://schemas.openxmlformats.org/drawingml/2006/main" xmlns:r="http://schemas.openxmlformats.org/officeDocument/2006/relationships" xmlns:mc="http://schemas.openxmlformats.org/markup-compatibility/2006" xmlns:mv="urn:schemas-microsoft-com:mac:vml" xmlns:p="http://schemas.openxmlformats.org/presentationml/2006/main" xmlns:c="http://schemas.openxmlformats.org/drawingml/2006/chart" xmlns:dgm="http://schemas.openxmlformats.org/drawingml/2006/diagram" xmlns:o="urn:schemas-microsoft-com:office:office" xmlns:v="urn:schemas-microsoft-com:vml" xmlns:pvml="urn:schemas-microsoft-com:office:powerpoint" xmlns:com="http://schemas.openxmlformats.org/drawingml/2006/compatibility" xmlns:p14="http://schemas.microsoft.com/office/powerpoint/2010/main" xmlns:p15="http://schemas.microsoft.com/office/powerpoint/2012/main" xmlns:ahyp="http://schemas.microsoft.com/office/drawing/2018/hyperlinkcolor" showMasterPhAnim="0" showMasterSp="0">
+  <p:cSld>
+    <p:spTree>
+      <p:nvGrpSpPr>
+        <p:cNvPr id="185" name="Shape 185"/>
+        <p:cNvGrpSpPr/>
+        <p:nvPr/>
+      </p:nvGrpSpPr>
+      <p:grpSpPr>
+        <a:xfrm>
+          <a:off x="0" y="0"/>
+          <a:ext cx="0" cy="0"/>
+          <a:chOff x="0" y="0"/>
+          <a:chExt cx="0" cy="0"/>
+        </a:xfrm>
+      </p:grpSpPr>
+      <p:sp>
+        <p:nvSpPr>
+          <p:cNvPr id="186" name="Google Shape;186;g3ba7baafcd5_0_20:notes"/>
+          <p:cNvSpPr/>
+          <p:nvPr>
+            <p:ph idx="2" type="sldImg"/>
+          </p:nvPr>
+        </p:nvSpPr>
+        <p:spPr>
+          <a:xfrm>
+            <a:off x="1143309" y="685800"/>
+            <a:ext cx="4572000" cy="3429000"/>
+          </a:xfrm>
+          <a:custGeom>
+            <a:rect b="b" l="l" r="r" t="t"/>
+            <a:pathLst>
+              <a:path extrusionOk="0" h="120000" w="120000">
+                <a:moveTo>
+                  <a:pt x="0" y="0"/>
+                </a:moveTo>
+                <a:lnTo>
+                  <a:pt x="120000" y="0"/>
+                </a:lnTo>
+                <a:lnTo>
+                  <a:pt x="120000" y="120000"/>
+                </a:lnTo>
+                <a:lnTo>
+                  <a:pt x="0" y="120000"/>
+                </a:lnTo>
+                <a:close/>
+              </a:path>
+            </a:pathLst>
+          </a:custGeom>
+        </p:spPr>
+      </p:sp>
+      <p:sp>
+        <p:nvSpPr>
+          <p:cNvPr id="187" name="Google Shape;187;g3ba7baafcd5_0_20:notes"/>
+          <p:cNvSpPr txBox="1"/>
+          <p:nvPr>
+            <p:ph idx="1" type="body"/>
+          </p:nvPr>
+        </p:nvSpPr>
+        <p:spPr>
+          <a:xfrm>
+            <a:off x="685800" y="4343400"/>
+            <a:ext cx="5486400" cy="4114800"/>
+          </a:xfrm>
+          <a:prstGeom prst="rect">
+            <a:avLst/>
+          </a:prstGeom>
+        </p:spPr>
+        <p:txBody>
+          <a:bodyPr anchorCtr="0" anchor="t" bIns="91425" lIns="91425" spcFirstLastPara="1" rIns="91425" wrap="square" tIns="91425">
+            <a:noAutofit/>
+          </a:bodyPr>
+          <a:lstStyle/>
+          <a:p>
+            <a:pPr indent="0" lvl="0" marL="0" rtl="0" algn="l">
+              <a:spcBef>
+                <a:spcPts val="0"/>
+              </a:spcBef>
+              <a:spcAft>
+                <a:spcPts val="0"/>
+              </a:spcAft>
+              <a:buNone/>
+            </a:pPr>
+            <a:r>
+              <a:t/>
+            </a:r>
+            <a:endParaRPr/>
+          </a:p>
+        </p:txBody>
+      </p:sp>
+    </p:spTree>
+  </p:cSld>
+  <p:clrMapOvr>
+    <a:masterClrMapping/>
+  </p:clrMapOvr>
+</p:notes>
+</file>
+
+<file path=ppt/notesSlides/notesSlide23.xml><?xml version="1.0" encoding="utf-8"?>
+<p:notes xmlns:a="http://schemas.openxmlformats.org/drawingml/2006/main" xmlns:r="http://schemas.openxmlformats.org/officeDocument/2006/relationships" xmlns:mc="http://schemas.openxmlformats.org/markup-compatibility/2006" xmlns:mv="urn:schemas-microsoft-com:mac:vml" xmlns:p="http://schemas.openxmlformats.org/presentationml/2006/main" xmlns:c="http://schemas.openxmlformats.org/drawingml/2006/chart" xmlns:dgm="http://schemas.openxmlformats.org/drawingml/2006/diagram" xmlns:o="urn:schemas-microsoft-com:office:office" xmlns:v="urn:schemas-microsoft-com:vml" xmlns:pvml="urn:schemas-microsoft-com:office:powerpoint" xmlns:com="http://schemas.openxmlformats.org/drawingml/2006/compatibility" xmlns:p14="http://schemas.microsoft.com/office/powerpoint/2010/main" xmlns:p15="http://schemas.microsoft.com/office/powerpoint/2012/main" xmlns:ahyp="http://schemas.microsoft.com/office/drawing/2018/hyperlinkcolor" showMasterPhAnim="0" showMasterSp="0">
+  <p:cSld>
+    <p:spTree>
+      <p:nvGrpSpPr>
+        <p:cNvPr id="192" name="Shape 192"/>
+        <p:cNvGrpSpPr/>
+        <p:nvPr/>
+      </p:nvGrpSpPr>
+      <p:grpSpPr>
+        <a:xfrm>
+          <a:off x="0" y="0"/>
+          <a:ext cx="0" cy="0"/>
+          <a:chOff x="0" y="0"/>
+          <a:chExt cx="0" cy="0"/>
+        </a:xfrm>
+      </p:grpSpPr>
+      <p:sp>
+        <p:nvSpPr>
+          <p:cNvPr id="193" name="Google Shape;193;g3ba7baafcd5_0_224:notes"/>
+          <p:cNvSpPr/>
+          <p:nvPr>
+            <p:ph idx="2" type="sldImg"/>
+          </p:nvPr>
+        </p:nvSpPr>
+        <p:spPr>
+          <a:xfrm>
+            <a:off x="1143309" y="685800"/>
+            <a:ext cx="4572000" cy="3429000"/>
+          </a:xfrm>
+          <a:custGeom>
+            <a:rect b="b" l="l" r="r" t="t"/>
+            <a:pathLst>
+              <a:path extrusionOk="0" h="120000" w="120000">
+                <a:moveTo>
+                  <a:pt x="0" y="0"/>
+                </a:moveTo>
+                <a:lnTo>
+                  <a:pt x="120000" y="0"/>
+                </a:lnTo>
+                <a:lnTo>
+                  <a:pt x="120000" y="120000"/>
+                </a:lnTo>
+                <a:lnTo>
+                  <a:pt x="0" y="120000"/>
+                </a:lnTo>
+                <a:close/>
+              </a:path>
+            </a:pathLst>
+          </a:custGeom>
+        </p:spPr>
+      </p:sp>
+      <p:sp>
+        <p:nvSpPr>
+          <p:cNvPr id="194" name="Google Shape;194;g3ba7baafcd5_0_224:notes"/>
+          <p:cNvSpPr txBox="1"/>
+          <p:nvPr>
+            <p:ph idx="1" type="body"/>
+          </p:nvPr>
+        </p:nvSpPr>
+        <p:spPr>
+          <a:xfrm>
+            <a:off x="685800" y="4343400"/>
+            <a:ext cx="5486400" cy="4114800"/>
+          </a:xfrm>
+          <a:prstGeom prst="rect">
+            <a:avLst/>
+          </a:prstGeom>
+        </p:spPr>
+        <p:txBody>
+          <a:bodyPr anchorCtr="0" anchor="t" bIns="91425" lIns="91425" spcFirstLastPara="1" rIns="91425" wrap="square" tIns="91425">
+            <a:noAutofit/>
+          </a:bodyPr>
+          <a:lstStyle/>
+          <a:p>
+            <a:pPr indent="0" lvl="0" marL="0" rtl="0" algn="l">
+              <a:spcBef>
+                <a:spcPts val="0"/>
+              </a:spcBef>
+              <a:spcAft>
+                <a:spcPts val="0"/>
+              </a:spcAft>
+              <a:buNone/>
+            </a:pPr>
+            <a:r>
+              <a:t/>
+            </a:r>
+            <a:endParaRPr/>
+          </a:p>
+        </p:txBody>
+      </p:sp>
+    </p:spTree>
+  </p:cSld>
+  <p:clrMapOvr>
+    <a:masterClrMapping/>
+  </p:clrMapOvr>
+</p:notes>
+</file>
+
+<file path=ppt/notesSlides/notesSlide24.xml><?xml version="1.0" encoding="utf-8"?>
+<p:notes xmlns:a="http://schemas.openxmlformats.org/drawingml/2006/main" xmlns:r="http://schemas.openxmlformats.org/officeDocument/2006/relationships" xmlns:mc="http://schemas.openxmlformats.org/markup-compatibility/2006" xmlns:mv="urn:schemas-microsoft-com:mac:vml" xmlns:p="http://schemas.openxmlformats.org/presentationml/2006/main" xmlns:c="http://schemas.openxmlformats.org/drawingml/2006/chart" xmlns:dgm="http://schemas.openxmlformats.org/drawingml/2006/diagram" xmlns:o="urn:schemas-microsoft-com:office:office" xmlns:v="urn:schemas-microsoft-com:vml" xmlns:pvml="urn:schemas-microsoft-com:office:powerpoint" xmlns:com="http://schemas.openxmlformats.org/drawingml/2006/compatibility" xmlns:p14="http://schemas.microsoft.com/office/powerpoint/2010/main" xmlns:p15="http://schemas.microsoft.com/office/powerpoint/2012/main" xmlns:ahyp="http://schemas.microsoft.com/office/drawing/2018/hyperlinkcolor" showMasterPhAnim="0" showMasterSp="0">
+  <p:cSld>
+    <p:spTree>
+      <p:nvGrpSpPr>
+        <p:cNvPr id="200" name="Shape 200"/>
+        <p:cNvGrpSpPr/>
+        <p:nvPr/>
+      </p:nvGrpSpPr>
+      <p:grpSpPr>
+        <a:xfrm>
+          <a:off x="0" y="0"/>
+          <a:ext cx="0" cy="0"/>
+          <a:chOff x="0" y="0"/>
+          <a:chExt cx="0" cy="0"/>
+        </a:xfrm>
+      </p:grpSpPr>
+      <p:sp>
+        <p:nvSpPr>
+          <p:cNvPr id="201" name="Google Shape;201;g3ba7baafcd5_0_229:notes"/>
+          <p:cNvSpPr/>
+          <p:nvPr>
+            <p:ph idx="2" type="sldImg"/>
+          </p:nvPr>
+        </p:nvSpPr>
+        <p:spPr>
+          <a:xfrm>
+            <a:off x="1143309" y="685800"/>
+            <a:ext cx="4572000" cy="3429000"/>
+          </a:xfrm>
+          <a:custGeom>
+            <a:rect b="b" l="l" r="r" t="t"/>
+            <a:pathLst>
+              <a:path extrusionOk="0" h="120000" w="120000">
+                <a:moveTo>
+                  <a:pt x="0" y="0"/>
+                </a:moveTo>
+                <a:lnTo>
+                  <a:pt x="120000" y="0"/>
+                </a:lnTo>
+                <a:lnTo>
+                  <a:pt x="120000" y="120000"/>
+                </a:lnTo>
+                <a:lnTo>
+                  <a:pt x="0" y="120000"/>
+                </a:lnTo>
+                <a:close/>
+              </a:path>
+            </a:pathLst>
+          </a:custGeom>
+        </p:spPr>
+      </p:sp>
+      <p:sp>
+        <p:nvSpPr>
+          <p:cNvPr id="202" name="Google Shape;202;g3ba7baafcd5_0_229:notes"/>
+          <p:cNvSpPr txBox="1"/>
+          <p:nvPr>
+            <p:ph idx="1" type="body"/>
+          </p:nvPr>
+        </p:nvSpPr>
+        <p:spPr>
+          <a:xfrm>
+            <a:off x="685800" y="4343400"/>
+            <a:ext cx="5486400" cy="4114800"/>
+          </a:xfrm>
+          <a:prstGeom prst="rect">
+            <a:avLst/>
+          </a:prstGeom>
+        </p:spPr>
+        <p:txBody>
+          <a:bodyPr anchorCtr="0" anchor="t" bIns="91425" lIns="91425" spcFirstLastPara="1" rIns="91425" wrap="square" tIns="91425">
+            <a:noAutofit/>
+          </a:bodyPr>
+          <a:lstStyle/>
+          <a:p>
+            <a:pPr indent="0" lvl="0" marL="0" rtl="0" algn="l">
+              <a:spcBef>
+                <a:spcPts val="0"/>
+              </a:spcBef>
+              <a:spcAft>
+                <a:spcPts val="0"/>
+              </a:spcAft>
+              <a:buNone/>
+            </a:pPr>
+            <a:r>
+              <a:t/>
+            </a:r>
+            <a:endParaRPr/>
+          </a:p>
+        </p:txBody>
+      </p:sp>
+    </p:spTree>
+  </p:cSld>
+  <p:clrMapOvr>
+    <a:masterClrMapping/>
+  </p:clrMapOvr>
+</p:notes>
+</file>
+
+<file path=ppt/notesSlides/notesSlide25.xml><?xml version="1.0" encoding="utf-8"?>
+<p:notes xmlns:a="http://schemas.openxmlformats.org/drawingml/2006/main" xmlns:r="http://schemas.openxmlformats.org/officeDocument/2006/relationships" xmlns:mc="http://schemas.openxmlformats.org/markup-compatibility/2006" xmlns:mv="urn:schemas-microsoft-com:mac:vml" xmlns:p="http://schemas.openxmlformats.org/presentationml/2006/main" xmlns:c="http://schemas.openxmlformats.org/drawingml/2006/chart" xmlns:dgm="http://schemas.openxmlformats.org/drawingml/2006/diagram" xmlns:o="urn:schemas-microsoft-com:office:office" xmlns:v="urn:schemas-microsoft-com:vml" xmlns:pvml="urn:schemas-microsoft-com:office:powerpoint" xmlns:com="http://schemas.openxmlformats.org/drawingml/2006/compatibility" xmlns:p14="http://schemas.microsoft.com/office/powerpoint/2010/main" xmlns:p15="http://schemas.microsoft.com/office/powerpoint/2012/main" xmlns:ahyp="http://schemas.microsoft.com/office/drawing/2018/hyperlinkcolor" showMasterPhAnim="0" showMasterSp="0">
+  <p:cSld>
+    <p:spTree>
+      <p:nvGrpSpPr>
+        <p:cNvPr id="208" name="Shape 208"/>
+        <p:cNvGrpSpPr/>
+        <p:nvPr/>
+      </p:nvGrpSpPr>
+      <p:grpSpPr>
+        <a:xfrm>
+          <a:off x="0" y="0"/>
+          <a:ext cx="0" cy="0"/>
+          <a:chOff x="0" y="0"/>
+          <a:chExt cx="0" cy="0"/>
+        </a:xfrm>
+      </p:grpSpPr>
+      <p:sp>
+        <p:nvSpPr>
+          <p:cNvPr id="209" name="Google Shape;209;g3ba7baafcd5_0_10:notes"/>
+          <p:cNvSpPr/>
+          <p:nvPr>
+            <p:ph idx="2" type="sldImg"/>
+          </p:nvPr>
+        </p:nvSpPr>
+        <p:spPr>
+          <a:xfrm>
+            <a:off x="1143309" y="685800"/>
+            <a:ext cx="4572000" cy="3429000"/>
+          </a:xfrm>
+          <a:custGeom>
+            <a:rect b="b" l="l" r="r" t="t"/>
+            <a:pathLst>
+              <a:path extrusionOk="0" h="120000" w="120000">
+                <a:moveTo>
+                  <a:pt x="0" y="0"/>
+                </a:moveTo>
+                <a:lnTo>
+                  <a:pt x="120000" y="0"/>
+                </a:lnTo>
+                <a:lnTo>
+                  <a:pt x="120000" y="120000"/>
+                </a:lnTo>
+                <a:lnTo>
+                  <a:pt x="0" y="120000"/>
+                </a:lnTo>
+                <a:close/>
+              </a:path>
+            </a:pathLst>
+          </a:custGeom>
+        </p:spPr>
+      </p:sp>
+      <p:sp>
+        <p:nvSpPr>
+          <p:cNvPr id="210" name="Google Shape;210;g3ba7baafcd5_0_10:notes"/>
+          <p:cNvSpPr txBox="1"/>
+          <p:nvPr>
+            <p:ph idx="1" type="body"/>
+          </p:nvPr>
+        </p:nvSpPr>
+        <p:spPr>
+          <a:xfrm>
+            <a:off x="685800" y="4343400"/>
+            <a:ext cx="5486400" cy="4114800"/>
+          </a:xfrm>
+          <a:prstGeom prst="rect">
+            <a:avLst/>
+          </a:prstGeom>
+        </p:spPr>
+        <p:txBody>
+          <a:bodyPr anchorCtr="0" anchor="t" bIns="91425" lIns="91425" spcFirstLastPara="1" rIns="91425" wrap="square" tIns="91425">
+            <a:noAutofit/>
+          </a:bodyPr>
+          <a:lstStyle/>
+          <a:p>
+            <a:pPr indent="0" lvl="0" marL="0" rtl="0" algn="l">
+              <a:spcBef>
+                <a:spcPts val="0"/>
+              </a:spcBef>
+              <a:spcAft>
+                <a:spcPts val="0"/>
+              </a:spcAft>
+              <a:buNone/>
+            </a:pPr>
+            <a:r>
+              <a:t/>
+            </a:r>
+            <a:endParaRPr/>
+          </a:p>
+        </p:txBody>
+      </p:sp>
+    </p:spTree>
+  </p:cSld>
+  <p:clrMapOvr>
+    <a:masterClrMapping/>
+  </p:clrMapOvr>
+</p:notes>
+</file>
+
+<file path=ppt/notesSlides/notesSlide26.xml><?xml version="1.0" encoding="utf-8"?>
+<p:notes xmlns:a="http://schemas.openxmlformats.org/drawingml/2006/main" xmlns:r="http://schemas.openxmlformats.org/officeDocument/2006/relationships" xmlns:mc="http://schemas.openxmlformats.org/markup-compatibility/2006" xmlns:mv="urn:schemas-microsoft-com:mac:vml" xmlns:p="http://schemas.openxmlformats.org/presentationml/2006/main" xmlns:c="http://schemas.openxmlformats.org/drawingml/2006/chart" xmlns:dgm="http://schemas.openxmlformats.org/drawingml/2006/diagram" xmlns:o="urn:schemas-microsoft-com:office:office" xmlns:v="urn:schemas-microsoft-com:vml" xmlns:pvml="urn:schemas-microsoft-com:office:powerpoint" xmlns:com="http://schemas.openxmlformats.org/drawingml/2006/compatibility" xmlns:p14="http://schemas.microsoft.com/office/powerpoint/2010/main" xmlns:p15="http://schemas.microsoft.com/office/powerpoint/2012/main" xmlns:ahyp="http://schemas.microsoft.com/office/drawing/2018/hyperlinkcolor" showMasterPhAnim="0" showMasterSp="0">
+  <p:cSld>
+    <p:spTree>
+      <p:nvGrpSpPr>
+        <p:cNvPr id="215" name="Shape 215"/>
+        <p:cNvGrpSpPr/>
+        <p:nvPr/>
+      </p:nvGrpSpPr>
+      <p:grpSpPr>
+        <a:xfrm>
+          <a:off x="0" y="0"/>
+          <a:ext cx="0" cy="0"/>
+          <a:chOff x="0" y="0"/>
+          <a:chExt cx="0" cy="0"/>
+        </a:xfrm>
+      </p:grpSpPr>
+      <p:sp>
+        <p:nvSpPr>
+          <p:cNvPr id="216" name="Google Shape;216;g3ba7baafcd5_0_15:notes"/>
+          <p:cNvSpPr/>
+          <p:nvPr>
+            <p:ph idx="2" type="sldImg"/>
+          </p:nvPr>
+        </p:nvSpPr>
+        <p:spPr>
+          <a:xfrm>
+            <a:off x="1143309" y="685800"/>
+            <a:ext cx="4572000" cy="3429000"/>
+          </a:xfrm>
+          <a:custGeom>
+            <a:rect b="b" l="l" r="r" t="t"/>
+            <a:pathLst>
+              <a:path extrusionOk="0" h="120000" w="120000">
+                <a:moveTo>
+                  <a:pt x="0" y="0"/>
+                </a:moveTo>
+                <a:lnTo>
+                  <a:pt x="120000" y="0"/>
+                </a:lnTo>
+                <a:lnTo>
+                  <a:pt x="120000" y="120000"/>
+                </a:lnTo>
+                <a:lnTo>
+                  <a:pt x="0" y="120000"/>
+                </a:lnTo>
+                <a:close/>
+              </a:path>
+            </a:pathLst>
+          </a:custGeom>
+        </p:spPr>
+      </p:sp>
+      <p:sp>
+        <p:nvSpPr>
+          <p:cNvPr id="217" name="Google Shape;217;g3ba7baafcd5_0_15:notes"/>
+          <p:cNvSpPr txBox="1"/>
+          <p:nvPr>
+            <p:ph idx="1" type="body"/>
+          </p:nvPr>
+        </p:nvSpPr>
+        <p:spPr>
+          <a:xfrm>
+            <a:off x="685800" y="4343400"/>
+            <a:ext cx="5486400" cy="4114800"/>
+          </a:xfrm>
+          <a:prstGeom prst="rect">
+            <a:avLst/>
+          </a:prstGeom>
+        </p:spPr>
+        <p:txBody>
+          <a:bodyPr anchorCtr="0" anchor="t" bIns="91425" lIns="91425" spcFirstLastPara="1" rIns="91425" wrap="square" tIns="91425">
+            <a:noAutofit/>
+          </a:bodyPr>
+          <a:lstStyle/>
+          <a:p>
+            <a:pPr indent="0" lvl="0" marL="0" rtl="0" algn="l">
+              <a:spcBef>
+                <a:spcPts val="0"/>
+              </a:spcBef>
+              <a:spcAft>
+                <a:spcPts val="0"/>
+              </a:spcAft>
+              <a:buNone/>
+            </a:pPr>
+            <a:r>
+              <a:t/>
+            </a:r>
+            <a:endParaRPr/>
+          </a:p>
+        </p:txBody>
+      </p:sp>
+    </p:spTree>
+  </p:cSld>
+  <p:clrMapOvr>
+    <a:masterClrMapping/>
+  </p:clrMapOvr>
+</p:notes>
+</file>
+
+<file path=ppt/notesSlides/notesSlide27.xml><?xml version="1.0" encoding="utf-8"?>
+<p:notes xmlns:a="http://schemas.openxmlformats.org/drawingml/2006/main" xmlns:r="http://schemas.openxmlformats.org/officeDocument/2006/relationships" xmlns:mc="http://schemas.openxmlformats.org/markup-compatibility/2006" xmlns:mv="urn:schemas-microsoft-com:mac:vml" xmlns:p="http://schemas.openxmlformats.org/presentationml/2006/main" xmlns:c="http://schemas.openxmlformats.org/drawingml/2006/chart" xmlns:dgm="http://schemas.openxmlformats.org/drawingml/2006/diagram" xmlns:o="urn:schemas-microsoft-com:office:office" xmlns:v="urn:schemas-microsoft-com:vml" xmlns:pvml="urn:schemas-microsoft-com:office:powerpoint" xmlns:com="http://schemas.openxmlformats.org/drawingml/2006/compatibility" xmlns:p14="http://schemas.microsoft.com/office/powerpoint/2010/main" xmlns:p15="http://schemas.microsoft.com/office/powerpoint/2012/main" xmlns:ahyp="http://schemas.microsoft.com/office/drawing/2018/hyperlinkcolor" showMasterPhAnim="0" showMasterSp="0">
+  <p:cSld>
+    <p:spTree>
+      <p:nvGrpSpPr>
+        <p:cNvPr id="222" name="Shape 222"/>
+        <p:cNvGrpSpPr/>
+        <p:nvPr/>
+      </p:nvGrpSpPr>
+      <p:grpSpPr>
+        <a:xfrm>
+          <a:off x="0" y="0"/>
+          <a:ext cx="0" cy="0"/>
+          <a:chOff x="0" y="0"/>
+          <a:chExt cx="0" cy="0"/>
+        </a:xfrm>
+      </p:grpSpPr>
+      <p:sp>
+        <p:nvSpPr>
+          <p:cNvPr id="223" name="Google Shape;223;g3ba7baafcd5_0_201:notes"/>
+          <p:cNvSpPr/>
+          <p:nvPr>
+            <p:ph idx="2" type="sldImg"/>
+          </p:nvPr>
+        </p:nvSpPr>
+        <p:spPr>
+          <a:xfrm>
+            <a:off x="1143309" y="685800"/>
+            <a:ext cx="4572000" cy="3429000"/>
+          </a:xfrm>
+          <a:custGeom>
+            <a:rect b="b" l="l" r="r" t="t"/>
+            <a:pathLst>
+              <a:path extrusionOk="0" h="120000" w="120000">
+                <a:moveTo>
+                  <a:pt x="0" y="0"/>
+                </a:moveTo>
+                <a:lnTo>
+                  <a:pt x="120000" y="0"/>
+                </a:lnTo>
+                <a:lnTo>
+                  <a:pt x="120000" y="120000"/>
+                </a:lnTo>
+                <a:lnTo>
+                  <a:pt x="0" y="120000"/>
+                </a:lnTo>
+                <a:close/>
+              </a:path>
+            </a:pathLst>
+          </a:custGeom>
+        </p:spPr>
+      </p:sp>
+      <p:sp>
+        <p:nvSpPr>
+          <p:cNvPr id="224" name="Google Shape;224;g3ba7baafcd5_0_201:notes"/>
+          <p:cNvSpPr txBox="1"/>
+          <p:nvPr>
+            <p:ph idx="1" type="body"/>
+          </p:nvPr>
+        </p:nvSpPr>
+        <p:spPr>
+          <a:xfrm>
+            <a:off x="685800" y="4343400"/>
+            <a:ext cx="5486400" cy="4114800"/>
+          </a:xfrm>
+          <a:prstGeom prst="rect">
+            <a:avLst/>
+          </a:prstGeom>
+        </p:spPr>
+        <p:txBody>
+          <a:bodyPr anchorCtr="0" anchor="t" bIns="91425" lIns="91425" spcFirstLastPara="1" rIns="91425" wrap="square" tIns="91425">
+            <a:noAutofit/>
+          </a:bodyPr>
+          <a:lstStyle/>
+          <a:p>
+            <a:pPr indent="0" lvl="0" marL="0" rtl="0" algn="l">
+              <a:spcBef>
+                <a:spcPts val="0"/>
+              </a:spcBef>
+              <a:spcAft>
+                <a:spcPts val="0"/>
+              </a:spcAft>
+              <a:buNone/>
+            </a:pPr>
+            <a:r>
+              <a:t/>
+            </a:r>
+            <a:endParaRPr/>
+          </a:p>
+        </p:txBody>
+      </p:sp>
+    </p:spTree>
+  </p:cSld>
+  <p:clrMapOvr>
+    <a:masterClrMapping/>
+  </p:clrMapOvr>
+</p:notes>
+</file>
+
+<file path=ppt/notesSlides/notesSlide28.xml><?xml version="1.0" encoding="utf-8"?>
+<p:notes xmlns:a="http://schemas.openxmlformats.org/drawingml/2006/main" xmlns:r="http://schemas.openxmlformats.org/officeDocument/2006/relationships" xmlns:mc="http://schemas.openxmlformats.org/markup-compatibility/2006" xmlns:mv="urn:schemas-microsoft-com:mac:vml" xmlns:p="http://schemas.openxmlformats.org/presentationml/2006/main" xmlns:c="http://schemas.openxmlformats.org/drawingml/2006/chart" xmlns:dgm="http://schemas.openxmlformats.org/drawingml/2006/diagram" xmlns:o="urn:schemas-microsoft-com:office:office" xmlns:v="urn:schemas-microsoft-com:vml" xmlns:pvml="urn:schemas-microsoft-com:office:powerpoint" xmlns:com="http://schemas.openxmlformats.org/drawingml/2006/compatibility" xmlns:p14="http://schemas.microsoft.com/office/powerpoint/2010/main" xmlns:p15="http://schemas.microsoft.com/office/powerpoint/2012/main" xmlns:ahyp="http://schemas.microsoft.com/office/drawing/2018/hyperlinkcolor" showMasterPhAnim="0" showMasterSp="0">
+  <p:cSld>
+    <p:spTree>
+      <p:nvGrpSpPr>
+        <p:cNvPr id="228" name="Shape 228"/>
+        <p:cNvGrpSpPr/>
+        <p:nvPr/>
+      </p:nvGrpSpPr>
+      <p:grpSpPr>
+        <a:xfrm>
+          <a:off x="0" y="0"/>
+          <a:ext cx="0" cy="0"/>
+          <a:chOff x="0" y="0"/>
+          <a:chExt cx="0" cy="0"/>
+        </a:xfrm>
+      </p:grpSpPr>
+      <p:sp>
+        <p:nvSpPr>
+          <p:cNvPr id="229" name="Google Shape;229;g3ba79990f52_0_21:notes"/>
+          <p:cNvSpPr/>
+          <p:nvPr>
+            <p:ph idx="2" type="sldImg"/>
+          </p:nvPr>
+        </p:nvSpPr>
+        <p:spPr>
+          <a:xfrm>
+            <a:off x="1143309" y="685800"/>
+            <a:ext cx="4572000" cy="3429000"/>
+          </a:xfrm>
+          <a:custGeom>
+            <a:rect b="b" l="l" r="r" t="t"/>
+            <a:pathLst>
+              <a:path extrusionOk="0" h="120000" w="120000">
+                <a:moveTo>
+                  <a:pt x="0" y="0"/>
+                </a:moveTo>
+                <a:lnTo>
+                  <a:pt x="120000" y="0"/>
+                </a:lnTo>
+                <a:lnTo>
+                  <a:pt x="120000" y="120000"/>
+                </a:lnTo>
+                <a:lnTo>
+                  <a:pt x="0" y="120000"/>
+                </a:lnTo>
+                <a:close/>
+              </a:path>
+            </a:pathLst>
+          </a:custGeom>
+          <a:noFill/>
+          <a:ln cap="flat" cmpd="sng" w="9525">
+            <a:solidFill>
+              <a:srgbClr val="000000"/>
+            </a:solidFill>
+            <a:prstDash val="solid"/>
+            <a:round/>
+            <a:headEnd len="sm" w="sm" type="none"/>
+            <a:tailEnd len="sm" w="sm" type="none"/>
+          </a:ln>
+        </p:spPr>
+      </p:sp>
+      <p:sp>
+        <p:nvSpPr>
+          <p:cNvPr id="230" name="Google Shape;230;g3ba79990f52_0_21:notes"/>
+          <p:cNvSpPr txBox="1"/>
+          <p:nvPr>
+            <p:ph idx="1" type="body"/>
+          </p:nvPr>
+        </p:nvSpPr>
+        <p:spPr>
+          <a:xfrm>
+            <a:off x="685800" y="4343400"/>
+            <a:ext cx="5486400" cy="4114800"/>
+          </a:xfrm>
+          <a:prstGeom prst="rect">
+            <a:avLst/>
+          </a:prstGeom>
+          <a:noFill/>
+          <a:ln>
+            <a:noFill/>
+          </a:ln>
+        </p:spPr>
+        <p:txBody>
+          <a:bodyPr anchorCtr="0" anchor="t" bIns="91425" lIns="91425" spcFirstLastPara="1" rIns="91425" wrap="square" tIns="91425">
+            <a:noAutofit/>
+          </a:bodyPr>
+          <a:lstStyle/>
+          <a:p>
+            <a:pPr indent="0" lvl="0" marL="0" rtl="0" algn="l">
+              <a:lnSpc>
+                <a:spcPct val="100000"/>
+              </a:lnSpc>
+              <a:spcBef>
+                <a:spcPts val="0"/>
+              </a:spcBef>
+              <a:spcAft>
+                <a:spcPts val="0"/>
+              </a:spcAft>
+              <a:buSzPts val="1400"/>
+              <a:buNone/>
+            </a:pPr>
+            <a:r>
+              <a:t/>
+            </a:r>
+            <a:endParaRPr/>
+          </a:p>
+        </p:txBody>
+      </p:sp>
+    </p:spTree>
+  </p:cSld>
+  <p:clrMapOvr>
+    <a:masterClrMapping/>
+  </p:clrMapOvr>
+</p:notes>
+</file>
+
+<file path=ppt/notesSlides/notesSlide29.xml><?xml version="1.0" encoding="utf-8"?>
+<p:notes xmlns:a="http://schemas.openxmlformats.org/drawingml/2006/main" xmlns:r="http://schemas.openxmlformats.org/officeDocument/2006/relationships" xmlns:mc="http://schemas.openxmlformats.org/markup-compatibility/2006" xmlns:mv="urn:schemas-microsoft-com:mac:vml" xmlns:p="http://schemas.openxmlformats.org/presentationml/2006/main" xmlns:c="http://schemas.openxmlformats.org/drawingml/2006/chart" xmlns:dgm="http://schemas.openxmlformats.org/drawingml/2006/diagram" xmlns:o="urn:schemas-microsoft-com:office:office" xmlns:v="urn:schemas-microsoft-com:vml" xmlns:pvml="urn:schemas-microsoft-com:office:powerpoint" xmlns:com="http://schemas.openxmlformats.org/drawingml/2006/compatibility" xmlns:p14="http://schemas.microsoft.com/office/powerpoint/2010/main" xmlns:p15="http://schemas.microsoft.com/office/powerpoint/2012/main" xmlns:ahyp="http://schemas.microsoft.com/office/drawing/2018/hyperlinkcolor" showMasterPhAnim="0" showMasterSp="0">
+  <p:cSld>
+    <p:spTree>
+      <p:nvGrpSpPr>
+        <p:cNvPr id="235" name="Shape 235"/>
+        <p:cNvGrpSpPr/>
+        <p:nvPr/>
+      </p:nvGrpSpPr>
+      <p:grpSpPr>
+        <a:xfrm>
+          <a:off x="0" y="0"/>
+          <a:ext cx="0" cy="0"/>
+          <a:chOff x="0" y="0"/>
+          <a:chExt cx="0" cy="0"/>
+        </a:xfrm>
+      </p:grpSpPr>
+      <p:sp>
+        <p:nvSpPr>
+          <p:cNvPr id="236" name="Google Shape;236;g3ba79990f52_0_26:notes"/>
+          <p:cNvSpPr/>
+          <p:nvPr>
+            <p:ph idx="2" type="sldImg"/>
+          </p:nvPr>
+        </p:nvSpPr>
+        <p:spPr>
+          <a:xfrm>
+            <a:off x="1143309" y="685800"/>
+            <a:ext cx="4572000" cy="3429000"/>
+          </a:xfrm>
+          <a:custGeom>
+            <a:rect b="b" l="l" r="r" t="t"/>
+            <a:pathLst>
+              <a:path extrusionOk="0" h="120000" w="120000">
+                <a:moveTo>
+                  <a:pt x="0" y="0"/>
+                </a:moveTo>
+                <a:lnTo>
+                  <a:pt x="120000" y="0"/>
+                </a:lnTo>
+                <a:lnTo>
+                  <a:pt x="120000" y="120000"/>
+                </a:lnTo>
+                <a:lnTo>
+                  <a:pt x="0" y="120000"/>
+                </a:lnTo>
+                <a:close/>
+              </a:path>
+            </a:pathLst>
+          </a:custGeom>
+          <a:noFill/>
+          <a:ln cap="flat" cmpd="sng" w="9525">
+            <a:solidFill>
+              <a:srgbClr val="000000"/>
+            </a:solidFill>
+            <a:prstDash val="solid"/>
+            <a:round/>
+            <a:headEnd len="sm" w="sm" type="none"/>
+            <a:tailEnd len="sm" w="sm" type="none"/>
+          </a:ln>
+        </p:spPr>
+      </p:sp>
+      <p:sp>
+        <p:nvSpPr>
+          <p:cNvPr id="237" name="Google Shape;237;g3ba79990f52_0_26:notes"/>
+          <p:cNvSpPr txBox="1"/>
+          <p:nvPr>
+            <p:ph idx="1" type="body"/>
+          </p:nvPr>
+        </p:nvSpPr>
+        <p:spPr>
+          <a:xfrm>
+            <a:off x="685800" y="4343400"/>
+            <a:ext cx="5486400" cy="4114800"/>
+          </a:xfrm>
+          <a:prstGeom prst="rect">
+            <a:avLst/>
+          </a:prstGeom>
+          <a:noFill/>
+          <a:ln>
+            <a:noFill/>
+          </a:ln>
+        </p:spPr>
+        <p:txBody>
+          <a:bodyPr anchorCtr="0" anchor="t" bIns="91425" lIns="91425" spcFirstLastPara="1" rIns="91425" wrap="square" tIns="91425">
+            <a:noAutofit/>
+          </a:bodyPr>
+          <a:lstStyle/>
+          <a:p>
+            <a:pPr indent="0" lvl="0" marL="0" rtl="0" algn="l">
+              <a:lnSpc>
+                <a:spcPct val="100000"/>
+              </a:lnSpc>
+              <a:spcBef>
+                <a:spcPts val="0"/>
+              </a:spcBef>
+              <a:spcAft>
+                <a:spcPts val="0"/>
+              </a:spcAft>
+              <a:buSzPts val="1400"/>
+              <a:buNone/>
+            </a:pPr>
+            <a:r>
+              <a:t/>
+            </a:r>
+            <a:endParaRPr/>
+          </a:p>
+        </p:txBody>
+      </p:sp>
+    </p:spTree>
+  </p:cSld>
+  <p:clrMapOvr>
+    <a:masterClrMapping/>
+  </p:clrMapOvr>
+</p:notes>
+</file>
+
+<file path=ppt/notesSlides/notesSlide3.xml><?xml version="1.0" encoding="utf-8"?>
+<p:notes xmlns:a="http://schemas.openxmlformats.org/drawingml/2006/main" xmlns:r="http://schemas.openxmlformats.org/officeDocument/2006/relationships" xmlns:mc="http://schemas.openxmlformats.org/markup-compatibility/2006" xmlns:mv="urn:schemas-microsoft-com:mac:vml" xmlns:p="http://schemas.openxmlformats.org/presentationml/2006/main" xmlns:c="http://schemas.openxmlformats.org/drawingml/2006/chart" xmlns:dgm="http://schemas.openxmlformats.org/drawingml/2006/diagram" xmlns:o="urn:schemas-microsoft-com:office:office" xmlns:v="urn:schemas-microsoft-com:vml" xmlns:pvml="urn:schemas-microsoft-com:office:powerpoint" xmlns:com="http://schemas.openxmlformats.org/drawingml/2006/compatibility" xmlns:p14="http://schemas.microsoft.com/office/powerpoint/2010/main" xmlns:p15="http://schemas.microsoft.com/office/powerpoint/2012/main" xmlns:ahyp="http://schemas.microsoft.com/office/drawing/2018/hyperlinkcolor" showMasterPhAnim="0" showMasterSp="0">
+  <p:cSld>
+    <p:spTree>
+      <p:nvGrpSpPr>
+        <p:cNvPr id="42" name="Shape 42"/>
+        <p:cNvGrpSpPr/>
+        <p:nvPr/>
+      </p:nvGrpSpPr>
+      <p:grpSpPr>
+        <a:xfrm>
+          <a:off x="0" y="0"/>
+          <a:ext cx="0" cy="0"/>
+          <a:chOff x="0" y="0"/>
+          <a:chExt cx="0" cy="0"/>
+        </a:xfrm>
+      </p:grpSpPr>
+      <p:sp>
+        <p:nvSpPr>
+          <p:cNvPr id="43" name="Google Shape;43;g3ba79990f52_0_5:notes"/>
+          <p:cNvSpPr/>
+          <p:nvPr>
+            <p:ph idx="2" type="sldImg"/>
+          </p:nvPr>
+        </p:nvSpPr>
+        <p:spPr>
+          <a:xfrm>
+            <a:off x="1143309" y="685800"/>
+            <a:ext cx="4572000" cy="3429000"/>
+          </a:xfrm>
+          <a:custGeom>
+            <a:rect b="b" l="l" r="r" t="t"/>
+            <a:pathLst>
+              <a:path extrusionOk="0" h="120000" w="120000">
+                <a:moveTo>
+                  <a:pt x="0" y="0"/>
+                </a:moveTo>
+                <a:lnTo>
+                  <a:pt x="120000" y="0"/>
+                </a:lnTo>
+                <a:lnTo>
+                  <a:pt x="120000" y="120000"/>
+                </a:lnTo>
+                <a:lnTo>
+                  <a:pt x="0" y="120000"/>
+                </a:lnTo>
+                <a:close/>
+              </a:path>
+            </a:pathLst>
+          </a:custGeom>
+          <a:noFill/>
+          <a:ln cap="flat" cmpd="sng" w="9525">
+            <a:solidFill>
+              <a:srgbClr val="000000"/>
+            </a:solidFill>
+            <a:prstDash val="solid"/>
+            <a:round/>
+            <a:headEnd len="sm" w="sm" type="none"/>
+            <a:tailEnd len="sm" w="sm" type="none"/>
+          </a:ln>
+        </p:spPr>
+      </p:sp>
+      <p:sp>
+        <p:nvSpPr>
+          <p:cNvPr id="44" name="Google Shape;44;g3ba79990f52_0_5:notes"/>
+          <p:cNvSpPr txBox="1"/>
+          <p:nvPr>
+            <p:ph idx="1" type="body"/>
+          </p:nvPr>
+        </p:nvSpPr>
+        <p:spPr>
+          <a:xfrm>
+            <a:off x="685800" y="4343400"/>
+            <a:ext cx="5486400" cy="4114800"/>
+          </a:xfrm>
+          <a:prstGeom prst="rect">
+            <a:avLst/>
+          </a:prstGeom>
+          <a:noFill/>
+          <a:ln>
+            <a:noFill/>
+          </a:ln>
+        </p:spPr>
+        <p:txBody>
+          <a:bodyPr anchorCtr="0" anchor="t" bIns="91425" lIns="91425" spcFirstLastPara="1" rIns="91425" wrap="square" tIns="91425">
+            <a:noAutofit/>
+          </a:bodyPr>
+          <a:lstStyle/>
+          <a:p>
+            <a:pPr indent="0" lvl="0" marL="0" rtl="0" algn="l">
+              <a:lnSpc>
+                <a:spcPct val="100000"/>
+              </a:lnSpc>
+              <a:spcBef>
+                <a:spcPts val="0"/>
+              </a:spcBef>
+              <a:spcAft>
+                <a:spcPts val="0"/>
+              </a:spcAft>
+              <a:buSzPts val="1400"/>
+              <a:buNone/>
+            </a:pPr>
+            <a:r>
+              <a:t/>
+            </a:r>
+            <a:endParaRPr/>
+          </a:p>
+        </p:txBody>
+      </p:sp>
+    </p:spTree>
+  </p:cSld>
+  <p:clrMapOvr>
+    <a:masterClrMapping/>
+  </p:clrMapOvr>
+</p:notes>
+</file>
+
+<file path=ppt/notesSlides/notesSlide30.xml><?xml version="1.0" encoding="utf-8"?>
+<p:notes xmlns:a="http://schemas.openxmlformats.org/drawingml/2006/main" xmlns:r="http://schemas.openxmlformats.org/officeDocument/2006/relationships" xmlns:mc="http://schemas.openxmlformats.org/markup-compatibility/2006" xmlns:mv="urn:schemas-microsoft-com:mac:vml" xmlns:p="http://schemas.openxmlformats.org/presentationml/2006/main" xmlns:c="http://schemas.openxmlformats.org/drawingml/2006/chart" xmlns:dgm="http://schemas.openxmlformats.org/drawingml/2006/diagram" xmlns:o="urn:schemas-microsoft-com:office:office" xmlns:v="urn:schemas-microsoft-com:vml" xmlns:pvml="urn:schemas-microsoft-com:office:powerpoint" xmlns:com="http://schemas.openxmlformats.org/drawingml/2006/compatibility" xmlns:p14="http://schemas.microsoft.com/office/powerpoint/2010/main" xmlns:p15="http://schemas.microsoft.com/office/powerpoint/2012/main" xmlns:ahyp="http://schemas.microsoft.com/office/drawing/2018/hyperlinkcolor" showMasterPhAnim="0" showMasterSp="0">
+  <p:cSld>
+    <p:spTree>
+      <p:nvGrpSpPr>
+        <p:cNvPr id="242" name="Shape 242"/>
+        <p:cNvGrpSpPr/>
+        <p:nvPr/>
+      </p:nvGrpSpPr>
+      <p:grpSpPr>
+        <a:xfrm>
+          <a:off x="0" y="0"/>
+          <a:ext cx="0" cy="0"/>
+          <a:chOff x="0" y="0"/>
+          <a:chExt cx="0" cy="0"/>
+        </a:xfrm>
+      </p:grpSpPr>
+      <p:sp>
+        <p:nvSpPr>
+          <p:cNvPr id="243" name="Google Shape;243;g3ba79990f52_0_31:notes"/>
+          <p:cNvSpPr/>
+          <p:nvPr>
+            <p:ph idx="2" type="sldImg"/>
+          </p:nvPr>
+        </p:nvSpPr>
+        <p:spPr>
+          <a:xfrm>
+            <a:off x="1143309" y="685800"/>
+            <a:ext cx="4572000" cy="3429000"/>
+          </a:xfrm>
+          <a:custGeom>
+            <a:rect b="b" l="l" r="r" t="t"/>
+            <a:pathLst>
+              <a:path extrusionOk="0" h="120000" w="120000">
+                <a:moveTo>
+                  <a:pt x="0" y="0"/>
+                </a:moveTo>
+                <a:lnTo>
+                  <a:pt x="120000" y="0"/>
+                </a:lnTo>
+                <a:lnTo>
+                  <a:pt x="120000" y="120000"/>
+                </a:lnTo>
+                <a:lnTo>
+                  <a:pt x="0" y="120000"/>
+                </a:lnTo>
+                <a:close/>
+              </a:path>
+            </a:pathLst>
+          </a:custGeom>
+          <a:noFill/>
+          <a:ln cap="flat" cmpd="sng" w="9525">
+            <a:solidFill>
+              <a:srgbClr val="000000"/>
+            </a:solidFill>
+            <a:prstDash val="solid"/>
+            <a:round/>
+            <a:headEnd len="sm" w="sm" type="none"/>
+            <a:tailEnd len="sm" w="sm" type="none"/>
+          </a:ln>
+        </p:spPr>
+      </p:sp>
+      <p:sp>
+        <p:nvSpPr>
+          <p:cNvPr id="244" name="Google Shape;244;g3ba79990f52_0_31:notes"/>
+          <p:cNvSpPr txBox="1"/>
+          <p:nvPr>
+            <p:ph idx="1" type="body"/>
+          </p:nvPr>
+        </p:nvSpPr>
+        <p:spPr>
+          <a:xfrm>
+            <a:off x="685800" y="4343400"/>
+            <a:ext cx="5486400" cy="4114800"/>
+          </a:xfrm>
+          <a:prstGeom prst="rect">
+            <a:avLst/>
+          </a:prstGeom>
+          <a:noFill/>
+          <a:ln>
+            <a:noFill/>
+          </a:ln>
+        </p:spPr>
+        <p:txBody>
+          <a:bodyPr anchorCtr="0" anchor="t" bIns="91425" lIns="91425" spcFirstLastPara="1" rIns="91425" wrap="square" tIns="91425">
+            <a:noAutofit/>
+          </a:bodyPr>
+          <a:lstStyle/>
+          <a:p>
+            <a:pPr indent="0" lvl="0" marL="0" rtl="0" algn="l">
+              <a:lnSpc>
+                <a:spcPct val="100000"/>
+              </a:lnSpc>
+              <a:spcBef>
+                <a:spcPts val="0"/>
+              </a:spcBef>
+              <a:spcAft>
+                <a:spcPts val="0"/>
+              </a:spcAft>
+              <a:buSzPts val="1400"/>
+              <a:buNone/>
+            </a:pPr>
+            <a:r>
+              <a:t/>
+            </a:r>
+            <a:endParaRPr/>
+          </a:p>
+        </p:txBody>
+      </p:sp>
+    </p:spTree>
+  </p:cSld>
+  <p:clrMapOvr>
+    <a:masterClrMapping/>
+  </p:clrMapOvr>
+</p:notes>
+</file>
+
+<file path=ppt/notesSlides/notesSlide4.xml><?xml version="1.0" encoding="utf-8"?>
+<p:notes xmlns:a="http://schemas.openxmlformats.org/drawingml/2006/main" xmlns:r="http://schemas.openxmlformats.org/officeDocument/2006/relationships" xmlns:mc="http://schemas.openxmlformats.org/markup-compatibility/2006" xmlns:mv="urn:schemas-microsoft-com:mac:vml" xmlns:p="http://schemas.openxmlformats.org/presentationml/2006/main" xmlns:c="http://schemas.openxmlformats.org/drawingml/2006/chart" xmlns:dgm="http://schemas.openxmlformats.org/drawingml/2006/diagram" xmlns:o="urn:schemas-microsoft-com:office:office" xmlns:v="urn:schemas-microsoft-com:vml" xmlns:pvml="urn:schemas-microsoft-com:office:powerpoint" xmlns:com="http://schemas.openxmlformats.org/drawingml/2006/compatibility" xmlns:p14="http://schemas.microsoft.com/office/powerpoint/2010/main" xmlns:p15="http://schemas.microsoft.com/office/powerpoint/2012/main" xmlns:ahyp="http://schemas.microsoft.com/office/drawing/2018/hyperlinkcolor" showMasterPhAnim="0" showMasterSp="0">
+  <p:cSld>
+    <p:spTree>
+      <p:nvGrpSpPr>
+        <p:cNvPr id="49" name="Shape 49"/>
+        <p:cNvGrpSpPr/>
+        <p:nvPr/>
+      </p:nvGrpSpPr>
+      <p:grpSpPr>
+        <a:xfrm>
+          <a:off x="0" y="0"/>
+          <a:ext cx="0" cy="0"/>
+          <a:chOff x="0" y="0"/>
+          <a:chExt cx="0" cy="0"/>
+        </a:xfrm>
+      </p:grpSpPr>
+      <p:sp>
+        <p:nvSpPr>
+          <p:cNvPr id="50" name="Google Shape;50;g3ba7baafcd5_0_144:notes"/>
+          <p:cNvSpPr/>
+          <p:nvPr>
+            <p:ph idx="2" type="sldImg"/>
+          </p:nvPr>
+        </p:nvSpPr>
+        <p:spPr>
+          <a:xfrm>
+            <a:off x="1143309" y="685800"/>
+            <a:ext cx="4572000" cy="3429000"/>
+          </a:xfrm>
+          <a:custGeom>
+            <a:rect b="b" l="l" r="r" t="t"/>
+            <a:pathLst>
+              <a:path extrusionOk="0" h="120000" w="120000">
+                <a:moveTo>
+                  <a:pt x="0" y="0"/>
+                </a:moveTo>
+                <a:lnTo>
+                  <a:pt x="120000" y="0"/>
+                </a:lnTo>
+                <a:lnTo>
+                  <a:pt x="120000" y="120000"/>
+                </a:lnTo>
+                <a:lnTo>
+                  <a:pt x="0" y="120000"/>
+                </a:lnTo>
+                <a:close/>
+              </a:path>
+            </a:pathLst>
+          </a:custGeom>
+          <a:noFill/>
+          <a:ln cap="flat" cmpd="sng" w="9525">
+            <a:solidFill>
+              <a:srgbClr val="000000"/>
+            </a:solidFill>
+            <a:prstDash val="solid"/>
+            <a:round/>
+            <a:headEnd len="sm" w="sm" type="none"/>
+            <a:tailEnd len="sm" w="sm" type="none"/>
+          </a:ln>
+        </p:spPr>
+      </p:sp>
+      <p:sp>
+        <p:nvSpPr>
+          <p:cNvPr id="51" name="Google Shape;51;g3ba7baafcd5_0_144:notes"/>
+          <p:cNvSpPr txBox="1"/>
+          <p:nvPr>
+            <p:ph idx="1" type="body"/>
+          </p:nvPr>
+        </p:nvSpPr>
+        <p:spPr>
+          <a:xfrm>
+            <a:off x="685800" y="4343400"/>
+            <a:ext cx="5486400" cy="4114800"/>
+          </a:xfrm>
+          <a:prstGeom prst="rect">
+            <a:avLst/>
+          </a:prstGeom>
+          <a:noFill/>
+          <a:ln>
+            <a:noFill/>
+          </a:ln>
+        </p:spPr>
+        <p:txBody>
+          <a:bodyPr anchorCtr="0" anchor="t" bIns="91425" lIns="91425" spcFirstLastPara="1" rIns="91425" wrap="square" tIns="91425">
+            <a:noAutofit/>
+          </a:bodyPr>
+          <a:lstStyle/>
+          <a:p>
+            <a:pPr indent="0" lvl="0" marL="0" rtl="0" algn="l">
+              <a:lnSpc>
+                <a:spcPct val="100000"/>
+              </a:lnSpc>
+              <a:spcBef>
+                <a:spcPts val="0"/>
+              </a:spcBef>
+              <a:spcAft>
+                <a:spcPts val="0"/>
+              </a:spcAft>
+              <a:buSzPts val="1400"/>
+              <a:buNone/>
+            </a:pPr>
+            <a:r>
+              <a:t/>
+            </a:r>
+            <a:endParaRPr/>
+          </a:p>
+        </p:txBody>
+      </p:sp>
+    </p:spTree>
+  </p:cSld>
+  <p:clrMapOvr>
+    <a:masterClrMapping/>
+  </p:clrMapOvr>
+</p:notes>
+</file>
+
+<file path=ppt/notesSlides/notesSlide5.xml><?xml version="1.0" encoding="utf-8"?>
+<p:notes xmlns:a="http://schemas.openxmlformats.org/drawingml/2006/main" xmlns:r="http://schemas.openxmlformats.org/officeDocument/2006/relationships" xmlns:mc="http://schemas.openxmlformats.org/markup-compatibility/2006" xmlns:mv="urn:schemas-microsoft-com:mac:vml" xmlns:p="http://schemas.openxmlformats.org/presentationml/2006/main" xmlns:c="http://schemas.openxmlformats.org/drawingml/2006/chart" xmlns:dgm="http://schemas.openxmlformats.org/drawingml/2006/diagram" xmlns:o="urn:schemas-microsoft-com:office:office" xmlns:v="urn:schemas-microsoft-com:vml" xmlns:pvml="urn:schemas-microsoft-com:office:powerpoint" xmlns:com="http://schemas.openxmlformats.org/drawingml/2006/compatibility" xmlns:p14="http://schemas.microsoft.com/office/powerpoint/2010/main" xmlns:p15="http://schemas.microsoft.com/office/powerpoint/2012/main" xmlns:ahyp="http://schemas.microsoft.com/office/drawing/2018/hyperlinkcolor" showMasterPhAnim="0" showMasterSp="0">
+  <p:cSld>
+    <p:spTree>
+      <p:nvGrpSpPr>
+        <p:cNvPr id="56" name="Shape 56"/>
+        <p:cNvGrpSpPr/>
+        <p:nvPr/>
+      </p:nvGrpSpPr>
+      <p:grpSpPr>
+        <a:xfrm>
+          <a:off x="0" y="0"/>
+          <a:ext cx="0" cy="0"/>
+          <a:chOff x="0" y="0"/>
+          <a:chExt cx="0" cy="0"/>
+        </a:xfrm>
+      </p:grpSpPr>
+      <p:sp>
+        <p:nvSpPr>
+          <p:cNvPr id="57" name="Google Shape;57;g3ba7baafcd5_0_151:notes"/>
+          <p:cNvSpPr/>
+          <p:nvPr>
+            <p:ph idx="2" type="sldImg"/>
+          </p:nvPr>
+        </p:nvSpPr>
+        <p:spPr>
+          <a:xfrm>
+            <a:off x="1143309" y="685800"/>
+            <a:ext cx="4572000" cy="3429000"/>
+          </a:xfrm>
+          <a:custGeom>
+            <a:rect b="b" l="l" r="r" t="t"/>
+            <a:pathLst>
+              <a:path extrusionOk="0" h="120000" w="120000">
+                <a:moveTo>
+                  <a:pt x="0" y="0"/>
+                </a:moveTo>
+                <a:lnTo>
+                  <a:pt x="120000" y="0"/>
+                </a:lnTo>
+                <a:lnTo>
+                  <a:pt x="120000" y="120000"/>
+                </a:lnTo>
+                <a:lnTo>
+                  <a:pt x="0" y="120000"/>
+                </a:lnTo>
+                <a:close/>
+              </a:path>
+            </a:pathLst>
+          </a:custGeom>
+          <a:noFill/>
+          <a:ln cap="flat" cmpd="sng" w="9525">
+            <a:solidFill>
+              <a:srgbClr val="000000"/>
+            </a:solidFill>
+            <a:prstDash val="solid"/>
+            <a:round/>
+            <a:headEnd len="sm" w="sm" type="none"/>
+            <a:tailEnd len="sm" w="sm" type="none"/>
+          </a:ln>
+        </p:spPr>
+      </p:sp>
+      <p:sp>
+        <p:nvSpPr>
+          <p:cNvPr id="58" name="Google Shape;58;g3ba7baafcd5_0_151:notes"/>
+          <p:cNvSpPr txBox="1"/>
+          <p:nvPr>
+            <p:ph idx="1" type="body"/>
+          </p:nvPr>
+        </p:nvSpPr>
+        <p:spPr>
+          <a:xfrm>
+            <a:off x="685800" y="4343400"/>
+            <a:ext cx="5486400" cy="4114800"/>
+          </a:xfrm>
+          <a:prstGeom prst="rect">
+            <a:avLst/>
+          </a:prstGeom>
+          <a:noFill/>
+          <a:ln>
+            <a:noFill/>
+          </a:ln>
+        </p:spPr>
+        <p:txBody>
+          <a:bodyPr anchorCtr="0" anchor="t" bIns="91425" lIns="91425" spcFirstLastPara="1" rIns="91425" wrap="square" tIns="91425">
+            <a:noAutofit/>
+          </a:bodyPr>
+          <a:lstStyle/>
+          <a:p>
+            <a:pPr indent="0" lvl="0" marL="0" rtl="0" algn="l">
+              <a:lnSpc>
+                <a:spcPct val="100000"/>
+              </a:lnSpc>
+              <a:spcBef>
+                <a:spcPts val="0"/>
+              </a:spcBef>
+              <a:spcAft>
+                <a:spcPts val="0"/>
+              </a:spcAft>
+              <a:buSzPts val="1400"/>
+              <a:buNone/>
+            </a:pPr>
+            <a:r>
+              <a:t/>
+            </a:r>
+            <a:endParaRPr/>
+          </a:p>
+        </p:txBody>
+      </p:sp>
+    </p:spTree>
+  </p:cSld>
+  <p:clrMapOvr>
+    <a:masterClrMapping/>
+  </p:clrMapOvr>
+</p:notes>
+</file>
+
+<file path=ppt/notesSlides/notesSlide6.xml><?xml version="1.0" encoding="utf-8"?>
+<p:notes xmlns:a="http://schemas.openxmlformats.org/drawingml/2006/main" xmlns:r="http://schemas.openxmlformats.org/officeDocument/2006/relationships" xmlns:mc="http://schemas.openxmlformats.org/markup-compatibility/2006" xmlns:mv="urn:schemas-microsoft-com:mac:vml" xmlns:p="http://schemas.openxmlformats.org/presentationml/2006/main" xmlns:c="http://schemas.openxmlformats.org/drawingml/2006/chart" xmlns:dgm="http://schemas.openxmlformats.org/drawingml/2006/diagram" xmlns:o="urn:schemas-microsoft-com:office:office" xmlns:v="urn:schemas-microsoft-com:vml" xmlns:pvml="urn:schemas-microsoft-com:office:powerpoint" xmlns:com="http://schemas.openxmlformats.org/drawingml/2006/compatibility" xmlns:p14="http://schemas.microsoft.com/office/powerpoint/2010/main" xmlns:p15="http://schemas.microsoft.com/office/powerpoint/2012/main" xmlns:ahyp="http://schemas.microsoft.com/office/drawing/2018/hyperlinkcolor" showMasterPhAnim="0" showMasterSp="0">
+  <p:cSld>
+    <p:spTree>
+      <p:nvGrpSpPr>
+        <p:cNvPr id="62" name="Shape 62"/>
+        <p:cNvGrpSpPr/>
+        <p:nvPr/>
+      </p:nvGrpSpPr>
+      <p:grpSpPr>
+        <a:xfrm>
+          <a:off x="0" y="0"/>
+          <a:ext cx="0" cy="0"/>
+          <a:chOff x="0" y="0"/>
+          <a:chExt cx="0" cy="0"/>
+        </a:xfrm>
+      </p:grpSpPr>
+      <p:sp>
+        <p:nvSpPr>
+          <p:cNvPr id="63" name="Google Shape;63;g3ba7baafcd5_0_157:notes"/>
+          <p:cNvSpPr/>
+          <p:nvPr>
+            <p:ph idx="2" type="sldImg"/>
+          </p:nvPr>
+        </p:nvSpPr>
+        <p:spPr>
+          <a:xfrm>
+            <a:off x="1143309" y="685800"/>
+            <a:ext cx="4572000" cy="3429000"/>
+          </a:xfrm>
+          <a:custGeom>
+            <a:rect b="b" l="l" r="r" t="t"/>
+            <a:pathLst>
+              <a:path extrusionOk="0" h="120000" w="120000">
+                <a:moveTo>
+                  <a:pt x="0" y="0"/>
+                </a:moveTo>
+                <a:lnTo>
+                  <a:pt x="120000" y="0"/>
+                </a:lnTo>
+                <a:lnTo>
+                  <a:pt x="120000" y="120000"/>
+                </a:lnTo>
+                <a:lnTo>
+                  <a:pt x="0" y="120000"/>
+                </a:lnTo>
+                <a:close/>
+              </a:path>
+            </a:pathLst>
+          </a:custGeom>
+          <a:noFill/>
+          <a:ln cap="flat" cmpd="sng" w="9525">
+            <a:solidFill>
+              <a:srgbClr val="000000"/>
+            </a:solidFill>
+            <a:prstDash val="solid"/>
+            <a:round/>
+            <a:headEnd len="sm" w="sm" type="none"/>
+            <a:tailEnd len="sm" w="sm" type="none"/>
+          </a:ln>
+        </p:spPr>
+      </p:sp>
+      <p:sp>
+        <p:nvSpPr>
+          <p:cNvPr id="64" name="Google Shape;64;g3ba7baafcd5_0_157:notes"/>
+          <p:cNvSpPr txBox="1"/>
+          <p:nvPr>
+            <p:ph idx="1" type="body"/>
+          </p:nvPr>
+        </p:nvSpPr>
+        <p:spPr>
+          <a:xfrm>
+            <a:off x="685800" y="4343400"/>
+            <a:ext cx="5486400" cy="4114800"/>
+          </a:xfrm>
+          <a:prstGeom prst="rect">
+            <a:avLst/>
+          </a:prstGeom>
+          <a:noFill/>
+          <a:ln>
+            <a:noFill/>
+          </a:ln>
+        </p:spPr>
+        <p:txBody>
+          <a:bodyPr anchorCtr="0" anchor="t" bIns="91425" lIns="91425" spcFirstLastPara="1" rIns="91425" wrap="square" tIns="91425">
+            <a:noAutofit/>
+          </a:bodyPr>
+          <a:lstStyle/>
+          <a:p>
+            <a:pPr indent="0" lvl="0" marL="0" rtl="0" algn="l">
+              <a:lnSpc>
+                <a:spcPct val="100000"/>
+              </a:lnSpc>
+              <a:spcBef>
+                <a:spcPts val="0"/>
+              </a:spcBef>
+              <a:spcAft>
+                <a:spcPts val="0"/>
+              </a:spcAft>
+              <a:buSzPts val="1400"/>
+              <a:buNone/>
+            </a:pPr>
+            <a:r>
+              <a:rPr lang="en"/>
+              <a:t>Have students introduce themselves, then TAs, and then instructor</a:t>
+            </a:r>
+            <a:endParaRPr/>
+          </a:p>
+        </p:txBody>
+      </p:sp>
+    </p:spTree>
+  </p:cSld>
+  <p:clrMapOvr>
+    <a:masterClrMapping/>
+  </p:clrMapOvr>
+</p:notes>
+</file>
+
+<file path=ppt/notesSlides/notesSlide7.xml><?xml version="1.0" encoding="utf-8"?>
+<p:notes xmlns:a="http://schemas.openxmlformats.org/drawingml/2006/main" xmlns:r="http://schemas.openxmlformats.org/officeDocument/2006/relationships" xmlns:mc="http://schemas.openxmlformats.org/markup-compatibility/2006" xmlns:mv="urn:schemas-microsoft-com:mac:vml" xmlns:p="http://schemas.openxmlformats.org/presentationml/2006/main" xmlns:c="http://schemas.openxmlformats.org/drawingml/2006/chart" xmlns:dgm="http://schemas.openxmlformats.org/drawingml/2006/diagram" xmlns:o="urn:schemas-microsoft-com:office:office" xmlns:v="urn:schemas-microsoft-com:vml" xmlns:pvml="urn:schemas-microsoft-com:office:powerpoint" xmlns:com="http://schemas.openxmlformats.org/drawingml/2006/compatibility" xmlns:p14="http://schemas.microsoft.com/office/powerpoint/2010/main" xmlns:p15="http://schemas.microsoft.com/office/powerpoint/2012/main" xmlns:ahyp="http://schemas.microsoft.com/office/drawing/2018/hyperlinkcolor" showMasterPhAnim="0" showMasterSp="0">
+  <p:cSld>
+    <p:spTree>
+      <p:nvGrpSpPr>
+        <p:cNvPr id="68" name="Shape 68"/>
+        <p:cNvGrpSpPr/>
+        <p:nvPr/>
+      </p:nvGrpSpPr>
+      <p:grpSpPr>
+        <a:xfrm>
+          <a:off x="0" y="0"/>
+          <a:ext cx="0" cy="0"/>
+          <a:chOff x="0" y="0"/>
+          <a:chExt cx="0" cy="0"/>
+        </a:xfrm>
+      </p:grpSpPr>
+      <p:sp>
+        <p:nvSpPr>
+          <p:cNvPr id="69" name="Google Shape;69;g3ba7baafcd5_0_189:notes"/>
+          <p:cNvSpPr/>
+          <p:nvPr>
+            <p:ph idx="2" type="sldImg"/>
+          </p:nvPr>
+        </p:nvSpPr>
+        <p:spPr>
+          <a:xfrm>
+            <a:off x="1143309" y="685800"/>
+            <a:ext cx="4572000" cy="3429000"/>
+          </a:xfrm>
+          <a:custGeom>
+            <a:rect b="b" l="l" r="r" t="t"/>
+            <a:pathLst>
+              <a:path extrusionOk="0" h="120000" w="120000">
+                <a:moveTo>
+                  <a:pt x="0" y="0"/>
+                </a:moveTo>
+                <a:lnTo>
+                  <a:pt x="120000" y="0"/>
+                </a:lnTo>
+                <a:lnTo>
+                  <a:pt x="120000" y="120000"/>
+                </a:lnTo>
+                <a:lnTo>
+                  <a:pt x="0" y="120000"/>
+                </a:lnTo>
+                <a:close/>
+              </a:path>
+            </a:pathLst>
+          </a:custGeom>
+          <a:noFill/>
+          <a:ln cap="flat" cmpd="sng" w="9525">
+            <a:solidFill>
+              <a:srgbClr val="000000"/>
+            </a:solidFill>
+            <a:prstDash val="solid"/>
+            <a:round/>
+            <a:headEnd len="sm" w="sm" type="none"/>
+            <a:tailEnd len="sm" w="sm" type="none"/>
+          </a:ln>
+        </p:spPr>
+      </p:sp>
+      <p:sp>
+        <p:nvSpPr>
+          <p:cNvPr id="70" name="Google Shape;70;g3ba7baafcd5_0_189:notes"/>
+          <p:cNvSpPr txBox="1"/>
+          <p:nvPr>
+            <p:ph idx="1" type="body"/>
+          </p:nvPr>
+        </p:nvSpPr>
+        <p:spPr>
+          <a:xfrm>
+            <a:off x="685800" y="4343400"/>
+            <a:ext cx="5486400" cy="4114800"/>
+          </a:xfrm>
+          <a:prstGeom prst="rect">
+            <a:avLst/>
+          </a:prstGeom>
+          <a:noFill/>
+          <a:ln>
+            <a:noFill/>
+          </a:ln>
+        </p:spPr>
+        <p:txBody>
+          <a:bodyPr anchorCtr="0" anchor="t" bIns="91425" lIns="91425" spcFirstLastPara="1" rIns="91425" wrap="square" tIns="91425">
+            <a:noAutofit/>
+          </a:bodyPr>
+          <a:lstStyle/>
+          <a:p>
+            <a:pPr indent="0" lvl="0" marL="0" rtl="0" algn="l">
+              <a:lnSpc>
+                <a:spcPct val="100000"/>
+              </a:lnSpc>
+              <a:spcBef>
+                <a:spcPts val="0"/>
+              </a:spcBef>
+              <a:spcAft>
+                <a:spcPts val="0"/>
+              </a:spcAft>
+              <a:buSzPts val="1400"/>
+              <a:buNone/>
+            </a:pPr>
+            <a:r>
+              <a:t/>
+            </a:r>
+            <a:endParaRPr/>
+          </a:p>
+        </p:txBody>
+      </p:sp>
+    </p:spTree>
+  </p:cSld>
+  <p:clrMapOvr>
+    <a:masterClrMapping/>
+  </p:clrMapOvr>
+</p:notes>
+</file>
+
+<file path=ppt/notesSlides/notesSlide8.xml><?xml version="1.0" encoding="utf-8"?>
+<p:notes xmlns:a="http://schemas.openxmlformats.org/drawingml/2006/main" xmlns:r="http://schemas.openxmlformats.org/officeDocument/2006/relationships" xmlns:mc="http://schemas.openxmlformats.org/markup-compatibility/2006" xmlns:mv="urn:schemas-microsoft-com:mac:vml" xmlns:p="http://schemas.openxmlformats.org/presentationml/2006/main" xmlns:c="http://schemas.openxmlformats.org/drawingml/2006/chart" xmlns:dgm="http://schemas.openxmlformats.org/drawingml/2006/diagram" xmlns:o="urn:schemas-microsoft-com:office:office" xmlns:v="urn:schemas-microsoft-com:vml" xmlns:pvml="urn:schemas-microsoft-com:office:powerpoint" xmlns:com="http://schemas.openxmlformats.org/drawingml/2006/compatibility" xmlns:p14="http://schemas.microsoft.com/office/powerpoint/2010/main" xmlns:p15="http://schemas.microsoft.com/office/powerpoint/2012/main" xmlns:ahyp="http://schemas.microsoft.com/office/drawing/2018/hyperlinkcolor" showMasterPhAnim="0" showMasterSp="0">
+  <p:cSld>
+    <p:spTree>
+      <p:nvGrpSpPr>
+        <p:cNvPr id="75" name="Shape 75"/>
+        <p:cNvGrpSpPr/>
+        <p:nvPr/>
+      </p:nvGrpSpPr>
+      <p:grpSpPr>
+        <a:xfrm>
+          <a:off x="0" y="0"/>
+          <a:ext cx="0" cy="0"/>
+          <a:chOff x="0" y="0"/>
+          <a:chExt cx="0" cy="0"/>
+        </a:xfrm>
+      </p:grpSpPr>
+      <p:sp>
+        <p:nvSpPr>
+          <p:cNvPr id="76" name="Google Shape;76;g3ba7baafcd5_0_84:notes"/>
+          <p:cNvSpPr/>
+          <p:nvPr>
+            <p:ph idx="2" type="sldImg"/>
+          </p:nvPr>
+        </p:nvSpPr>
+        <p:spPr>
+          <a:xfrm>
+            <a:off x="1143309" y="685800"/>
+            <a:ext cx="4572000" cy="3429000"/>
+          </a:xfrm>
+          <a:custGeom>
+            <a:rect b="b" l="l" r="r" t="t"/>
+            <a:pathLst>
+              <a:path extrusionOk="0" h="120000" w="120000">
+                <a:moveTo>
+                  <a:pt x="0" y="0"/>
+                </a:moveTo>
+                <a:lnTo>
+                  <a:pt x="120000" y="0"/>
+                </a:lnTo>
+                <a:lnTo>
+                  <a:pt x="120000" y="120000"/>
+                </a:lnTo>
+                <a:lnTo>
+                  <a:pt x="0" y="120000"/>
+                </a:lnTo>
+                <a:close/>
+              </a:path>
+            </a:pathLst>
+          </a:custGeom>
+        </p:spPr>
+      </p:sp>
+      <p:sp>
+        <p:nvSpPr>
+          <p:cNvPr id="77" name="Google Shape;77;g3ba7baafcd5_0_84:notes"/>
+          <p:cNvSpPr txBox="1"/>
+          <p:nvPr>
+            <p:ph idx="1" type="body"/>
+          </p:nvPr>
+        </p:nvSpPr>
+        <p:spPr>
+          <a:xfrm>
+            <a:off x="685800" y="4343400"/>
+            <a:ext cx="5486400" cy="4114800"/>
+          </a:xfrm>
+          <a:prstGeom prst="rect">
+            <a:avLst/>
+          </a:prstGeom>
+        </p:spPr>
+        <p:txBody>
+          <a:bodyPr anchorCtr="0" anchor="t" bIns="91425" lIns="91425" spcFirstLastPara="1" rIns="91425" wrap="square" tIns="91425">
+            <a:noAutofit/>
+          </a:bodyPr>
+          <a:lstStyle/>
+          <a:p>
+            <a:pPr indent="0" lvl="0" marL="0" rtl="0" algn="l">
+              <a:spcBef>
+                <a:spcPts val="0"/>
+              </a:spcBef>
+              <a:spcAft>
+                <a:spcPts val="0"/>
+              </a:spcAft>
+              <a:buNone/>
+            </a:pPr>
+            <a:r>
+              <a:t/>
+            </a:r>
+            <a:endParaRPr/>
+          </a:p>
+        </p:txBody>
+      </p:sp>
+    </p:spTree>
+  </p:cSld>
+  <p:clrMapOvr>
+    <a:masterClrMapping/>
+  </p:clrMapOvr>
+</p:notes>
+</file>
+
+<file path=ppt/notesSlides/notesSlide9.xml><?xml version="1.0" encoding="utf-8"?>
+<p:notes xmlns:a="http://schemas.openxmlformats.org/drawingml/2006/main" xmlns:r="http://schemas.openxmlformats.org/officeDocument/2006/relationships" xmlns:mc="http://schemas.openxmlformats.org/markup-compatibility/2006" xmlns:mv="urn:schemas-microsoft-com:mac:vml" xmlns:p="http://schemas.openxmlformats.org/presentationml/2006/main" xmlns:c="http://schemas.openxmlformats.org/drawingml/2006/chart" xmlns:dgm="http://schemas.openxmlformats.org/drawingml/2006/diagram" xmlns:o="urn:schemas-microsoft-com:office:office" xmlns:v="urn:schemas-microsoft-com:vml" xmlns:pvml="urn:schemas-microsoft-com:office:powerpoint" xmlns:com="http://schemas.openxmlformats.org/drawingml/2006/compatibility" xmlns:p14="http://schemas.microsoft.com/office/powerpoint/2010/main" xmlns:p15="http://schemas.microsoft.com/office/powerpoint/2012/main" xmlns:ahyp="http://schemas.microsoft.com/office/drawing/2018/hyperlinkcolor" showMasterPhAnim="0" showMasterSp="0">
+  <p:cSld>
+    <p:spTree>
+      <p:nvGrpSpPr>
+        <p:cNvPr id="84" name="Shape 84"/>
+        <p:cNvGrpSpPr/>
+        <p:nvPr/>
+      </p:nvGrpSpPr>
+      <p:grpSpPr>
+        <a:xfrm>
+          <a:off x="0" y="0"/>
+          <a:ext cx="0" cy="0"/>
+          <a:chOff x="0" y="0"/>
+          <a:chExt cx="0" cy="0"/>
+        </a:xfrm>
+      </p:grpSpPr>
+      <p:sp>
+        <p:nvSpPr>
+          <p:cNvPr id="85" name="Google Shape;85;g3ba7baafcd5_0_92:notes"/>
+          <p:cNvSpPr/>
+          <p:nvPr>
+            <p:ph idx="2" type="sldImg"/>
+          </p:nvPr>
+        </p:nvSpPr>
+        <p:spPr>
+          <a:xfrm>
+            <a:off x="1143309" y="685800"/>
+            <a:ext cx="4572000" cy="3429000"/>
+          </a:xfrm>
+          <a:custGeom>
+            <a:rect b="b" l="l" r="r" t="t"/>
+            <a:pathLst>
+              <a:path extrusionOk="0" h="120000" w="120000">
+                <a:moveTo>
+                  <a:pt x="0" y="0"/>
+                </a:moveTo>
+                <a:lnTo>
+                  <a:pt x="120000" y="0"/>
+                </a:lnTo>
+                <a:lnTo>
+                  <a:pt x="120000" y="120000"/>
+                </a:lnTo>
+                <a:lnTo>
+                  <a:pt x="0" y="120000"/>
+                </a:lnTo>
+                <a:close/>
+              </a:path>
+            </a:pathLst>
+          </a:custGeom>
+        </p:spPr>
+      </p:sp>
+      <p:sp>
+        <p:nvSpPr>
+          <p:cNvPr id="86" name="Google Shape;86;g3ba7baafcd5_0_92:notes"/>
           <p:cNvSpPr txBox="1"/>
           <p:nvPr>
             <p:ph idx="1" type="body"/>
@@ -6496,6 +8876,1873 @@
 </p:sld>
 </file>
 
+<file path=ppt/slides/slide10.xml><?xml version="1.0" encoding="utf-8"?>
+<p:sld xmlns:a="http://schemas.openxmlformats.org/drawingml/2006/main" xmlns:r="http://schemas.openxmlformats.org/officeDocument/2006/relationships" xmlns:mc="http://schemas.openxmlformats.org/markup-compatibility/2006" xmlns:mv="urn:schemas-microsoft-com:mac:vml" xmlns:p="http://schemas.openxmlformats.org/presentationml/2006/main" xmlns:c="http://schemas.openxmlformats.org/drawingml/2006/chart" xmlns:dgm="http://schemas.openxmlformats.org/drawingml/2006/diagram" xmlns:o="urn:schemas-microsoft-com:office:office" xmlns:v="urn:schemas-microsoft-com:vml" xmlns:pvml="urn:schemas-microsoft-com:office:powerpoint" xmlns:com="http://schemas.openxmlformats.org/drawingml/2006/compatibility" xmlns:p14="http://schemas.microsoft.com/office/powerpoint/2010/main" xmlns:p15="http://schemas.microsoft.com/office/powerpoint/2012/main" xmlns:ahyp="http://schemas.microsoft.com/office/drawing/2018/hyperlinkcolor">
+  <p:cSld>
+    <p:spTree>
+      <p:nvGrpSpPr>
+        <p:cNvPr id="96" name="Shape 96"/>
+        <p:cNvGrpSpPr/>
+        <p:nvPr/>
+      </p:nvGrpSpPr>
+      <p:grpSpPr>
+        <a:xfrm>
+          <a:off x="0" y="0"/>
+          <a:ext cx="0" cy="0"/>
+          <a:chOff x="0" y="0"/>
+          <a:chExt cx="0" cy="0"/>
+        </a:xfrm>
+      </p:grpSpPr>
+      <p:sp>
+        <p:nvSpPr>
+          <p:cNvPr id="97" name="Google Shape;97;g3ba7baafcd5_0_100"/>
+          <p:cNvSpPr txBox="1"/>
+          <p:nvPr>
+            <p:ph type="title"/>
+          </p:nvPr>
+        </p:nvSpPr>
+        <p:spPr>
+          <a:xfrm>
+            <a:off x="457200" y="274638"/>
+            <a:ext cx="8229600" cy="1143000"/>
+          </a:xfrm>
+          <a:prstGeom prst="rect">
+            <a:avLst/>
+          </a:prstGeom>
+        </p:spPr>
+        <p:txBody>
+          <a:bodyPr anchorCtr="0" anchor="b" bIns="91425" lIns="91425" spcFirstLastPara="1" rIns="91425" wrap="square" tIns="91425">
+            <a:noAutofit/>
+          </a:bodyPr>
+          <a:lstStyle/>
+          <a:p>
+            <a:pPr indent="0" lvl="0" marL="0" rtl="0" algn="l">
+              <a:spcBef>
+                <a:spcPts val="0"/>
+              </a:spcBef>
+              <a:spcAft>
+                <a:spcPts val="0"/>
+              </a:spcAft>
+              <a:buNone/>
+            </a:pPr>
+            <a:r>
+              <a:rPr lang="en"/>
+              <a:t>Differences</a:t>
+            </a:r>
+            <a:endParaRPr/>
+          </a:p>
+        </p:txBody>
+      </p:sp>
+      <p:sp>
+        <p:nvSpPr>
+          <p:cNvPr id="98" name="Google Shape;98;g3ba7baafcd5_0_100"/>
+          <p:cNvSpPr txBox="1"/>
+          <p:nvPr>
+            <p:ph idx="1" type="body"/>
+          </p:nvPr>
+        </p:nvSpPr>
+        <p:spPr>
+          <a:xfrm>
+            <a:off x="457200" y="1600200"/>
+            <a:ext cx="8229600" cy="4967700"/>
+          </a:xfrm>
+          <a:prstGeom prst="rect">
+            <a:avLst/>
+          </a:prstGeom>
+        </p:spPr>
+        <p:txBody>
+          <a:bodyPr anchorCtr="0" anchor="t" bIns="91425" lIns="91425" spcFirstLastPara="1" rIns="91425" wrap="square" tIns="91425">
+            <a:noAutofit/>
+          </a:bodyPr>
+          <a:lstStyle/>
+          <a:p>
+            <a:pPr indent="0" lvl="0" marL="0" rtl="0" algn="l">
+              <a:spcBef>
+                <a:spcPts val="600"/>
+              </a:spcBef>
+              <a:spcAft>
+                <a:spcPts val="0"/>
+              </a:spcAft>
+              <a:buNone/>
+            </a:pPr>
+            <a:r>
+              <a:t/>
+            </a:r>
+            <a:endParaRPr/>
+          </a:p>
+        </p:txBody>
+      </p:sp>
+    </p:spTree>
+  </p:cSld>
+  <p:clrMapOvr>
+    <a:masterClrMapping/>
+  </p:clrMapOvr>
+</p:sld>
+</file>
+
+<file path=ppt/slides/slide11.xml><?xml version="1.0" encoding="utf-8"?>
+<p:sld xmlns:a="http://schemas.openxmlformats.org/drawingml/2006/main" xmlns:r="http://schemas.openxmlformats.org/officeDocument/2006/relationships" xmlns:mc="http://schemas.openxmlformats.org/markup-compatibility/2006" xmlns:mv="urn:schemas-microsoft-com:mac:vml" xmlns:p="http://schemas.openxmlformats.org/presentationml/2006/main" xmlns:c="http://schemas.openxmlformats.org/drawingml/2006/chart" xmlns:dgm="http://schemas.openxmlformats.org/drawingml/2006/diagram" xmlns:o="urn:schemas-microsoft-com:office:office" xmlns:v="urn:schemas-microsoft-com:vml" xmlns:pvml="urn:schemas-microsoft-com:office:powerpoint" xmlns:com="http://schemas.openxmlformats.org/drawingml/2006/compatibility" xmlns:p14="http://schemas.microsoft.com/office/powerpoint/2010/main" xmlns:p15="http://schemas.microsoft.com/office/powerpoint/2012/main" xmlns:ahyp="http://schemas.microsoft.com/office/drawing/2018/hyperlinkcolor">
+  <p:cSld>
+    <p:spTree>
+      <p:nvGrpSpPr>
+        <p:cNvPr id="102" name="Shape 102"/>
+        <p:cNvGrpSpPr/>
+        <p:nvPr/>
+      </p:nvGrpSpPr>
+      <p:grpSpPr>
+        <a:xfrm>
+          <a:off x="0" y="0"/>
+          <a:ext cx="0" cy="0"/>
+          <a:chOff x="0" y="0"/>
+          <a:chExt cx="0" cy="0"/>
+        </a:xfrm>
+      </p:grpSpPr>
+      <p:sp>
+        <p:nvSpPr>
+          <p:cNvPr id="103" name="Google Shape;103;g3ba7baafcd5_0_105"/>
+          <p:cNvSpPr txBox="1"/>
+          <p:nvPr>
+            <p:ph type="title"/>
+          </p:nvPr>
+        </p:nvSpPr>
+        <p:spPr>
+          <a:xfrm>
+            <a:off x="457200" y="274638"/>
+            <a:ext cx="8229600" cy="1143000"/>
+          </a:xfrm>
+          <a:prstGeom prst="rect">
+            <a:avLst/>
+          </a:prstGeom>
+          <a:noFill/>
+          <a:ln>
+            <a:noFill/>
+          </a:ln>
+        </p:spPr>
+        <p:txBody>
+          <a:bodyPr anchorCtr="0" anchor="b" bIns="91425" lIns="91425" spcFirstLastPara="1" rIns="91425" wrap="square" tIns="91425">
+            <a:noAutofit/>
+          </a:bodyPr>
+          <a:lstStyle/>
+          <a:p>
+            <a:pPr indent="0" lvl="0" marL="0" rtl="0" algn="l">
+              <a:lnSpc>
+                <a:spcPct val="100000"/>
+              </a:lnSpc>
+              <a:spcBef>
+                <a:spcPts val="0"/>
+              </a:spcBef>
+              <a:spcAft>
+                <a:spcPts val="0"/>
+              </a:spcAft>
+              <a:buSzPts val="3600"/>
+              <a:buNone/>
+            </a:pPr>
+            <a:r>
+              <a:rPr lang="en">
+                <a:solidFill>
+                  <a:srgbClr val="002B5B"/>
+                </a:solidFill>
+              </a:rPr>
+              <a:t>Statistical Distributions</a:t>
+            </a:r>
+            <a:endParaRPr>
+              <a:solidFill>
+                <a:srgbClr val="002B5B"/>
+              </a:solidFill>
+            </a:endParaRPr>
+          </a:p>
+        </p:txBody>
+      </p:sp>
+      <p:sp>
+        <p:nvSpPr>
+          <p:cNvPr id="104" name="Google Shape;104;g3ba7baafcd5_0_105"/>
+          <p:cNvSpPr txBox="1"/>
+          <p:nvPr>
+            <p:ph idx="1" type="body"/>
+          </p:nvPr>
+        </p:nvSpPr>
+        <p:spPr>
+          <a:xfrm>
+            <a:off x="457200" y="1600200"/>
+            <a:ext cx="8229600" cy="4967700"/>
+          </a:xfrm>
+          <a:prstGeom prst="rect">
+            <a:avLst/>
+          </a:prstGeom>
+          <a:noFill/>
+          <a:ln>
+            <a:noFill/>
+          </a:ln>
+        </p:spPr>
+        <p:txBody>
+          <a:bodyPr anchorCtr="0" anchor="t" bIns="91425" lIns="91425" spcFirstLastPara="1" rIns="91425" wrap="square" tIns="91425">
+            <a:noAutofit/>
+          </a:bodyPr>
+          <a:lstStyle/>
+          <a:p>
+            <a:pPr indent="0" lvl="0" marL="0" rtl="0" algn="l">
+              <a:lnSpc>
+                <a:spcPct val="100000"/>
+              </a:lnSpc>
+              <a:spcBef>
+                <a:spcPts val="600"/>
+              </a:spcBef>
+              <a:spcAft>
+                <a:spcPts val="0"/>
+              </a:spcAft>
+              <a:buSzPts val="3000"/>
+              <a:buNone/>
+            </a:pPr>
+            <a:r>
+              <a:rPr lang="en"/>
+              <a:t>A </a:t>
+            </a:r>
+            <a:r>
+              <a:rPr b="1" lang="en">
+                <a:solidFill>
+                  <a:srgbClr val="002B5B"/>
+                </a:solidFill>
+              </a:rPr>
+              <a:t>statistical distribution</a:t>
+            </a:r>
+            <a:r>
+              <a:rPr lang="en"/>
+              <a:t> describes the ______________________________</a:t>
+            </a:r>
+            <a:endParaRPr/>
+          </a:p>
+          <a:p>
+            <a:pPr indent="0" lvl="0" marL="0" rtl="0" algn="l">
+              <a:lnSpc>
+                <a:spcPct val="100000"/>
+              </a:lnSpc>
+              <a:spcBef>
+                <a:spcPts val="600"/>
+              </a:spcBef>
+              <a:spcAft>
+                <a:spcPts val="0"/>
+              </a:spcAft>
+              <a:buSzPts val="3000"/>
+              <a:buNone/>
+            </a:pPr>
+            <a:r>
+              <a:t/>
+            </a:r>
+            <a:endParaRPr/>
+          </a:p>
+          <a:p>
+            <a:pPr indent="0" lvl="0" marL="0" rtl="0" algn="l">
+              <a:lnSpc>
+                <a:spcPct val="100000"/>
+              </a:lnSpc>
+              <a:spcBef>
+                <a:spcPts val="600"/>
+              </a:spcBef>
+              <a:spcAft>
+                <a:spcPts val="0"/>
+              </a:spcAft>
+              <a:buSzPts val="3000"/>
+              <a:buNone/>
+            </a:pPr>
+            <a:r>
+              <a:t/>
+            </a:r>
+            <a:endParaRPr/>
+          </a:p>
+          <a:p>
+            <a:pPr indent="0" lvl="0" marL="0" rtl="0" algn="l">
+              <a:lnSpc>
+                <a:spcPct val="100000"/>
+              </a:lnSpc>
+              <a:spcBef>
+                <a:spcPts val="600"/>
+              </a:spcBef>
+              <a:spcAft>
+                <a:spcPts val="0"/>
+              </a:spcAft>
+              <a:buSzPts val="3000"/>
+              <a:buNone/>
+            </a:pPr>
+            <a:r>
+              <a:rPr lang="en"/>
+              <a:t>One way you can think about what </a:t>
+            </a:r>
+            <a:r>
+              <a:rPr b="1" lang="en">
+                <a:solidFill>
+                  <a:srgbClr val="465510"/>
+                </a:solidFill>
+              </a:rPr>
+              <a:t>AI is</a:t>
+            </a:r>
+            <a:r>
+              <a:rPr lang="en"/>
+              <a:t> doing is it’s </a:t>
+            </a:r>
+            <a:r>
+              <a:rPr b="1" lang="en">
+                <a:solidFill>
+                  <a:srgbClr val="465510"/>
+                </a:solidFill>
+              </a:rPr>
+              <a:t>trying to</a:t>
+            </a:r>
+            <a:r>
+              <a:rPr lang="en"/>
+              <a:t> </a:t>
+            </a:r>
+            <a:r>
+              <a:rPr b="1" lang="en">
+                <a:solidFill>
+                  <a:srgbClr val="465510"/>
+                </a:solidFill>
+              </a:rPr>
+              <a:t>learn distributions</a:t>
+            </a:r>
+            <a:endParaRPr b="1">
+              <a:solidFill>
+                <a:srgbClr val="465510"/>
+              </a:solidFill>
+            </a:endParaRPr>
+          </a:p>
+        </p:txBody>
+      </p:sp>
+    </p:spTree>
+  </p:cSld>
+  <p:clrMapOvr>
+    <a:masterClrMapping/>
+  </p:clrMapOvr>
+</p:sld>
+</file>
+
+<file path=ppt/slides/slide12.xml><?xml version="1.0" encoding="utf-8"?>
+<p:sld xmlns:a="http://schemas.openxmlformats.org/drawingml/2006/main" xmlns:r="http://schemas.openxmlformats.org/officeDocument/2006/relationships" xmlns:mc="http://schemas.openxmlformats.org/markup-compatibility/2006" xmlns:mv="urn:schemas-microsoft-com:mac:vml" xmlns:p="http://schemas.openxmlformats.org/presentationml/2006/main" xmlns:c="http://schemas.openxmlformats.org/drawingml/2006/chart" xmlns:dgm="http://schemas.openxmlformats.org/drawingml/2006/diagram" xmlns:o="urn:schemas-microsoft-com:office:office" xmlns:v="urn:schemas-microsoft-com:vml" xmlns:pvml="urn:schemas-microsoft-com:office:powerpoint" xmlns:com="http://schemas.openxmlformats.org/drawingml/2006/compatibility" xmlns:p14="http://schemas.microsoft.com/office/powerpoint/2010/main" xmlns:p15="http://schemas.microsoft.com/office/powerpoint/2012/main" xmlns:ahyp="http://schemas.microsoft.com/office/drawing/2018/hyperlinkcolor">
+  <p:cSld>
+    <p:spTree>
+      <p:nvGrpSpPr>
+        <p:cNvPr id="108" name="Shape 108"/>
+        <p:cNvGrpSpPr/>
+        <p:nvPr/>
+      </p:nvGrpSpPr>
+      <p:grpSpPr>
+        <a:xfrm>
+          <a:off x="0" y="0"/>
+          <a:ext cx="0" cy="0"/>
+          <a:chOff x="0" y="0"/>
+          <a:chExt cx="0" cy="0"/>
+        </a:xfrm>
+      </p:grpSpPr>
+      <p:sp>
+        <p:nvSpPr>
+          <p:cNvPr id="109" name="Google Shape;109;g3ba7baafcd5_0_136"/>
+          <p:cNvSpPr txBox="1"/>
+          <p:nvPr>
+            <p:ph type="title"/>
+          </p:nvPr>
+        </p:nvSpPr>
+        <p:spPr>
+          <a:xfrm>
+            <a:off x="457200" y="274638"/>
+            <a:ext cx="8229600" cy="1143000"/>
+          </a:xfrm>
+          <a:prstGeom prst="rect">
+            <a:avLst/>
+          </a:prstGeom>
+        </p:spPr>
+        <p:txBody>
+          <a:bodyPr anchorCtr="0" anchor="t" bIns="91425" lIns="91425" spcFirstLastPara="1" rIns="91425" wrap="square" tIns="91425">
+            <a:noAutofit/>
+          </a:bodyPr>
+          <a:lstStyle/>
+          <a:p>
+            <a:pPr indent="0" lvl="0" marL="0" rtl="0" algn="ctr">
+              <a:spcBef>
+                <a:spcPts val="0"/>
+              </a:spcBef>
+              <a:spcAft>
+                <a:spcPts val="0"/>
+              </a:spcAft>
+              <a:buNone/>
+            </a:pPr>
+            <a:r>
+              <a:rPr lang="en" sz="3000">
+                <a:solidFill>
+                  <a:srgbClr val="DCB439"/>
+                </a:solidFill>
+                <a:latin typeface="Consolas"/>
+                <a:ea typeface="Consolas"/>
+                <a:cs typeface="Consolas"/>
+                <a:sym typeface="Consolas"/>
+              </a:rPr>
+              <a:t>jabberwocky.txt</a:t>
+            </a:r>
+            <a:r>
+              <a:rPr lang="en" sz="3000"/>
+              <a:t> vs.     </a:t>
+            </a:r>
+            <a:r>
+              <a:rPr lang="en" sz="3000">
+                <a:solidFill>
+                  <a:srgbClr val="DCB439"/>
+                </a:solidFill>
+                <a:latin typeface="Consolas"/>
+                <a:ea typeface="Consolas"/>
+                <a:cs typeface="Consolas"/>
+                <a:sym typeface="Consolas"/>
+              </a:rPr>
+              <a:t>shakespeare.txt</a:t>
+            </a:r>
+            <a:endParaRPr sz="3000">
+              <a:solidFill>
+                <a:srgbClr val="DCB439"/>
+              </a:solidFill>
+              <a:latin typeface="Consolas"/>
+              <a:ea typeface="Consolas"/>
+              <a:cs typeface="Consolas"/>
+              <a:sym typeface="Consolas"/>
+            </a:endParaRPr>
+          </a:p>
+        </p:txBody>
+      </p:sp>
+      <p:pic>
+        <p:nvPicPr>
+          <p:cNvPr id="110" name="Google Shape;110;g3ba7baafcd5_0_136"/>
+          <p:cNvPicPr preferRelativeResize="0"/>
+          <p:nvPr/>
+        </p:nvPicPr>
+        <p:blipFill rotWithShape="1">
+          <a:blip r:embed="rId3">
+            <a:alphaModFix/>
+          </a:blip>
+          <a:srcRect b="12536" l="18278" r="18430" t="12303"/>
+          <a:stretch/>
+        </p:blipFill>
+        <p:spPr>
+          <a:xfrm>
+            <a:off x="490725" y="438628"/>
+            <a:ext cx="333100" cy="395549"/>
+          </a:xfrm>
+          <a:prstGeom prst="rect">
+            <a:avLst/>
+          </a:prstGeom>
+          <a:noFill/>
+          <a:ln>
+            <a:noFill/>
+          </a:ln>
+        </p:spPr>
+      </p:pic>
+      <p:pic>
+        <p:nvPicPr>
+          <p:cNvPr id="111" name="Google Shape;111;g3ba7baafcd5_0_136"/>
+          <p:cNvPicPr preferRelativeResize="0"/>
+          <p:nvPr/>
+        </p:nvPicPr>
+        <p:blipFill rotWithShape="1">
+          <a:blip r:embed="rId3">
+            <a:alphaModFix/>
+          </a:blip>
+          <a:srcRect b="12536" l="18278" r="18430" t="12303"/>
+          <a:stretch/>
+        </p:blipFill>
+        <p:spPr>
+          <a:xfrm>
+            <a:off x="4781825" y="438628"/>
+            <a:ext cx="333100" cy="395549"/>
+          </a:xfrm>
+          <a:prstGeom prst="rect">
+            <a:avLst/>
+          </a:prstGeom>
+          <a:noFill/>
+          <a:ln>
+            <a:noFill/>
+          </a:ln>
+        </p:spPr>
+      </p:pic>
+      <p:pic>
+        <p:nvPicPr>
+          <p:cNvPr id="112" name="Google Shape;112;g3ba7baafcd5_0_136"/>
+          <p:cNvPicPr preferRelativeResize="0"/>
+          <p:nvPr/>
+        </p:nvPicPr>
+        <p:blipFill>
+          <a:blip r:embed="rId4">
+            <a:alphaModFix/>
+          </a:blip>
+          <a:stretch>
+            <a:fillRect/>
+          </a:stretch>
+        </p:blipFill>
+        <p:spPr>
+          <a:xfrm>
+            <a:off x="835326" y="970175"/>
+            <a:ext cx="7748058" cy="3055371"/>
+          </a:xfrm>
+          <a:prstGeom prst="rect">
+            <a:avLst/>
+          </a:prstGeom>
+          <a:noFill/>
+          <a:ln>
+            <a:noFill/>
+          </a:ln>
+        </p:spPr>
+      </p:pic>
+      <p:pic>
+        <p:nvPicPr>
+          <p:cNvPr id="113" name="Google Shape;113;g3ba7baafcd5_0_136"/>
+          <p:cNvPicPr preferRelativeResize="0"/>
+          <p:nvPr/>
+        </p:nvPicPr>
+        <p:blipFill rotWithShape="1">
+          <a:blip r:embed="rId5">
+            <a:alphaModFix/>
+          </a:blip>
+          <a:srcRect b="0" l="0" r="0" t="7295"/>
+          <a:stretch/>
+        </p:blipFill>
+        <p:spPr>
+          <a:xfrm>
+            <a:off x="835326" y="4025548"/>
+            <a:ext cx="7748061" cy="2832452"/>
+          </a:xfrm>
+          <a:prstGeom prst="rect">
+            <a:avLst/>
+          </a:prstGeom>
+          <a:noFill/>
+          <a:ln>
+            <a:noFill/>
+          </a:ln>
+        </p:spPr>
+      </p:pic>
+      <p:sp>
+        <p:nvSpPr>
+          <p:cNvPr id="114" name="Google Shape;114;g3ba7baafcd5_0_136"/>
+          <p:cNvSpPr txBox="1"/>
+          <p:nvPr/>
+        </p:nvSpPr>
+        <p:spPr>
+          <a:xfrm>
+            <a:off x="-2047875" y="-984250"/>
+            <a:ext cx="2538600" cy="301500"/>
+          </a:xfrm>
+          <a:prstGeom prst="rect">
+            <a:avLst/>
+          </a:prstGeom>
+          <a:noFill/>
+          <a:ln>
+            <a:noFill/>
+          </a:ln>
+        </p:spPr>
+        <p:txBody>
+          <a:bodyPr anchorCtr="0" anchor="t" bIns="91425" lIns="91425" spcFirstLastPara="1" rIns="91425" wrap="square" tIns="91425">
+            <a:noAutofit/>
+          </a:bodyPr>
+          <a:lstStyle/>
+          <a:p>
+            <a:pPr indent="0" lvl="0" marL="0" rtl="0" algn="l">
+              <a:spcBef>
+                <a:spcPts val="0"/>
+              </a:spcBef>
+              <a:spcAft>
+                <a:spcPts val="0"/>
+              </a:spcAft>
+              <a:buNone/>
+            </a:pPr>
+            <a:r>
+              <a:t/>
+            </a:r>
+            <a:endParaRPr sz="3000">
+              <a:solidFill>
+                <a:schemeClr val="dk1"/>
+              </a:solidFill>
+            </a:endParaRPr>
+          </a:p>
+        </p:txBody>
+      </p:sp>
+      <p:pic>
+        <p:nvPicPr>
+          <p:cNvPr id="115" name="Google Shape;115;g3ba7baafcd5_0_136" title="Screenshot 2026-01-15 at 8.43.47 AM.png"/>
+          <p:cNvPicPr preferRelativeResize="0"/>
+          <p:nvPr/>
+        </p:nvPicPr>
+        <p:blipFill>
+          <a:blip r:embed="rId6">
+            <a:alphaModFix/>
+          </a:blip>
+          <a:stretch>
+            <a:fillRect/>
+          </a:stretch>
+        </p:blipFill>
+        <p:spPr>
+          <a:xfrm rot="-5400000">
+            <a:off x="-376786" y="2165324"/>
+            <a:ext cx="2149506" cy="274719"/>
+          </a:xfrm>
+          <a:prstGeom prst="rect">
+            <a:avLst/>
+          </a:prstGeom>
+          <a:noFill/>
+          <a:ln>
+            <a:noFill/>
+          </a:ln>
+        </p:spPr>
+      </p:pic>
+      <p:pic>
+        <p:nvPicPr>
+          <p:cNvPr id="116" name="Google Shape;116;g3ba7baafcd5_0_136" title="Screenshot 2026-01-15 at 8.44.37 AM.png"/>
+          <p:cNvPicPr preferRelativeResize="0"/>
+          <p:nvPr/>
+        </p:nvPicPr>
+        <p:blipFill>
+          <a:blip r:embed="rId7">
+            <a:alphaModFix/>
+          </a:blip>
+          <a:stretch>
+            <a:fillRect/>
+          </a:stretch>
+        </p:blipFill>
+        <p:spPr>
+          <a:xfrm rot="-5400000">
+            <a:off x="-392280" y="5110495"/>
+            <a:ext cx="2180504" cy="274045"/>
+          </a:xfrm>
+          <a:prstGeom prst="rect">
+            <a:avLst/>
+          </a:prstGeom>
+          <a:noFill/>
+          <a:ln>
+            <a:noFill/>
+          </a:ln>
+        </p:spPr>
+      </p:pic>
+    </p:spTree>
+  </p:cSld>
+  <p:clrMapOvr>
+    <a:masterClrMapping/>
+  </p:clrMapOvr>
+</p:sld>
+</file>
+
+<file path=ppt/slides/slide13.xml><?xml version="1.0" encoding="utf-8"?>
+<p:sld xmlns:a="http://schemas.openxmlformats.org/drawingml/2006/main" xmlns:r="http://schemas.openxmlformats.org/officeDocument/2006/relationships" xmlns:mc="http://schemas.openxmlformats.org/markup-compatibility/2006" xmlns:mv="urn:schemas-microsoft-com:mac:vml" xmlns:p="http://schemas.openxmlformats.org/presentationml/2006/main" xmlns:c="http://schemas.openxmlformats.org/drawingml/2006/chart" xmlns:dgm="http://schemas.openxmlformats.org/drawingml/2006/diagram" xmlns:o="urn:schemas-microsoft-com:office:office" xmlns:v="urn:schemas-microsoft-com:vml" xmlns:pvml="urn:schemas-microsoft-com:office:powerpoint" xmlns:com="http://schemas.openxmlformats.org/drawingml/2006/compatibility" xmlns:p14="http://schemas.microsoft.com/office/powerpoint/2010/main" xmlns:p15="http://schemas.microsoft.com/office/powerpoint/2012/main" xmlns:ahyp="http://schemas.microsoft.com/office/drawing/2018/hyperlinkcolor">
+  <p:cSld>
+    <p:spTree>
+      <p:nvGrpSpPr>
+        <p:cNvPr id="120" name="Shape 120"/>
+        <p:cNvGrpSpPr/>
+        <p:nvPr/>
+      </p:nvGrpSpPr>
+      <p:grpSpPr>
+        <a:xfrm>
+          <a:off x="0" y="0"/>
+          <a:ext cx="0" cy="0"/>
+          <a:chOff x="0" y="0"/>
+          <a:chExt cx="0" cy="0"/>
+        </a:xfrm>
+      </p:grpSpPr>
+      <p:sp>
+        <p:nvSpPr>
+          <p:cNvPr id="121" name="Google Shape;121;g3ba7baafcd5_0_180"/>
+          <p:cNvSpPr txBox="1"/>
+          <p:nvPr>
+            <p:ph type="title"/>
+          </p:nvPr>
+        </p:nvSpPr>
+        <p:spPr>
+          <a:xfrm>
+            <a:off x="457200" y="274638"/>
+            <a:ext cx="8229600" cy="1143000"/>
+          </a:xfrm>
+          <a:prstGeom prst="rect">
+            <a:avLst/>
+          </a:prstGeom>
+        </p:spPr>
+        <p:txBody>
+          <a:bodyPr anchorCtr="0" anchor="b" bIns="91425" lIns="91425" spcFirstLastPara="1" rIns="91425" wrap="square" tIns="91425">
+            <a:noAutofit/>
+          </a:bodyPr>
+          <a:lstStyle/>
+          <a:p>
+            <a:pPr indent="0" lvl="0" marL="0" rtl="0" algn="l">
+              <a:spcBef>
+                <a:spcPts val="0"/>
+              </a:spcBef>
+              <a:spcAft>
+                <a:spcPts val="0"/>
+              </a:spcAft>
+              <a:buNone/>
+            </a:pPr>
+            <a:r>
+              <a:rPr lang="en"/>
+              <a:t>Stop Words</a:t>
+            </a:r>
+            <a:endParaRPr/>
+          </a:p>
+        </p:txBody>
+      </p:sp>
+      <p:sp>
+        <p:nvSpPr>
+          <p:cNvPr id="122" name="Google Shape;122;g3ba7baafcd5_0_180"/>
+          <p:cNvSpPr txBox="1"/>
+          <p:nvPr>
+            <p:ph idx="1" type="body"/>
+          </p:nvPr>
+        </p:nvSpPr>
+        <p:spPr>
+          <a:xfrm>
+            <a:off x="457200" y="1600200"/>
+            <a:ext cx="8229600" cy="2114700"/>
+          </a:xfrm>
+          <a:prstGeom prst="rect">
+            <a:avLst/>
+          </a:prstGeom>
+        </p:spPr>
+        <p:txBody>
+          <a:bodyPr anchorCtr="0" anchor="t" bIns="91425" lIns="91425" spcFirstLastPara="1" rIns="91425" wrap="square" tIns="91425">
+            <a:noAutofit/>
+          </a:bodyPr>
+          <a:lstStyle/>
+          <a:p>
+            <a:pPr indent="0" lvl="0" marL="0" rtl="0" algn="l">
+              <a:spcBef>
+                <a:spcPts val="600"/>
+              </a:spcBef>
+              <a:spcAft>
+                <a:spcPts val="0"/>
+              </a:spcAft>
+              <a:buNone/>
+            </a:pPr>
+            <a:r>
+              <a:rPr b="1" lang="en">
+                <a:solidFill>
+                  <a:srgbClr val="002B5B"/>
+                </a:solidFill>
+              </a:rPr>
+              <a:t>Stop words</a:t>
+            </a:r>
+            <a:r>
+              <a:rPr lang="en"/>
+              <a:t> are </a:t>
+            </a:r>
+            <a:r>
+              <a:rPr b="1" lang="en">
+                <a:solidFill>
+                  <a:srgbClr val="5F1709"/>
+                </a:solidFill>
+              </a:rPr>
+              <a:t>common, high-frequency words that often carry little specific meaning</a:t>
+            </a:r>
+            <a:r>
+              <a:rPr lang="en"/>
+              <a:t> and are </a:t>
+            </a:r>
+            <a:r>
+              <a:rPr b="1" lang="en">
+                <a:solidFill>
+                  <a:srgbClr val="DCB439"/>
+                </a:solidFill>
+              </a:rPr>
+              <a:t>filtered out</a:t>
+            </a:r>
+            <a:r>
+              <a:rPr lang="en"/>
+              <a:t> in Natural Language Processing (NLP) systems</a:t>
+            </a:r>
+            <a:endParaRPr/>
+          </a:p>
+        </p:txBody>
+      </p:sp>
+      <p:pic>
+        <p:nvPicPr>
+          <p:cNvPr id="123" name="Google Shape;123;g3ba7baafcd5_0_180"/>
+          <p:cNvPicPr preferRelativeResize="0"/>
+          <p:nvPr/>
+        </p:nvPicPr>
+        <p:blipFill rotWithShape="1">
+          <a:blip r:embed="rId3">
+            <a:alphaModFix/>
+          </a:blip>
+          <a:srcRect b="8531" l="0" r="0" t="54553"/>
+          <a:stretch/>
+        </p:blipFill>
+        <p:spPr>
+          <a:xfrm>
+            <a:off x="902275" y="4259075"/>
+            <a:ext cx="7339450" cy="1524001"/>
+          </a:xfrm>
+          <a:prstGeom prst="rect">
+            <a:avLst/>
+          </a:prstGeom>
+          <a:noFill/>
+          <a:ln>
+            <a:noFill/>
+          </a:ln>
+        </p:spPr>
+      </p:pic>
+    </p:spTree>
+  </p:cSld>
+  <p:clrMapOvr>
+    <a:masterClrMapping/>
+  </p:clrMapOvr>
+</p:sld>
+</file>
+
+<file path=ppt/slides/slide14.xml><?xml version="1.0" encoding="utf-8"?>
+<p:sld xmlns:a="http://schemas.openxmlformats.org/drawingml/2006/main" xmlns:r="http://schemas.openxmlformats.org/officeDocument/2006/relationships" xmlns:mc="http://schemas.openxmlformats.org/markup-compatibility/2006" xmlns:mv="urn:schemas-microsoft-com:mac:vml" xmlns:p="http://schemas.openxmlformats.org/presentationml/2006/main" xmlns:c="http://schemas.openxmlformats.org/drawingml/2006/chart" xmlns:dgm="http://schemas.openxmlformats.org/drawingml/2006/diagram" xmlns:o="urn:schemas-microsoft-com:office:office" xmlns:v="urn:schemas-microsoft-com:vml" xmlns:pvml="urn:schemas-microsoft-com:office:powerpoint" xmlns:com="http://schemas.openxmlformats.org/drawingml/2006/compatibility" xmlns:p14="http://schemas.microsoft.com/office/powerpoint/2010/main" xmlns:p15="http://schemas.microsoft.com/office/powerpoint/2012/main" xmlns:ahyp="http://schemas.microsoft.com/office/drawing/2018/hyperlinkcolor">
+  <p:cSld>
+    <p:spTree>
+      <p:nvGrpSpPr>
+        <p:cNvPr id="127" name="Shape 127"/>
+        <p:cNvGrpSpPr/>
+        <p:nvPr/>
+      </p:nvGrpSpPr>
+      <p:grpSpPr>
+        <a:xfrm>
+          <a:off x="0" y="0"/>
+          <a:ext cx="0" cy="0"/>
+          <a:chOff x="0" y="0"/>
+          <a:chExt cx="0" cy="0"/>
+        </a:xfrm>
+      </p:grpSpPr>
+      <p:sp>
+        <p:nvSpPr>
+          <p:cNvPr id="128" name="Google Shape;128;g3ba7baafcd5_0_169"/>
+          <p:cNvSpPr txBox="1"/>
+          <p:nvPr>
+            <p:ph type="title"/>
+          </p:nvPr>
+        </p:nvSpPr>
+        <p:spPr>
+          <a:xfrm>
+            <a:off x="457200" y="274638"/>
+            <a:ext cx="8229600" cy="1143000"/>
+          </a:xfrm>
+          <a:prstGeom prst="rect">
+            <a:avLst/>
+          </a:prstGeom>
+        </p:spPr>
+        <p:txBody>
+          <a:bodyPr anchorCtr="0" anchor="t" bIns="91425" lIns="91425" spcFirstLastPara="1" rIns="91425" wrap="square" tIns="91425">
+            <a:noAutofit/>
+          </a:bodyPr>
+          <a:lstStyle/>
+          <a:p>
+            <a:pPr indent="0" lvl="0" marL="0" rtl="0" algn="ctr">
+              <a:spcBef>
+                <a:spcPts val="0"/>
+              </a:spcBef>
+              <a:spcAft>
+                <a:spcPts val="0"/>
+              </a:spcAft>
+              <a:buNone/>
+            </a:pPr>
+            <a:r>
+              <a:rPr lang="en" sz="3000">
+                <a:solidFill>
+                  <a:srgbClr val="DCB439"/>
+                </a:solidFill>
+                <a:latin typeface="Consolas"/>
+                <a:ea typeface="Consolas"/>
+                <a:cs typeface="Consolas"/>
+                <a:sym typeface="Consolas"/>
+              </a:rPr>
+              <a:t>jabberwocky.txt</a:t>
+            </a:r>
+            <a:r>
+              <a:rPr lang="en" sz="3000"/>
+              <a:t> vs.     </a:t>
+            </a:r>
+            <a:r>
+              <a:rPr lang="en" sz="3000">
+                <a:solidFill>
+                  <a:srgbClr val="DCB439"/>
+                </a:solidFill>
+                <a:latin typeface="Consolas"/>
+                <a:ea typeface="Consolas"/>
+                <a:cs typeface="Consolas"/>
+                <a:sym typeface="Consolas"/>
+              </a:rPr>
+              <a:t>shakespeare.txt</a:t>
+            </a:r>
+            <a:endParaRPr sz="3000">
+              <a:solidFill>
+                <a:srgbClr val="DCB439"/>
+              </a:solidFill>
+              <a:latin typeface="Consolas"/>
+              <a:ea typeface="Consolas"/>
+              <a:cs typeface="Consolas"/>
+              <a:sym typeface="Consolas"/>
+            </a:endParaRPr>
+          </a:p>
+        </p:txBody>
+      </p:sp>
+      <p:pic>
+        <p:nvPicPr>
+          <p:cNvPr id="129" name="Google Shape;129;g3ba7baafcd5_0_169"/>
+          <p:cNvPicPr preferRelativeResize="0"/>
+          <p:nvPr/>
+        </p:nvPicPr>
+        <p:blipFill rotWithShape="1">
+          <a:blip r:embed="rId3">
+            <a:alphaModFix/>
+          </a:blip>
+          <a:srcRect b="12536" l="18278" r="18430" t="12303"/>
+          <a:stretch/>
+        </p:blipFill>
+        <p:spPr>
+          <a:xfrm>
+            <a:off x="490725" y="438628"/>
+            <a:ext cx="333100" cy="395549"/>
+          </a:xfrm>
+          <a:prstGeom prst="rect">
+            <a:avLst/>
+          </a:prstGeom>
+          <a:noFill/>
+          <a:ln>
+            <a:noFill/>
+          </a:ln>
+        </p:spPr>
+      </p:pic>
+      <p:pic>
+        <p:nvPicPr>
+          <p:cNvPr id="130" name="Google Shape;130;g3ba7baafcd5_0_169"/>
+          <p:cNvPicPr preferRelativeResize="0"/>
+          <p:nvPr/>
+        </p:nvPicPr>
+        <p:blipFill rotWithShape="1">
+          <a:blip r:embed="rId3">
+            <a:alphaModFix/>
+          </a:blip>
+          <a:srcRect b="12536" l="18278" r="18430" t="12303"/>
+          <a:stretch/>
+        </p:blipFill>
+        <p:spPr>
+          <a:xfrm>
+            <a:off x="4781825" y="438628"/>
+            <a:ext cx="333100" cy="395549"/>
+          </a:xfrm>
+          <a:prstGeom prst="rect">
+            <a:avLst/>
+          </a:prstGeom>
+          <a:noFill/>
+          <a:ln>
+            <a:noFill/>
+          </a:ln>
+        </p:spPr>
+      </p:pic>
+      <p:sp>
+        <p:nvSpPr>
+          <p:cNvPr id="131" name="Google Shape;131;g3ba7baafcd5_0_169"/>
+          <p:cNvSpPr txBox="1"/>
+          <p:nvPr/>
+        </p:nvSpPr>
+        <p:spPr>
+          <a:xfrm>
+            <a:off x="-2047875" y="-984250"/>
+            <a:ext cx="2538600" cy="301500"/>
+          </a:xfrm>
+          <a:prstGeom prst="rect">
+            <a:avLst/>
+          </a:prstGeom>
+          <a:noFill/>
+          <a:ln>
+            <a:noFill/>
+          </a:ln>
+        </p:spPr>
+        <p:txBody>
+          <a:bodyPr anchorCtr="0" anchor="t" bIns="91425" lIns="91425" spcFirstLastPara="1" rIns="91425" wrap="square" tIns="91425">
+            <a:noAutofit/>
+          </a:bodyPr>
+          <a:lstStyle/>
+          <a:p>
+            <a:pPr indent="0" lvl="0" marL="0" rtl="0" algn="l">
+              <a:spcBef>
+                <a:spcPts val="0"/>
+              </a:spcBef>
+              <a:spcAft>
+                <a:spcPts val="0"/>
+              </a:spcAft>
+              <a:buNone/>
+            </a:pPr>
+            <a:r>
+              <a:t/>
+            </a:r>
+            <a:endParaRPr sz="3000">
+              <a:solidFill>
+                <a:schemeClr val="dk1"/>
+              </a:solidFill>
+            </a:endParaRPr>
+          </a:p>
+        </p:txBody>
+      </p:sp>
+      <p:pic>
+        <p:nvPicPr>
+          <p:cNvPr id="132" name="Google Shape;132;g3ba7baafcd5_0_169" title="Screenshot 2026-01-15 at 8.43.47 AM.png"/>
+          <p:cNvPicPr preferRelativeResize="0"/>
+          <p:nvPr/>
+        </p:nvPicPr>
+        <p:blipFill>
+          <a:blip r:embed="rId4">
+            <a:alphaModFix/>
+          </a:blip>
+          <a:stretch>
+            <a:fillRect/>
+          </a:stretch>
+        </p:blipFill>
+        <p:spPr>
+          <a:xfrm rot="-5400000">
+            <a:off x="-376786" y="2165324"/>
+            <a:ext cx="2149506" cy="274719"/>
+          </a:xfrm>
+          <a:prstGeom prst="rect">
+            <a:avLst/>
+          </a:prstGeom>
+          <a:noFill/>
+          <a:ln>
+            <a:noFill/>
+          </a:ln>
+        </p:spPr>
+      </p:pic>
+      <p:pic>
+        <p:nvPicPr>
+          <p:cNvPr id="133" name="Google Shape;133;g3ba7baafcd5_0_169" title="Screenshot 2026-01-15 at 8.44.37 AM.png"/>
+          <p:cNvPicPr preferRelativeResize="0"/>
+          <p:nvPr/>
+        </p:nvPicPr>
+        <p:blipFill>
+          <a:blip r:embed="rId5">
+            <a:alphaModFix/>
+          </a:blip>
+          <a:stretch>
+            <a:fillRect/>
+          </a:stretch>
+        </p:blipFill>
+        <p:spPr>
+          <a:xfrm rot="-5400000">
+            <a:off x="-392293" y="5083270"/>
+            <a:ext cx="2180504" cy="274045"/>
+          </a:xfrm>
+          <a:prstGeom prst="rect">
+            <a:avLst/>
+          </a:prstGeom>
+          <a:noFill/>
+          <a:ln>
+            <a:noFill/>
+          </a:ln>
+        </p:spPr>
+      </p:pic>
+      <p:pic>
+        <p:nvPicPr>
+          <p:cNvPr id="134" name="Google Shape;134;g3ba7baafcd5_0_169"/>
+          <p:cNvPicPr preferRelativeResize="0"/>
+          <p:nvPr/>
+        </p:nvPicPr>
+        <p:blipFill>
+          <a:blip r:embed="rId6">
+            <a:alphaModFix/>
+          </a:blip>
+          <a:stretch>
+            <a:fillRect/>
+          </a:stretch>
+        </p:blipFill>
+        <p:spPr>
+          <a:xfrm>
+            <a:off x="938750" y="970211"/>
+            <a:ext cx="7748051" cy="3055328"/>
+          </a:xfrm>
+          <a:prstGeom prst="rect">
+            <a:avLst/>
+          </a:prstGeom>
+          <a:noFill/>
+          <a:ln>
+            <a:noFill/>
+          </a:ln>
+        </p:spPr>
+      </p:pic>
+      <p:pic>
+        <p:nvPicPr>
+          <p:cNvPr id="135" name="Google Shape;135;g3ba7baafcd5_0_169"/>
+          <p:cNvPicPr preferRelativeResize="0"/>
+          <p:nvPr/>
+        </p:nvPicPr>
+        <p:blipFill rotWithShape="1">
+          <a:blip r:embed="rId7">
+            <a:alphaModFix/>
+          </a:blip>
+          <a:srcRect b="0" l="0" r="0" t="7672"/>
+          <a:stretch/>
+        </p:blipFill>
+        <p:spPr>
+          <a:xfrm>
+            <a:off x="938750" y="4025562"/>
+            <a:ext cx="7748051" cy="2820825"/>
+          </a:xfrm>
+          <a:prstGeom prst="rect">
+            <a:avLst/>
+          </a:prstGeom>
+          <a:noFill/>
+          <a:ln>
+            <a:noFill/>
+          </a:ln>
+        </p:spPr>
+      </p:pic>
+    </p:spTree>
+  </p:cSld>
+  <p:clrMapOvr>
+    <a:masterClrMapping/>
+  </p:clrMapOvr>
+</p:sld>
+</file>
+
+<file path=ppt/slides/slide15.xml><?xml version="1.0" encoding="utf-8"?>
+<p:sld xmlns:a="http://schemas.openxmlformats.org/drawingml/2006/main" xmlns:r="http://schemas.openxmlformats.org/officeDocument/2006/relationships" xmlns:mc="http://schemas.openxmlformats.org/markup-compatibility/2006" xmlns:mv="urn:schemas-microsoft-com:mac:vml" xmlns:p="http://schemas.openxmlformats.org/presentationml/2006/main" xmlns:c="http://schemas.openxmlformats.org/drawingml/2006/chart" xmlns:dgm="http://schemas.openxmlformats.org/drawingml/2006/diagram" xmlns:o="urn:schemas-microsoft-com:office:office" xmlns:v="urn:schemas-microsoft-com:vml" xmlns:pvml="urn:schemas-microsoft-com:office:powerpoint" xmlns:com="http://schemas.openxmlformats.org/drawingml/2006/compatibility" xmlns:p14="http://schemas.microsoft.com/office/powerpoint/2010/main" xmlns:p15="http://schemas.microsoft.com/office/powerpoint/2012/main" xmlns:ahyp="http://schemas.microsoft.com/office/drawing/2018/hyperlinkcolor">
+  <p:cSld>
+    <p:spTree>
+      <p:nvGrpSpPr>
+        <p:cNvPr id="139" name="Shape 139"/>
+        <p:cNvGrpSpPr/>
+        <p:nvPr/>
+      </p:nvGrpSpPr>
+      <p:grpSpPr>
+        <a:xfrm>
+          <a:off x="0" y="0"/>
+          <a:ext cx="0" cy="0"/>
+          <a:chOff x="0" y="0"/>
+          <a:chExt cx="0" cy="0"/>
+        </a:xfrm>
+      </p:grpSpPr>
+      <p:sp>
+        <p:nvSpPr>
+          <p:cNvPr id="140" name="Google Shape;140;g3ba7baafcd5_0_40"/>
+          <p:cNvSpPr txBox="1"/>
+          <p:nvPr>
+            <p:ph type="title"/>
+          </p:nvPr>
+        </p:nvSpPr>
+        <p:spPr>
+          <a:xfrm>
+            <a:off x="457200" y="274638"/>
+            <a:ext cx="8229600" cy="1143000"/>
+          </a:xfrm>
+          <a:prstGeom prst="rect">
+            <a:avLst/>
+          </a:prstGeom>
+          <a:noFill/>
+          <a:ln>
+            <a:noFill/>
+          </a:ln>
+        </p:spPr>
+        <p:txBody>
+          <a:bodyPr anchorCtr="0" anchor="b" bIns="91425" lIns="91425" spcFirstLastPara="1" rIns="91425" wrap="square" tIns="91425">
+            <a:noAutofit/>
+          </a:bodyPr>
+          <a:lstStyle/>
+          <a:p>
+            <a:pPr indent="0" lvl="0" marL="0" rtl="0" algn="l">
+              <a:lnSpc>
+                <a:spcPct val="100000"/>
+              </a:lnSpc>
+              <a:spcBef>
+                <a:spcPts val="0"/>
+              </a:spcBef>
+              <a:spcAft>
+                <a:spcPts val="0"/>
+              </a:spcAft>
+              <a:buSzPts val="3600"/>
+              <a:buNone/>
+            </a:pPr>
+            <a:r>
+              <a:rPr lang="en">
+                <a:solidFill>
+                  <a:srgbClr val="002B5B"/>
+                </a:solidFill>
+              </a:rPr>
+              <a:t>Sampling Distributions and Generative AI</a:t>
+            </a:r>
+            <a:endParaRPr>
+              <a:solidFill>
+                <a:srgbClr val="002B5B"/>
+              </a:solidFill>
+            </a:endParaRPr>
+          </a:p>
+        </p:txBody>
+      </p:sp>
+      <p:sp>
+        <p:nvSpPr>
+          <p:cNvPr id="141" name="Google Shape;141;g3ba7baafcd5_0_40"/>
+          <p:cNvSpPr txBox="1"/>
+          <p:nvPr>
+            <p:ph idx="1" type="body"/>
+          </p:nvPr>
+        </p:nvSpPr>
+        <p:spPr>
+          <a:xfrm>
+            <a:off x="457200" y="1600200"/>
+            <a:ext cx="8229600" cy="4967700"/>
+          </a:xfrm>
+          <a:prstGeom prst="rect">
+            <a:avLst/>
+          </a:prstGeom>
+          <a:noFill/>
+          <a:ln>
+            <a:noFill/>
+          </a:ln>
+        </p:spPr>
+        <p:txBody>
+          <a:bodyPr anchorCtr="0" anchor="t" bIns="91425" lIns="91425" spcFirstLastPara="1" rIns="91425" wrap="square" tIns="91425">
+            <a:noAutofit/>
+          </a:bodyPr>
+          <a:lstStyle/>
+          <a:p>
+            <a:pPr indent="0" lvl="0" marL="0" rtl="0" algn="l">
+              <a:lnSpc>
+                <a:spcPct val="100000"/>
+              </a:lnSpc>
+              <a:spcBef>
+                <a:spcPts val="600"/>
+              </a:spcBef>
+              <a:spcAft>
+                <a:spcPts val="0"/>
+              </a:spcAft>
+              <a:buSzPts val="3000"/>
+              <a:buNone/>
+            </a:pPr>
+            <a:r>
+              <a:rPr lang="en"/>
+              <a:t>“</a:t>
+            </a:r>
+            <a:r>
+              <a:rPr b="1" lang="en">
+                <a:solidFill>
+                  <a:srgbClr val="002B5B"/>
+                </a:solidFill>
+              </a:rPr>
+              <a:t>Generative artificial intelligence</a:t>
+            </a:r>
+            <a:r>
+              <a:rPr lang="en"/>
+              <a:t> is a subset of artificial intelligence that uses generative models to produce text, images, videos, or other forms of data. </a:t>
+            </a:r>
+            <a:r>
+              <a:rPr b="1" lang="en">
+                <a:solidFill>
+                  <a:srgbClr val="DCB439"/>
+                </a:solidFill>
+              </a:rPr>
+              <a:t>These models learn the underlying patterns and structures of their training data</a:t>
+            </a:r>
+            <a:r>
+              <a:rPr lang="en"/>
+              <a:t> and use them to produce new data” — Wikipedia</a:t>
+            </a:r>
+            <a:endParaRPr/>
+          </a:p>
+        </p:txBody>
+      </p:sp>
+      <p:sp>
+        <p:nvSpPr>
+          <p:cNvPr id="142" name="Google Shape;142;g3ba7baafcd5_0_40"/>
+          <p:cNvSpPr txBox="1"/>
+          <p:nvPr>
+            <p:ph idx="12" type="sldNum"/>
+          </p:nvPr>
+        </p:nvSpPr>
+        <p:spPr>
+          <a:xfrm>
+            <a:off x="8556791" y="6333134"/>
+            <a:ext cx="548700" cy="524700"/>
+          </a:xfrm>
+          <a:prstGeom prst="rect">
+            <a:avLst/>
+          </a:prstGeom>
+          <a:noFill/>
+          <a:ln>
+            <a:noFill/>
+          </a:ln>
+        </p:spPr>
+        <p:txBody>
+          <a:bodyPr anchorCtr="0" anchor="ctr" bIns="91425" lIns="91425" spcFirstLastPara="1" rIns="91425" wrap="square" tIns="91425">
+            <a:noAutofit/>
+          </a:bodyPr>
+          <a:lstStyle/>
+          <a:p>
+            <a:pPr indent="0" lvl="0" marL="0" rtl="0" algn="r">
+              <a:spcBef>
+                <a:spcPts val="0"/>
+              </a:spcBef>
+              <a:spcAft>
+                <a:spcPts val="0"/>
+              </a:spcAft>
+              <a:buClr>
+                <a:srgbClr val="000000"/>
+              </a:buClr>
+              <a:buSzPts val="1300"/>
+              <a:buFont typeface="Arial"/>
+              <a:buNone/>
+            </a:pPr>
+            <a:fld id="{00000000-1234-1234-1234-123412341234}" type="slidenum">
+              <a:rPr lang="en"/>
+              <a:t>‹#›</a:t>
+            </a:fld>
+            <a:endParaRPr/>
+          </a:p>
+        </p:txBody>
+      </p:sp>
+    </p:spTree>
+  </p:cSld>
+  <p:clrMapOvr>
+    <a:masterClrMapping/>
+  </p:clrMapOvr>
+</p:sld>
+</file>
+
+<file path=ppt/slides/slide16.xml><?xml version="1.0" encoding="utf-8"?>
+<p:sld xmlns:a="http://schemas.openxmlformats.org/drawingml/2006/main" xmlns:r="http://schemas.openxmlformats.org/officeDocument/2006/relationships" xmlns:mc="http://schemas.openxmlformats.org/markup-compatibility/2006" xmlns:mv="urn:schemas-microsoft-com:mac:vml" xmlns:p="http://schemas.openxmlformats.org/presentationml/2006/main" xmlns:c="http://schemas.openxmlformats.org/drawingml/2006/chart" xmlns:dgm="http://schemas.openxmlformats.org/drawingml/2006/diagram" xmlns:o="urn:schemas-microsoft-com:office:office" xmlns:v="urn:schemas-microsoft-com:vml" xmlns:pvml="urn:schemas-microsoft-com:office:powerpoint" xmlns:com="http://schemas.openxmlformats.org/drawingml/2006/compatibility" xmlns:p14="http://schemas.microsoft.com/office/powerpoint/2010/main" xmlns:p15="http://schemas.microsoft.com/office/powerpoint/2012/main" xmlns:ahyp="http://schemas.microsoft.com/office/drawing/2018/hyperlinkcolor">
+  <p:cSld>
+    <p:spTree>
+      <p:nvGrpSpPr>
+        <p:cNvPr id="146" name="Shape 146"/>
+        <p:cNvGrpSpPr/>
+        <p:nvPr/>
+      </p:nvGrpSpPr>
+      <p:grpSpPr>
+        <a:xfrm>
+          <a:off x="0" y="0"/>
+          <a:ext cx="0" cy="0"/>
+          <a:chOff x="0" y="0"/>
+          <a:chExt cx="0" cy="0"/>
+        </a:xfrm>
+      </p:grpSpPr>
+      <p:sp>
+        <p:nvSpPr>
+          <p:cNvPr id="147" name="Google Shape;147;g3ba79990f52_0_16"/>
+          <p:cNvSpPr txBox="1"/>
+          <p:nvPr>
+            <p:ph type="title"/>
+          </p:nvPr>
+        </p:nvSpPr>
+        <p:spPr>
+          <a:xfrm>
+            <a:off x="457200" y="274638"/>
+            <a:ext cx="8229600" cy="1143000"/>
+          </a:xfrm>
+          <a:prstGeom prst="rect">
+            <a:avLst/>
+          </a:prstGeom>
+          <a:noFill/>
+          <a:ln>
+            <a:noFill/>
+          </a:ln>
+        </p:spPr>
+        <p:txBody>
+          <a:bodyPr anchorCtr="0" anchor="b" bIns="91425" lIns="91425" spcFirstLastPara="1" rIns="91425" wrap="square" tIns="91425">
+            <a:noAutofit/>
+          </a:bodyPr>
+          <a:lstStyle/>
+          <a:p>
+            <a:pPr indent="0" lvl="0" marL="0" rtl="0" algn="l">
+              <a:lnSpc>
+                <a:spcPct val="100000"/>
+              </a:lnSpc>
+              <a:spcBef>
+                <a:spcPts val="0"/>
+              </a:spcBef>
+              <a:spcAft>
+                <a:spcPts val="0"/>
+              </a:spcAft>
+              <a:buSzPts val="3600"/>
+              <a:buNone/>
+            </a:pPr>
+            <a:r>
+              <a:rPr lang="en"/>
+              <a:t>Programming in Python</a:t>
+            </a:r>
+            <a:endParaRPr/>
+          </a:p>
+        </p:txBody>
+      </p:sp>
+      <p:pic>
+        <p:nvPicPr>
+          <p:cNvPr id="148" name="Google Shape;148;g3ba79990f52_0_16"/>
+          <p:cNvPicPr preferRelativeResize="0"/>
+          <p:nvPr/>
+        </p:nvPicPr>
+        <p:blipFill>
+          <a:blip r:embed="rId3">
+            <a:alphaModFix/>
+          </a:blip>
+          <a:stretch>
+            <a:fillRect/>
+          </a:stretch>
+        </p:blipFill>
+        <p:spPr>
+          <a:xfrm>
+            <a:off x="7395450" y="274650"/>
+            <a:ext cx="1143000" cy="1143000"/>
+          </a:xfrm>
+          <a:prstGeom prst="rect">
+            <a:avLst/>
+          </a:prstGeom>
+          <a:noFill/>
+          <a:ln>
+            <a:noFill/>
+          </a:ln>
+        </p:spPr>
+      </p:pic>
+      <p:pic>
+        <p:nvPicPr>
+          <p:cNvPr id="149" name="Google Shape;149;g3ba79990f52_0_16"/>
+          <p:cNvPicPr preferRelativeResize="0"/>
+          <p:nvPr/>
+        </p:nvPicPr>
+        <p:blipFill>
+          <a:blip r:embed="rId4">
+            <a:alphaModFix/>
+          </a:blip>
+          <a:stretch>
+            <a:fillRect/>
+          </a:stretch>
+        </p:blipFill>
+        <p:spPr>
+          <a:xfrm>
+            <a:off x="152400" y="2114313"/>
+            <a:ext cx="8839200" cy="4159104"/>
+          </a:xfrm>
+          <a:prstGeom prst="rect">
+            <a:avLst/>
+          </a:prstGeom>
+          <a:noFill/>
+          <a:ln>
+            <a:noFill/>
+          </a:ln>
+        </p:spPr>
+      </p:pic>
+      <p:sp>
+        <p:nvSpPr>
+          <p:cNvPr id="150" name="Google Shape;150;g3ba79990f52_0_16"/>
+          <p:cNvSpPr/>
+          <p:nvPr/>
+        </p:nvSpPr>
+        <p:spPr>
+          <a:xfrm>
+            <a:off x="1455975" y="2422075"/>
+            <a:ext cx="2639700" cy="558000"/>
+          </a:xfrm>
+          <a:prstGeom prst="rect">
+            <a:avLst/>
+          </a:prstGeom>
+          <a:noFill/>
+          <a:ln cap="flat" cmpd="sng" w="38100">
+            <a:solidFill>
+              <a:srgbClr val="FF0000"/>
+            </a:solidFill>
+            <a:prstDash val="solid"/>
+            <a:round/>
+            <a:headEnd len="sm" w="sm" type="none"/>
+            <a:tailEnd len="sm" w="sm" type="none"/>
+          </a:ln>
+        </p:spPr>
+        <p:txBody>
+          <a:bodyPr anchorCtr="0" anchor="ctr" bIns="91425" lIns="91425" spcFirstLastPara="1" rIns="91425" wrap="square" tIns="91425">
+            <a:noAutofit/>
+          </a:bodyPr>
+          <a:lstStyle/>
+          <a:p>
+            <a:pPr indent="0" lvl="0" marL="0" rtl="0" algn="ctr">
+              <a:spcBef>
+                <a:spcPts val="0"/>
+              </a:spcBef>
+              <a:spcAft>
+                <a:spcPts val="0"/>
+              </a:spcAft>
+              <a:buNone/>
+            </a:pPr>
+            <a:r>
+              <a:t/>
+            </a:r>
+            <a:endParaRPr/>
+          </a:p>
+        </p:txBody>
+      </p:sp>
+    </p:spTree>
+  </p:cSld>
+  <p:clrMapOvr>
+    <a:masterClrMapping/>
+  </p:clrMapOvr>
+</p:sld>
+</file>
+
+<file path=ppt/slides/slide17.xml><?xml version="1.0" encoding="utf-8"?>
+<p:sld xmlns:a="http://schemas.openxmlformats.org/drawingml/2006/main" xmlns:r="http://schemas.openxmlformats.org/officeDocument/2006/relationships" xmlns:mc="http://schemas.openxmlformats.org/markup-compatibility/2006" xmlns:mv="urn:schemas-microsoft-com:mac:vml" xmlns:p="http://schemas.openxmlformats.org/presentationml/2006/main" xmlns:c="http://schemas.openxmlformats.org/drawingml/2006/chart" xmlns:dgm="http://schemas.openxmlformats.org/drawingml/2006/diagram" xmlns:o="urn:schemas-microsoft-com:office:office" xmlns:v="urn:schemas-microsoft-com:vml" xmlns:pvml="urn:schemas-microsoft-com:office:powerpoint" xmlns:com="http://schemas.openxmlformats.org/drawingml/2006/compatibility" xmlns:p14="http://schemas.microsoft.com/office/powerpoint/2010/main" xmlns:p15="http://schemas.microsoft.com/office/powerpoint/2012/main" xmlns:ahyp="http://schemas.microsoft.com/office/drawing/2018/hyperlinkcolor">
+  <p:cSld>
+    <p:spTree>
+      <p:nvGrpSpPr>
+        <p:cNvPr id="154" name="Shape 154"/>
+        <p:cNvGrpSpPr/>
+        <p:nvPr/>
+      </p:nvGrpSpPr>
+      <p:grpSpPr>
+        <a:xfrm>
+          <a:off x="0" y="0"/>
+          <a:ext cx="0" cy="0"/>
+          <a:chOff x="0" y="0"/>
+          <a:chExt cx="0" cy="0"/>
+        </a:xfrm>
+      </p:grpSpPr>
+      <p:sp>
+        <p:nvSpPr>
+          <p:cNvPr id="155" name="Google Shape;155;g3ba7baafcd5_0_210"/>
+          <p:cNvSpPr txBox="1"/>
+          <p:nvPr>
+            <p:ph type="title"/>
+          </p:nvPr>
+        </p:nvSpPr>
+        <p:spPr>
+          <a:xfrm>
+            <a:off x="457200" y="274638"/>
+            <a:ext cx="8229600" cy="1143000"/>
+          </a:xfrm>
+          <a:prstGeom prst="rect">
+            <a:avLst/>
+          </a:prstGeom>
+        </p:spPr>
+        <p:txBody>
+          <a:bodyPr anchorCtr="0" anchor="b" bIns="91425" lIns="91425" spcFirstLastPara="1" rIns="91425" wrap="square" tIns="91425">
+            <a:noAutofit/>
+          </a:bodyPr>
+          <a:lstStyle/>
+          <a:p>
+            <a:pPr indent="0" lvl="0" marL="0" rtl="0" algn="l">
+              <a:spcBef>
+                <a:spcPts val="0"/>
+              </a:spcBef>
+              <a:spcAft>
+                <a:spcPts val="0"/>
+              </a:spcAft>
+              <a:buNone/>
+            </a:pPr>
+            <a:r>
+              <a:rPr lang="en"/>
+              <a:t>Compiled vs. Interpreted Languages</a:t>
+            </a:r>
+            <a:endParaRPr/>
+          </a:p>
+        </p:txBody>
+      </p:sp>
+      <p:sp>
+        <p:nvSpPr>
+          <p:cNvPr id="156" name="Google Shape;156;g3ba7baafcd5_0_210"/>
+          <p:cNvSpPr txBox="1"/>
+          <p:nvPr>
+            <p:ph idx="1" type="body"/>
+          </p:nvPr>
+        </p:nvSpPr>
+        <p:spPr>
+          <a:xfrm>
+            <a:off x="457200" y="1600200"/>
+            <a:ext cx="8229600" cy="4967700"/>
+          </a:xfrm>
+          <a:prstGeom prst="rect">
+            <a:avLst/>
+          </a:prstGeom>
+        </p:spPr>
+        <p:txBody>
+          <a:bodyPr anchorCtr="0" anchor="t" bIns="91425" lIns="91425" spcFirstLastPara="1" rIns="91425" wrap="square" tIns="91425">
+            <a:noAutofit/>
+          </a:bodyPr>
+          <a:lstStyle/>
+          <a:p>
+            <a:pPr indent="0" lvl="0" marL="0" rtl="0" algn="l">
+              <a:spcBef>
+                <a:spcPts val="600"/>
+              </a:spcBef>
+              <a:spcAft>
+                <a:spcPts val="0"/>
+              </a:spcAft>
+              <a:buNone/>
+            </a:pPr>
+            <a:r>
+              <a:t/>
+            </a:r>
+            <a:endParaRPr/>
+          </a:p>
+        </p:txBody>
+      </p:sp>
+    </p:spTree>
+  </p:cSld>
+  <p:clrMapOvr>
+    <a:masterClrMapping/>
+  </p:clrMapOvr>
+</p:sld>
+</file>
+
+<file path=ppt/slides/slide18.xml><?xml version="1.0" encoding="utf-8"?>
+<p:sld xmlns:a="http://schemas.openxmlformats.org/drawingml/2006/main" xmlns:r="http://schemas.openxmlformats.org/officeDocument/2006/relationships" xmlns:mc="http://schemas.openxmlformats.org/markup-compatibility/2006" xmlns:mv="urn:schemas-microsoft-com:mac:vml" xmlns:p="http://schemas.openxmlformats.org/presentationml/2006/main" xmlns:c="http://schemas.openxmlformats.org/drawingml/2006/chart" xmlns:dgm="http://schemas.openxmlformats.org/drawingml/2006/diagram" xmlns:o="urn:schemas-microsoft-com:office:office" xmlns:v="urn:schemas-microsoft-com:vml" xmlns:pvml="urn:schemas-microsoft-com:office:powerpoint" xmlns:com="http://schemas.openxmlformats.org/drawingml/2006/compatibility" xmlns:p14="http://schemas.microsoft.com/office/powerpoint/2010/main" xmlns:p15="http://schemas.microsoft.com/office/powerpoint/2012/main" xmlns:ahyp="http://schemas.microsoft.com/office/drawing/2018/hyperlinkcolor">
+  <p:cSld>
+    <p:spTree>
+      <p:nvGrpSpPr>
+        <p:cNvPr id="160" name="Shape 160"/>
+        <p:cNvGrpSpPr/>
+        <p:nvPr/>
+      </p:nvGrpSpPr>
+      <p:grpSpPr>
+        <a:xfrm>
+          <a:off x="0" y="0"/>
+          <a:ext cx="0" cy="0"/>
+          <a:chOff x="0" y="0"/>
+          <a:chExt cx="0" cy="0"/>
+        </a:xfrm>
+      </p:grpSpPr>
+      <p:sp>
+        <p:nvSpPr>
+          <p:cNvPr id="161" name="Google Shape;161;g3ba7baafcd5_0_215"/>
+          <p:cNvSpPr txBox="1"/>
+          <p:nvPr>
+            <p:ph type="ctrTitle"/>
+          </p:nvPr>
+        </p:nvSpPr>
+        <p:spPr>
+          <a:xfrm>
+            <a:off x="685800" y="2111123"/>
+            <a:ext cx="7772400" cy="1546500"/>
+          </a:xfrm>
+          <a:prstGeom prst="rect">
+            <a:avLst/>
+          </a:prstGeom>
+        </p:spPr>
+        <p:txBody>
+          <a:bodyPr anchorCtr="0" anchor="b" bIns="91425" lIns="91425" spcFirstLastPara="1" rIns="91425" wrap="square" tIns="91425">
+            <a:noAutofit/>
+          </a:bodyPr>
+          <a:lstStyle/>
+          <a:p>
+            <a:pPr indent="0" lvl="0" marL="0" rtl="0" algn="ctr">
+              <a:spcBef>
+                <a:spcPts val="0"/>
+              </a:spcBef>
+              <a:spcAft>
+                <a:spcPts val="0"/>
+              </a:spcAft>
+              <a:buNone/>
+            </a:pPr>
+            <a:r>
+              <a:rPr lang="en"/>
+              <a:t>Python Programming</a:t>
+            </a:r>
+            <a:endParaRPr/>
+          </a:p>
+        </p:txBody>
+      </p:sp>
+      <p:sp>
+        <p:nvSpPr>
+          <p:cNvPr id="162" name="Google Shape;162;g3ba7baafcd5_0_215"/>
+          <p:cNvSpPr txBox="1"/>
+          <p:nvPr>
+            <p:ph idx="1" type="subTitle"/>
+          </p:nvPr>
+        </p:nvSpPr>
+        <p:spPr>
+          <a:xfrm>
+            <a:off x="685800" y="3786738"/>
+            <a:ext cx="7772400" cy="1046400"/>
+          </a:xfrm>
+          <a:prstGeom prst="rect">
+            <a:avLst/>
+          </a:prstGeom>
+        </p:spPr>
+        <p:txBody>
+          <a:bodyPr anchorCtr="0" anchor="t" bIns="91425" lIns="91425" spcFirstLastPara="1" rIns="91425" wrap="square" tIns="91425">
+            <a:noAutofit/>
+          </a:bodyPr>
+          <a:lstStyle/>
+          <a:p>
+            <a:pPr indent="0" lvl="0" marL="0" rtl="0" algn="ctr">
+              <a:spcBef>
+                <a:spcPts val="0"/>
+              </a:spcBef>
+              <a:spcAft>
+                <a:spcPts val="0"/>
+              </a:spcAft>
+              <a:buNone/>
+            </a:pPr>
+            <a:r>
+              <a:rPr lang="en"/>
+              <a:t>A </a:t>
+            </a:r>
+            <a:r>
+              <a:rPr lang="en"/>
+              <a:t>Crash Course</a:t>
+            </a:r>
+            <a:endParaRPr/>
+          </a:p>
+        </p:txBody>
+      </p:sp>
+    </p:spTree>
+  </p:cSld>
+  <p:clrMapOvr>
+    <a:masterClrMapping/>
+  </p:clrMapOvr>
+</p:sld>
+</file>
+
+<file path=ppt/slides/slide19.xml><?xml version="1.0" encoding="utf-8"?>
+<p:sld xmlns:a="http://schemas.openxmlformats.org/drawingml/2006/main" xmlns:r="http://schemas.openxmlformats.org/officeDocument/2006/relationships" xmlns:mc="http://schemas.openxmlformats.org/markup-compatibility/2006" xmlns:mv="urn:schemas-microsoft-com:mac:vml" xmlns:p="http://schemas.openxmlformats.org/presentationml/2006/main" xmlns:c="http://schemas.openxmlformats.org/drawingml/2006/chart" xmlns:dgm="http://schemas.openxmlformats.org/drawingml/2006/diagram" xmlns:o="urn:schemas-microsoft-com:office:office" xmlns:v="urn:schemas-microsoft-com:vml" xmlns:pvml="urn:schemas-microsoft-com:office:powerpoint" xmlns:com="http://schemas.openxmlformats.org/drawingml/2006/compatibility" xmlns:p14="http://schemas.microsoft.com/office/powerpoint/2010/main" xmlns:p15="http://schemas.microsoft.com/office/powerpoint/2012/main" xmlns:ahyp="http://schemas.microsoft.com/office/drawing/2018/hyperlinkcolor">
+  <p:cSld>
+    <p:spTree>
+      <p:nvGrpSpPr>
+        <p:cNvPr id="166" name="Shape 166"/>
+        <p:cNvGrpSpPr/>
+        <p:nvPr/>
+      </p:nvGrpSpPr>
+      <p:grpSpPr>
+        <a:xfrm>
+          <a:off x="0" y="0"/>
+          <a:ext cx="0" cy="0"/>
+          <a:chOff x="0" y="0"/>
+          <a:chExt cx="0" cy="0"/>
+        </a:xfrm>
+      </p:grpSpPr>
+      <p:sp>
+        <p:nvSpPr>
+          <p:cNvPr id="167" name="Google Shape;167;g3ba7baafcd5_0_0"/>
+          <p:cNvSpPr txBox="1"/>
+          <p:nvPr>
+            <p:ph type="title"/>
+          </p:nvPr>
+        </p:nvSpPr>
+        <p:spPr>
+          <a:xfrm>
+            <a:off x="457200" y="274638"/>
+            <a:ext cx="8229600" cy="1143000"/>
+          </a:xfrm>
+          <a:prstGeom prst="rect">
+            <a:avLst/>
+          </a:prstGeom>
+        </p:spPr>
+        <p:txBody>
+          <a:bodyPr anchorCtr="0" anchor="b" bIns="91425" lIns="91425" spcFirstLastPara="1" rIns="91425" wrap="square" tIns="91425">
+            <a:noAutofit/>
+          </a:bodyPr>
+          <a:lstStyle/>
+          <a:p>
+            <a:pPr indent="0" lvl="0" marL="0" rtl="0" algn="l">
+              <a:spcBef>
+                <a:spcPts val="0"/>
+              </a:spcBef>
+              <a:spcAft>
+                <a:spcPts val="0"/>
+              </a:spcAft>
+              <a:buNone/>
+            </a:pPr>
+            <a:r>
+              <a:rPr lang="en"/>
+              <a:t>Variables</a:t>
+            </a:r>
+            <a:endParaRPr/>
+          </a:p>
+        </p:txBody>
+      </p:sp>
+      <p:sp>
+        <p:nvSpPr>
+          <p:cNvPr id="168" name="Google Shape;168;g3ba7baafcd5_0_0"/>
+          <p:cNvSpPr txBox="1"/>
+          <p:nvPr>
+            <p:ph idx="1" type="body"/>
+          </p:nvPr>
+        </p:nvSpPr>
+        <p:spPr>
+          <a:xfrm>
+            <a:off x="457200" y="1417650"/>
+            <a:ext cx="4346100" cy="1584000"/>
+          </a:xfrm>
+          <a:prstGeom prst="rect">
+            <a:avLst/>
+          </a:prstGeom>
+        </p:spPr>
+        <p:txBody>
+          <a:bodyPr anchorCtr="0" anchor="t" bIns="91425" lIns="91425" spcFirstLastPara="1" rIns="91425" wrap="square" tIns="91425">
+            <a:noAutofit/>
+          </a:bodyPr>
+          <a:lstStyle/>
+          <a:p>
+            <a:pPr indent="0" lvl="0" marL="0" rtl="0" algn="l">
+              <a:spcBef>
+                <a:spcPts val="600"/>
+              </a:spcBef>
+              <a:spcAft>
+                <a:spcPts val="0"/>
+              </a:spcAft>
+              <a:buNone/>
+            </a:pPr>
+            <a:r>
+              <a:rPr lang="en"/>
+              <a:t>Variables allow us to </a:t>
+            </a:r>
+            <a:r>
+              <a:rPr b="1" lang="en">
+                <a:solidFill>
+                  <a:srgbClr val="002B5B"/>
+                </a:solidFill>
+              </a:rPr>
+              <a:t>store data</a:t>
+            </a:r>
+            <a:r>
+              <a:rPr lang="en"/>
+              <a:t> using a </a:t>
+            </a:r>
+            <a:r>
+              <a:rPr lang="en"/>
+              <a:t>convenient</a:t>
+            </a:r>
+            <a:r>
+              <a:rPr lang="en"/>
+              <a:t> name.</a:t>
+            </a:r>
+            <a:endParaRPr/>
+          </a:p>
+        </p:txBody>
+      </p:sp>
+      <p:pic>
+        <p:nvPicPr>
+          <p:cNvPr id="169" name="Google Shape;169;g3ba7baafcd5_0_0" title="Screenshot 2026-01-15 at 9.12.47 AM.png"/>
+          <p:cNvPicPr preferRelativeResize="0"/>
+          <p:nvPr/>
+        </p:nvPicPr>
+        <p:blipFill>
+          <a:blip r:embed="rId3">
+            <a:alphaModFix/>
+          </a:blip>
+          <a:stretch>
+            <a:fillRect/>
+          </a:stretch>
+        </p:blipFill>
+        <p:spPr>
+          <a:xfrm>
+            <a:off x="5061824" y="197300"/>
+            <a:ext cx="3376925" cy="6463401"/>
+          </a:xfrm>
+          <a:prstGeom prst="rect">
+            <a:avLst/>
+          </a:prstGeom>
+          <a:noFill/>
+          <a:ln cap="flat" cmpd="sng" w="38100">
+            <a:solidFill>
+              <a:srgbClr val="002B5B"/>
+            </a:solidFill>
+            <a:prstDash val="solid"/>
+            <a:round/>
+            <a:headEnd len="sm" w="sm" type="none"/>
+            <a:tailEnd len="sm" w="sm" type="none"/>
+          </a:ln>
+        </p:spPr>
+      </p:pic>
+    </p:spTree>
+  </p:cSld>
+  <p:clrMapOvr>
+    <a:masterClrMapping/>
+  </p:clrMapOvr>
+</p:sld>
+</file>
+
 <file path=ppt/slides/slide2.xml><?xml version="1.0" encoding="utf-8"?>
 <p:sld xmlns:a="http://schemas.openxmlformats.org/drawingml/2006/main" xmlns:r="http://schemas.openxmlformats.org/officeDocument/2006/relationships" xmlns:mc="http://schemas.openxmlformats.org/markup-compatibility/2006" xmlns:mv="urn:schemas-microsoft-com:mac:vml" xmlns:p="http://schemas.openxmlformats.org/presentationml/2006/main" xmlns:c="http://schemas.openxmlformats.org/drawingml/2006/chart" xmlns:dgm="http://schemas.openxmlformats.org/drawingml/2006/diagram" xmlns:o="urn:schemas-microsoft-com:office:office" xmlns:v="urn:schemas-microsoft-com:vml" xmlns:pvml="urn:schemas-microsoft-com:office:powerpoint" xmlns:com="http://schemas.openxmlformats.org/drawingml/2006/compatibility" xmlns:p14="http://schemas.microsoft.com/office/powerpoint/2010/main" xmlns:p15="http://schemas.microsoft.com/office/powerpoint/2012/main" xmlns:ahyp="http://schemas.microsoft.com/office/drawing/2018/hyperlinkcolor">
   <p:cSld>
@@ -6515,7 +10762,7 @@
       </p:grpSpPr>
       <p:sp>
         <p:nvSpPr>
-          <p:cNvPr id="39" name="Google Shape;39;g3ba79990f52_0_5"/>
+          <p:cNvPr id="39" name="Google Shape;39;g3ba7baafcd5_0_34"/>
           <p:cNvSpPr txBox="1"/>
           <p:nvPr>
             <p:ph type="title"/>
@@ -6547,29 +10794,2455 @@
             </a:pPr>
             <a:r>
               <a:rPr lang="en"/>
-              <a:t>Last Class</a:t>
+              <a:t>Intro Survey Results</a:t>
             </a:r>
             <a:endParaRPr/>
+          </a:p>
+        </p:txBody>
+      </p:sp>
+      <p:sp>
+        <p:nvSpPr>
+          <p:cNvPr id="40" name="Google Shape;40;g3ba7baafcd5_0_34"/>
+          <p:cNvSpPr txBox="1"/>
+          <p:nvPr>
+            <p:ph idx="1" type="body"/>
+          </p:nvPr>
+        </p:nvSpPr>
+        <p:spPr>
+          <a:xfrm>
+            <a:off x="457200" y="5030075"/>
+            <a:ext cx="8229600" cy="1660800"/>
+          </a:xfrm>
+          <a:prstGeom prst="rect">
+            <a:avLst/>
+          </a:prstGeom>
+        </p:spPr>
+        <p:txBody>
+          <a:bodyPr anchorCtr="0" anchor="t" bIns="91425" lIns="91425" spcFirstLastPara="1" rIns="91425" wrap="square" tIns="91425">
+            <a:noAutofit/>
+          </a:bodyPr>
+          <a:lstStyle/>
+          <a:p>
+            <a:pPr indent="-381000" lvl="0" marL="457200" rtl="0" algn="l">
+              <a:spcBef>
+                <a:spcPts val="600"/>
+              </a:spcBef>
+              <a:spcAft>
+                <a:spcPts val="0"/>
+              </a:spcAft>
+              <a:buClr>
+                <a:srgbClr val="465510"/>
+              </a:buClr>
+              <a:buSzPts val="2400"/>
+              <a:buChar char="●"/>
+            </a:pPr>
+            <a:r>
+              <a:rPr b="1" lang="en" sz="2400">
+                <a:solidFill>
+                  <a:srgbClr val="465510"/>
+                </a:solidFill>
+              </a:rPr>
+              <a:t>For those of you new to programming, be humble enough to ask questions!</a:t>
+            </a:r>
+            <a:endParaRPr b="1" sz="2400">
+              <a:solidFill>
+                <a:srgbClr val="465510"/>
+              </a:solidFill>
+            </a:endParaRPr>
+          </a:p>
+          <a:p>
+            <a:pPr indent="-381000" lvl="0" marL="457200" rtl="0" algn="l">
+              <a:spcBef>
+                <a:spcPts val="1000"/>
+              </a:spcBef>
+              <a:spcAft>
+                <a:spcPts val="1000"/>
+              </a:spcAft>
+              <a:buSzPts val="2400"/>
+              <a:buChar char="●"/>
+            </a:pPr>
+            <a:r>
+              <a:rPr lang="en" sz="2400"/>
+              <a:t>For those of you that are coding prodigies, think and ask about the algorithms! </a:t>
+            </a:r>
+            <a:endParaRPr sz="2400"/>
           </a:p>
         </p:txBody>
       </p:sp>
       <p:pic>
         <p:nvPicPr>
-          <p:cNvPr id="40" name="Google Shape;40;g3ba79990f52_0_5"/>
+          <p:cNvPr id="41" name="Google Shape;41;g3ba7baafcd5_0_34" title="Screenshot 2026-01-15 at 8.13.08 AM.png"/>
           <p:cNvPicPr preferRelativeResize="0"/>
           <p:nvPr/>
         </p:nvPicPr>
-        <p:blipFill rotWithShape="1">
+        <p:blipFill>
           <a:blip r:embed="rId3">
             <a:alphaModFix/>
           </a:blip>
-          <a:srcRect b="0" l="0" r="0" t="0"/>
-          <a:stretch/>
+          <a:stretch>
+            <a:fillRect/>
+          </a:stretch>
         </p:blipFill>
         <p:spPr>
           <a:xfrm>
-            <a:off x="519113" y="2286000"/>
-            <a:ext cx="8105775" cy="2286000"/>
+            <a:off x="457200" y="1508913"/>
+            <a:ext cx="8229601" cy="3429887"/>
+          </a:xfrm>
+          <a:prstGeom prst="rect">
+            <a:avLst/>
+          </a:prstGeom>
+          <a:noFill/>
+          <a:ln>
+            <a:noFill/>
+          </a:ln>
+        </p:spPr>
+      </p:pic>
+    </p:spTree>
+  </p:cSld>
+  <p:clrMapOvr>
+    <a:masterClrMapping/>
+  </p:clrMapOvr>
+</p:sld>
+</file>
+
+<file path=ppt/slides/slide20.xml><?xml version="1.0" encoding="utf-8"?>
+<p:sld xmlns:a="http://schemas.openxmlformats.org/drawingml/2006/main" xmlns:r="http://schemas.openxmlformats.org/officeDocument/2006/relationships" xmlns:mc="http://schemas.openxmlformats.org/markup-compatibility/2006" xmlns:mv="urn:schemas-microsoft-com:mac:vml" xmlns:p="http://schemas.openxmlformats.org/presentationml/2006/main" xmlns:c="http://schemas.openxmlformats.org/drawingml/2006/chart" xmlns:dgm="http://schemas.openxmlformats.org/drawingml/2006/diagram" xmlns:o="urn:schemas-microsoft-com:office:office" xmlns:v="urn:schemas-microsoft-com:vml" xmlns:pvml="urn:schemas-microsoft-com:office:powerpoint" xmlns:com="http://schemas.openxmlformats.org/drawingml/2006/compatibility" xmlns:p14="http://schemas.microsoft.com/office/powerpoint/2010/main" xmlns:p15="http://schemas.microsoft.com/office/powerpoint/2012/main" xmlns:ahyp="http://schemas.microsoft.com/office/drawing/2018/hyperlinkcolor">
+  <p:cSld>
+    <p:spTree>
+      <p:nvGrpSpPr>
+        <p:cNvPr id="173" name="Shape 173"/>
+        <p:cNvGrpSpPr/>
+        <p:nvPr/>
+      </p:nvGrpSpPr>
+      <p:grpSpPr>
+        <a:xfrm>
+          <a:off x="0" y="0"/>
+          <a:ext cx="0" cy="0"/>
+          <a:chOff x="0" y="0"/>
+          <a:chExt cx="0" cy="0"/>
+        </a:xfrm>
+      </p:grpSpPr>
+      <p:sp>
+        <p:nvSpPr>
+          <p:cNvPr id="174" name="Google Shape;174;g3ba7baafcd5_0_235"/>
+          <p:cNvSpPr txBox="1"/>
+          <p:nvPr>
+            <p:ph type="title"/>
+          </p:nvPr>
+        </p:nvSpPr>
+        <p:spPr>
+          <a:xfrm>
+            <a:off x="457200" y="274638"/>
+            <a:ext cx="8229600" cy="1143000"/>
+          </a:xfrm>
+          <a:prstGeom prst="rect">
+            <a:avLst/>
+          </a:prstGeom>
+        </p:spPr>
+        <p:txBody>
+          <a:bodyPr anchorCtr="0" anchor="b" bIns="91425" lIns="91425" spcFirstLastPara="1" rIns="91425" wrap="square" tIns="91425">
+            <a:noAutofit/>
+          </a:bodyPr>
+          <a:lstStyle/>
+          <a:p>
+            <a:pPr indent="0" lvl="0" marL="0" rtl="0" algn="l">
+              <a:spcBef>
+                <a:spcPts val="0"/>
+              </a:spcBef>
+              <a:spcAft>
+                <a:spcPts val="0"/>
+              </a:spcAft>
+              <a:buNone/>
+            </a:pPr>
+            <a:r>
+              <a:rPr lang="en"/>
+              <a:t>Types</a:t>
+            </a:r>
+            <a:endParaRPr/>
+          </a:p>
+        </p:txBody>
+      </p:sp>
+      <p:sp>
+        <p:nvSpPr>
+          <p:cNvPr id="175" name="Google Shape;175;g3ba7baafcd5_0_235"/>
+          <p:cNvSpPr txBox="1"/>
+          <p:nvPr>
+            <p:ph idx="1" type="body"/>
+          </p:nvPr>
+        </p:nvSpPr>
+        <p:spPr>
+          <a:xfrm>
+            <a:off x="457200" y="1600200"/>
+            <a:ext cx="8229600" cy="4967700"/>
+          </a:xfrm>
+          <a:prstGeom prst="rect">
+            <a:avLst/>
+          </a:prstGeom>
+        </p:spPr>
+        <p:txBody>
+          <a:bodyPr anchorCtr="0" anchor="t" bIns="91425" lIns="91425" spcFirstLastPara="1" rIns="91425" wrap="square" tIns="91425">
+            <a:noAutofit/>
+          </a:bodyPr>
+          <a:lstStyle/>
+          <a:p>
+            <a:pPr indent="0" lvl="0" marL="0" rtl="0" algn="l">
+              <a:spcBef>
+                <a:spcPts val="600"/>
+              </a:spcBef>
+              <a:spcAft>
+                <a:spcPts val="0"/>
+              </a:spcAft>
+              <a:buClr>
+                <a:schemeClr val="dk1"/>
+              </a:buClr>
+              <a:buSzPts val="1100"/>
+              <a:buFont typeface="Arial"/>
+              <a:buNone/>
+            </a:pPr>
+            <a:r>
+              <a:rPr lang="en"/>
+              <a:t>Variables have a </a:t>
+            </a:r>
+            <a:r>
+              <a:rPr b="1" lang="en">
+                <a:solidFill>
+                  <a:srgbClr val="002B5B"/>
+                </a:solidFill>
+              </a:rPr>
+              <a:t>type</a:t>
+            </a:r>
+            <a:r>
+              <a:rPr lang="en"/>
+              <a:t>:</a:t>
+            </a:r>
+            <a:endParaRPr/>
+          </a:p>
+          <a:p>
+            <a:pPr indent="-419100" lvl="0" marL="457200" rtl="0" algn="l">
+              <a:spcBef>
+                <a:spcPts val="600"/>
+              </a:spcBef>
+              <a:spcAft>
+                <a:spcPts val="0"/>
+              </a:spcAft>
+              <a:buSzPts val="3000"/>
+              <a:buChar char="●"/>
+            </a:pPr>
+            <a:r>
+              <a:rPr b="1" lang="en">
+                <a:solidFill>
+                  <a:srgbClr val="5F1709"/>
+                </a:solidFill>
+                <a:latin typeface="Consolas"/>
+                <a:ea typeface="Consolas"/>
+                <a:cs typeface="Consolas"/>
+                <a:sym typeface="Consolas"/>
+              </a:rPr>
+              <a:t>int</a:t>
+            </a:r>
+            <a:r>
+              <a:rPr lang="en"/>
+              <a:t> (a whole number)</a:t>
+            </a:r>
+            <a:endParaRPr/>
+          </a:p>
+          <a:p>
+            <a:pPr indent="-419100" lvl="0" marL="457200" rtl="0" algn="l">
+              <a:spcBef>
+                <a:spcPts val="1000"/>
+              </a:spcBef>
+              <a:spcAft>
+                <a:spcPts val="0"/>
+              </a:spcAft>
+              <a:buSzPts val="3000"/>
+              <a:buChar char="●"/>
+            </a:pPr>
+            <a:r>
+              <a:rPr b="1" lang="en">
+                <a:solidFill>
+                  <a:srgbClr val="5F1709"/>
+                </a:solidFill>
+                <a:latin typeface="Consolas"/>
+                <a:ea typeface="Consolas"/>
+                <a:cs typeface="Consolas"/>
+                <a:sym typeface="Consolas"/>
+              </a:rPr>
+              <a:t>str</a:t>
+            </a:r>
+            <a:r>
+              <a:rPr lang="en"/>
+              <a:t> (a “string”)</a:t>
+            </a:r>
+            <a:endParaRPr/>
+          </a:p>
+          <a:p>
+            <a:pPr indent="-419100" lvl="0" marL="457200" rtl="0" algn="l">
+              <a:spcBef>
+                <a:spcPts val="1000"/>
+              </a:spcBef>
+              <a:spcAft>
+                <a:spcPts val="0"/>
+              </a:spcAft>
+              <a:buSzPts val="3000"/>
+              <a:buChar char="●"/>
+            </a:pPr>
+            <a:r>
+              <a:rPr b="1" lang="en">
+                <a:solidFill>
+                  <a:srgbClr val="5F1709"/>
+                </a:solidFill>
+                <a:latin typeface="Consolas"/>
+                <a:ea typeface="Consolas"/>
+                <a:cs typeface="Consolas"/>
+                <a:sym typeface="Consolas"/>
+              </a:rPr>
+              <a:t>bool</a:t>
+            </a:r>
+            <a:r>
+              <a:rPr lang="en"/>
+              <a:t> (true or false)</a:t>
+            </a:r>
+            <a:endParaRPr/>
+          </a:p>
+          <a:p>
+            <a:pPr indent="0" lvl="0" marL="0" rtl="0" algn="l">
+              <a:spcBef>
+                <a:spcPts val="1000"/>
+              </a:spcBef>
+              <a:spcAft>
+                <a:spcPts val="0"/>
+              </a:spcAft>
+              <a:buNone/>
+            </a:pPr>
+            <a:r>
+              <a:rPr lang="en"/>
+              <a:t>and many others!</a:t>
+            </a:r>
+            <a:endParaRPr/>
+          </a:p>
+        </p:txBody>
+      </p:sp>
+      <p:pic>
+        <p:nvPicPr>
+          <p:cNvPr id="176" name="Google Shape;176;g3ba7baafcd5_0_235" title="Screenshot 2026-01-15 at 9.13.56 AM.png"/>
+          <p:cNvPicPr preferRelativeResize="0"/>
+          <p:nvPr/>
+        </p:nvPicPr>
+        <p:blipFill>
+          <a:blip r:embed="rId3">
+            <a:alphaModFix/>
+          </a:blip>
+          <a:stretch>
+            <a:fillRect/>
+          </a:stretch>
+        </p:blipFill>
+        <p:spPr>
+          <a:xfrm>
+            <a:off x="1760750" y="4502775"/>
+            <a:ext cx="2743225" cy="2065125"/>
+          </a:xfrm>
+          <a:prstGeom prst="rect">
+            <a:avLst/>
+          </a:prstGeom>
+          <a:noFill/>
+          <a:ln cap="flat" cmpd="sng" w="38100">
+            <a:solidFill>
+              <a:srgbClr val="002B5B"/>
+            </a:solidFill>
+            <a:prstDash val="solid"/>
+            <a:round/>
+            <a:headEnd len="sm" w="sm" type="none"/>
+            <a:tailEnd len="sm" w="sm" type="none"/>
+          </a:ln>
+        </p:spPr>
+      </p:pic>
+      <p:pic>
+        <p:nvPicPr>
+          <p:cNvPr id="177" name="Google Shape;177;g3ba7baafcd5_0_235" title="Screenshot 2026-01-15 at 9.12.47 AM.png"/>
+          <p:cNvPicPr preferRelativeResize="0"/>
+          <p:nvPr/>
+        </p:nvPicPr>
+        <p:blipFill>
+          <a:blip r:embed="rId4">
+            <a:alphaModFix/>
+          </a:blip>
+          <a:stretch>
+            <a:fillRect/>
+          </a:stretch>
+        </p:blipFill>
+        <p:spPr>
+          <a:xfrm>
+            <a:off x="5456424" y="197300"/>
+            <a:ext cx="3376925" cy="6463401"/>
+          </a:xfrm>
+          <a:prstGeom prst="rect">
+            <a:avLst/>
+          </a:prstGeom>
+          <a:noFill/>
+          <a:ln cap="flat" cmpd="sng" w="38100">
+            <a:solidFill>
+              <a:srgbClr val="002B5B"/>
+            </a:solidFill>
+            <a:prstDash val="solid"/>
+            <a:round/>
+            <a:headEnd len="sm" w="sm" type="none"/>
+            <a:tailEnd len="sm" w="sm" type="none"/>
+          </a:ln>
+        </p:spPr>
+      </p:pic>
+    </p:spTree>
+  </p:cSld>
+  <p:clrMapOvr>
+    <a:masterClrMapping/>
+  </p:clrMapOvr>
+</p:sld>
+</file>
+
+<file path=ppt/slides/slide21.xml><?xml version="1.0" encoding="utf-8"?>
+<p:sld xmlns:a="http://schemas.openxmlformats.org/drawingml/2006/main" xmlns:r="http://schemas.openxmlformats.org/officeDocument/2006/relationships" xmlns:mc="http://schemas.openxmlformats.org/markup-compatibility/2006" xmlns:mv="urn:schemas-microsoft-com:mac:vml" xmlns:p="http://schemas.openxmlformats.org/presentationml/2006/main" xmlns:c="http://schemas.openxmlformats.org/drawingml/2006/chart" xmlns:dgm="http://schemas.openxmlformats.org/drawingml/2006/diagram" xmlns:o="urn:schemas-microsoft-com:office:office" xmlns:v="urn:schemas-microsoft-com:vml" xmlns:pvml="urn:schemas-microsoft-com:office:powerpoint" xmlns:com="http://schemas.openxmlformats.org/drawingml/2006/compatibility" xmlns:p14="http://schemas.microsoft.com/office/powerpoint/2010/main" xmlns:p15="http://schemas.microsoft.com/office/powerpoint/2012/main" xmlns:ahyp="http://schemas.microsoft.com/office/drawing/2018/hyperlinkcolor">
+  <p:cSld>
+    <p:spTree>
+      <p:nvGrpSpPr>
+        <p:cNvPr id="181" name="Shape 181"/>
+        <p:cNvGrpSpPr/>
+        <p:nvPr/>
+      </p:nvGrpSpPr>
+      <p:grpSpPr>
+        <a:xfrm>
+          <a:off x="0" y="0"/>
+          <a:ext cx="0" cy="0"/>
+          <a:chOff x="0" y="0"/>
+          <a:chExt cx="0" cy="0"/>
+        </a:xfrm>
+      </p:grpSpPr>
+      <p:sp>
+        <p:nvSpPr>
+          <p:cNvPr id="182" name="Google Shape;182;g3ba7baafcd5_0_251"/>
+          <p:cNvSpPr txBox="1"/>
+          <p:nvPr>
+            <p:ph type="title"/>
+          </p:nvPr>
+        </p:nvSpPr>
+        <p:spPr>
+          <a:xfrm>
+            <a:off x="457200" y="274638"/>
+            <a:ext cx="8229600" cy="1143000"/>
+          </a:xfrm>
+          <a:prstGeom prst="rect">
+            <a:avLst/>
+          </a:prstGeom>
+        </p:spPr>
+        <p:txBody>
+          <a:bodyPr anchorCtr="0" anchor="b" bIns="91425" lIns="91425" spcFirstLastPara="1" rIns="91425" wrap="square" tIns="91425">
+            <a:noAutofit/>
+          </a:bodyPr>
+          <a:lstStyle/>
+          <a:p>
+            <a:pPr indent="0" lvl="0" marL="0" rtl="0" algn="l">
+              <a:spcBef>
+                <a:spcPts val="0"/>
+              </a:spcBef>
+              <a:spcAft>
+                <a:spcPts val="0"/>
+              </a:spcAft>
+              <a:buNone/>
+            </a:pPr>
+            <a:r>
+              <a:rPr lang="en"/>
+              <a:t>Conditionals</a:t>
+            </a:r>
+            <a:endParaRPr/>
+          </a:p>
+        </p:txBody>
+      </p:sp>
+      <p:sp>
+        <p:nvSpPr>
+          <p:cNvPr id="183" name="Google Shape;183;g3ba7baafcd5_0_251"/>
+          <p:cNvSpPr txBox="1"/>
+          <p:nvPr>
+            <p:ph idx="1" type="body"/>
+          </p:nvPr>
+        </p:nvSpPr>
+        <p:spPr>
+          <a:xfrm>
+            <a:off x="457200" y="1600200"/>
+            <a:ext cx="8229600" cy="1992000"/>
+          </a:xfrm>
+          <a:prstGeom prst="rect">
+            <a:avLst/>
+          </a:prstGeom>
+        </p:spPr>
+        <p:txBody>
+          <a:bodyPr anchorCtr="0" anchor="t" bIns="91425" lIns="91425" spcFirstLastPara="1" rIns="91425" wrap="square" tIns="91425">
+            <a:noAutofit/>
+          </a:bodyPr>
+          <a:lstStyle/>
+          <a:p>
+            <a:pPr indent="0" lvl="0" marL="0" rtl="0" algn="l">
+              <a:spcBef>
+                <a:spcPts val="600"/>
+              </a:spcBef>
+              <a:spcAft>
+                <a:spcPts val="0"/>
+              </a:spcAft>
+              <a:buNone/>
+            </a:pPr>
+            <a:r>
+              <a:rPr lang="en"/>
+              <a:t>Often times we want to </a:t>
+            </a:r>
+            <a:r>
+              <a:rPr b="1" lang="en">
+                <a:solidFill>
+                  <a:srgbClr val="DCB439"/>
+                </a:solidFill>
+              </a:rPr>
+              <a:t>check the value of a variable, and do different things</a:t>
+            </a:r>
+            <a:r>
+              <a:rPr lang="en"/>
+              <a:t> depending on what it is. The most common </a:t>
+            </a:r>
+            <a:r>
+              <a:rPr b="1" lang="en">
+                <a:solidFill>
+                  <a:srgbClr val="002B5B"/>
+                </a:solidFill>
+              </a:rPr>
+              <a:t>conditional</a:t>
+            </a:r>
+            <a:r>
+              <a:rPr lang="en"/>
+              <a:t> is the </a:t>
+            </a:r>
+            <a:r>
+              <a:rPr b="1" lang="en">
+                <a:solidFill>
+                  <a:srgbClr val="5F1709"/>
+                </a:solidFill>
+                <a:latin typeface="Consolas"/>
+                <a:ea typeface="Consolas"/>
+                <a:cs typeface="Consolas"/>
+                <a:sym typeface="Consolas"/>
+              </a:rPr>
+              <a:t>if statement</a:t>
+            </a:r>
+            <a:endParaRPr b="1">
+              <a:solidFill>
+                <a:srgbClr val="5F1709"/>
+              </a:solidFill>
+              <a:latin typeface="Consolas"/>
+              <a:ea typeface="Consolas"/>
+              <a:cs typeface="Consolas"/>
+              <a:sym typeface="Consolas"/>
+            </a:endParaRPr>
+          </a:p>
+        </p:txBody>
+      </p:sp>
+      <p:pic>
+        <p:nvPicPr>
+          <p:cNvPr id="184" name="Google Shape;184;g3ba7baafcd5_0_251" title="Screenshot 2026-01-15 at 9.28.24 AM.png"/>
+          <p:cNvPicPr preferRelativeResize="0"/>
+          <p:nvPr/>
+        </p:nvPicPr>
+        <p:blipFill>
+          <a:blip r:embed="rId3">
+            <a:alphaModFix/>
+          </a:blip>
+          <a:stretch>
+            <a:fillRect/>
+          </a:stretch>
+        </p:blipFill>
+        <p:spPr>
+          <a:xfrm>
+            <a:off x="3497025" y="3690175"/>
+            <a:ext cx="2149944" cy="2961000"/>
+          </a:xfrm>
+          <a:prstGeom prst="rect">
+            <a:avLst/>
+          </a:prstGeom>
+          <a:noFill/>
+          <a:ln>
+            <a:noFill/>
+          </a:ln>
+        </p:spPr>
+      </p:pic>
+    </p:spTree>
+  </p:cSld>
+  <p:clrMapOvr>
+    <a:masterClrMapping/>
+  </p:clrMapOvr>
+</p:sld>
+</file>
+
+<file path=ppt/slides/slide22.xml><?xml version="1.0" encoding="utf-8"?>
+<p:sld xmlns:a="http://schemas.openxmlformats.org/drawingml/2006/main" xmlns:r="http://schemas.openxmlformats.org/officeDocument/2006/relationships" xmlns:mc="http://schemas.openxmlformats.org/markup-compatibility/2006" xmlns:mv="urn:schemas-microsoft-com:mac:vml" xmlns:p="http://schemas.openxmlformats.org/presentationml/2006/main" xmlns:c="http://schemas.openxmlformats.org/drawingml/2006/chart" xmlns:dgm="http://schemas.openxmlformats.org/drawingml/2006/diagram" xmlns:o="urn:schemas-microsoft-com:office:office" xmlns:v="urn:schemas-microsoft-com:vml" xmlns:pvml="urn:schemas-microsoft-com:office:powerpoint" xmlns:com="http://schemas.openxmlformats.org/drawingml/2006/compatibility" xmlns:p14="http://schemas.microsoft.com/office/powerpoint/2010/main" xmlns:p15="http://schemas.microsoft.com/office/powerpoint/2012/main" xmlns:ahyp="http://schemas.microsoft.com/office/drawing/2018/hyperlinkcolor">
+  <p:cSld>
+    <p:spTree>
+      <p:nvGrpSpPr>
+        <p:cNvPr id="188" name="Shape 188"/>
+        <p:cNvGrpSpPr/>
+        <p:nvPr/>
+      </p:nvGrpSpPr>
+      <p:grpSpPr>
+        <a:xfrm>
+          <a:off x="0" y="0"/>
+          <a:ext cx="0" cy="0"/>
+          <a:chOff x="0" y="0"/>
+          <a:chExt cx="0" cy="0"/>
+        </a:xfrm>
+      </p:grpSpPr>
+      <p:sp>
+        <p:nvSpPr>
+          <p:cNvPr id="189" name="Google Shape;189;g3ba7baafcd5_0_20"/>
+          <p:cNvSpPr txBox="1"/>
+          <p:nvPr>
+            <p:ph type="title"/>
+          </p:nvPr>
+        </p:nvSpPr>
+        <p:spPr>
+          <a:xfrm>
+            <a:off x="457200" y="274638"/>
+            <a:ext cx="8229600" cy="1143000"/>
+          </a:xfrm>
+          <a:prstGeom prst="rect">
+            <a:avLst/>
+          </a:prstGeom>
+        </p:spPr>
+        <p:txBody>
+          <a:bodyPr anchorCtr="0" anchor="b" bIns="91425" lIns="91425" spcFirstLastPara="1" rIns="91425" wrap="square" tIns="91425">
+            <a:noAutofit/>
+          </a:bodyPr>
+          <a:lstStyle/>
+          <a:p>
+            <a:pPr indent="0" lvl="0" marL="0" rtl="0" algn="l">
+              <a:spcBef>
+                <a:spcPts val="0"/>
+              </a:spcBef>
+              <a:spcAft>
+                <a:spcPts val="0"/>
+              </a:spcAft>
+              <a:buNone/>
+            </a:pPr>
+            <a:r>
+              <a:rPr lang="en"/>
+              <a:t>Data Structures</a:t>
+            </a:r>
+            <a:endParaRPr/>
+          </a:p>
+        </p:txBody>
+      </p:sp>
+      <p:sp>
+        <p:nvSpPr>
+          <p:cNvPr id="190" name="Google Shape;190;g3ba7baafcd5_0_20"/>
+          <p:cNvSpPr txBox="1"/>
+          <p:nvPr>
+            <p:ph idx="1" type="body"/>
+          </p:nvPr>
+        </p:nvSpPr>
+        <p:spPr>
+          <a:xfrm>
+            <a:off x="457200" y="1600200"/>
+            <a:ext cx="8229600" cy="5257800"/>
+          </a:xfrm>
+          <a:prstGeom prst="rect">
+            <a:avLst/>
+          </a:prstGeom>
+        </p:spPr>
+        <p:txBody>
+          <a:bodyPr anchorCtr="0" anchor="t" bIns="91425" lIns="91425" spcFirstLastPara="1" rIns="91425" wrap="square" tIns="91425">
+            <a:noAutofit/>
+          </a:bodyPr>
+          <a:lstStyle/>
+          <a:p>
+            <a:pPr indent="0" lvl="0" marL="0" rtl="0" algn="l">
+              <a:spcBef>
+                <a:spcPts val="600"/>
+              </a:spcBef>
+              <a:spcAft>
+                <a:spcPts val="0"/>
+              </a:spcAft>
+              <a:buNone/>
+            </a:pPr>
+            <a:r>
+              <a:rPr lang="en"/>
+              <a:t>In addition to basic things like </a:t>
+            </a:r>
+            <a:r>
+              <a:rPr b="1" lang="en">
+                <a:solidFill>
+                  <a:srgbClr val="5F1709"/>
+                </a:solidFill>
+                <a:latin typeface="Consolas"/>
+                <a:ea typeface="Consolas"/>
+                <a:cs typeface="Consolas"/>
+                <a:sym typeface="Consolas"/>
+              </a:rPr>
+              <a:t>str</a:t>
+            </a:r>
+            <a:r>
+              <a:rPr lang="en"/>
+              <a:t> </a:t>
+            </a:r>
+            <a:r>
+              <a:rPr lang="en"/>
+              <a:t>and </a:t>
+            </a:r>
+            <a:r>
+              <a:rPr b="1" lang="en">
+                <a:solidFill>
+                  <a:srgbClr val="5F1709"/>
+                </a:solidFill>
+                <a:latin typeface="Consolas"/>
+                <a:ea typeface="Consolas"/>
+                <a:cs typeface="Consolas"/>
+                <a:sym typeface="Consolas"/>
+              </a:rPr>
+              <a:t>int</a:t>
+            </a:r>
+            <a:r>
+              <a:rPr lang="en"/>
+              <a:t>, we can store more complex things called </a:t>
+            </a:r>
+            <a:r>
+              <a:rPr b="1" lang="en">
+                <a:solidFill>
+                  <a:srgbClr val="002B5B"/>
+                </a:solidFill>
+              </a:rPr>
+              <a:t>data structures</a:t>
+            </a:r>
+            <a:r>
+              <a:rPr lang="en"/>
+              <a:t> that may allow us to store multiple values in a </a:t>
+            </a:r>
+            <a:r>
+              <a:rPr b="1" lang="en">
+                <a:solidFill>
+                  <a:srgbClr val="002B5B"/>
+                </a:solidFill>
+              </a:rPr>
+              <a:t>variable</a:t>
+            </a:r>
+            <a:endParaRPr b="1">
+              <a:solidFill>
+                <a:srgbClr val="002B5B"/>
+              </a:solidFill>
+            </a:endParaRPr>
+          </a:p>
+          <a:p>
+            <a:pPr indent="0" lvl="0" marL="0" rtl="0" algn="l">
+              <a:spcBef>
+                <a:spcPts val="600"/>
+              </a:spcBef>
+              <a:spcAft>
+                <a:spcPts val="0"/>
+              </a:spcAft>
+              <a:buNone/>
+            </a:pPr>
+            <a:r>
+              <a:t/>
+            </a:r>
+            <a:endParaRPr b="1">
+              <a:solidFill>
+                <a:srgbClr val="002B5B"/>
+              </a:solidFill>
+            </a:endParaRPr>
+          </a:p>
+          <a:p>
+            <a:pPr indent="0" lvl="0" marL="0" rtl="0" algn="l">
+              <a:spcBef>
+                <a:spcPts val="600"/>
+              </a:spcBef>
+              <a:spcAft>
+                <a:spcPts val="0"/>
+              </a:spcAft>
+              <a:buNone/>
+            </a:pPr>
+            <a:r>
+              <a:t/>
+            </a:r>
+            <a:endParaRPr b="1">
+              <a:solidFill>
+                <a:srgbClr val="002B5B"/>
+              </a:solidFill>
+            </a:endParaRPr>
+          </a:p>
+          <a:p>
+            <a:pPr indent="0" lvl="0" marL="0" rtl="0" algn="l">
+              <a:spcBef>
+                <a:spcPts val="600"/>
+              </a:spcBef>
+              <a:spcAft>
+                <a:spcPts val="0"/>
+              </a:spcAft>
+              <a:buNone/>
+            </a:pPr>
+            <a:r>
+              <a:t/>
+            </a:r>
+            <a:endParaRPr b="1">
+              <a:solidFill>
+                <a:srgbClr val="002B5B"/>
+              </a:solidFill>
+            </a:endParaRPr>
+          </a:p>
+          <a:p>
+            <a:pPr indent="0" lvl="0" marL="0" rtl="0" algn="l">
+              <a:spcBef>
+                <a:spcPts val="600"/>
+              </a:spcBef>
+              <a:spcAft>
+                <a:spcPts val="0"/>
+              </a:spcAft>
+              <a:buNone/>
+            </a:pPr>
+            <a:r>
+              <a:t/>
+            </a:r>
+            <a:endParaRPr b="1">
+              <a:solidFill>
+                <a:srgbClr val="002B5B"/>
+              </a:solidFill>
+            </a:endParaRPr>
+          </a:p>
+          <a:p>
+            <a:pPr indent="0" lvl="0" marL="0" rtl="0" algn="l">
+              <a:spcBef>
+                <a:spcPts val="600"/>
+              </a:spcBef>
+              <a:spcAft>
+                <a:spcPts val="0"/>
+              </a:spcAft>
+              <a:buNone/>
+            </a:pPr>
+            <a:r>
+              <a:t/>
+            </a:r>
+            <a:endParaRPr b="1">
+              <a:solidFill>
+                <a:srgbClr val="002B5B"/>
+              </a:solidFill>
+            </a:endParaRPr>
+          </a:p>
+          <a:p>
+            <a:pPr indent="0" lvl="0" marL="0" rtl="0" algn="ctr">
+              <a:spcBef>
+                <a:spcPts val="600"/>
+              </a:spcBef>
+              <a:spcAft>
+                <a:spcPts val="0"/>
+              </a:spcAft>
+              <a:buNone/>
+            </a:pPr>
+            <a:r>
+              <a:rPr lang="en"/>
+              <a:t>The simplest data structures is called a </a:t>
+            </a:r>
+            <a:r>
+              <a:rPr b="1" lang="en">
+                <a:solidFill>
+                  <a:srgbClr val="5F1709"/>
+                </a:solidFill>
+                <a:latin typeface="Consolas"/>
+                <a:ea typeface="Consolas"/>
+                <a:cs typeface="Consolas"/>
+                <a:sym typeface="Consolas"/>
+              </a:rPr>
+              <a:t>list</a:t>
+            </a:r>
+            <a:endParaRPr b="1">
+              <a:solidFill>
+                <a:srgbClr val="5F1709"/>
+              </a:solidFill>
+              <a:latin typeface="Consolas"/>
+              <a:ea typeface="Consolas"/>
+              <a:cs typeface="Consolas"/>
+              <a:sym typeface="Consolas"/>
+            </a:endParaRPr>
+          </a:p>
+        </p:txBody>
+      </p:sp>
+      <p:pic>
+        <p:nvPicPr>
+          <p:cNvPr id="191" name="Google Shape;191;g3ba7baafcd5_0_20" title="Screenshot 2026-01-15 at 9.15.00 AM.png"/>
+          <p:cNvPicPr preferRelativeResize="0"/>
+          <p:nvPr/>
+        </p:nvPicPr>
+        <p:blipFill>
+          <a:blip r:embed="rId3">
+            <a:alphaModFix/>
+          </a:blip>
+          <a:stretch>
+            <a:fillRect/>
+          </a:stretch>
+        </p:blipFill>
+        <p:spPr>
+          <a:xfrm>
+            <a:off x="1895475" y="3683450"/>
+            <a:ext cx="5353050" cy="2266950"/>
+          </a:xfrm>
+          <a:prstGeom prst="rect">
+            <a:avLst/>
+          </a:prstGeom>
+          <a:noFill/>
+          <a:ln cap="flat" cmpd="sng" w="38100">
+            <a:solidFill>
+              <a:srgbClr val="002B5B"/>
+            </a:solidFill>
+            <a:prstDash val="solid"/>
+            <a:round/>
+            <a:headEnd len="sm" w="sm" type="none"/>
+            <a:tailEnd len="sm" w="sm" type="none"/>
+          </a:ln>
+        </p:spPr>
+      </p:pic>
+    </p:spTree>
+  </p:cSld>
+  <p:clrMapOvr>
+    <a:masterClrMapping/>
+  </p:clrMapOvr>
+</p:sld>
+</file>
+
+<file path=ppt/slides/slide23.xml><?xml version="1.0" encoding="utf-8"?>
+<p:sld xmlns:a="http://schemas.openxmlformats.org/drawingml/2006/main" xmlns:r="http://schemas.openxmlformats.org/officeDocument/2006/relationships" xmlns:mc="http://schemas.openxmlformats.org/markup-compatibility/2006" xmlns:mv="urn:schemas-microsoft-com:mac:vml" xmlns:p="http://schemas.openxmlformats.org/presentationml/2006/main" xmlns:c="http://schemas.openxmlformats.org/drawingml/2006/chart" xmlns:dgm="http://schemas.openxmlformats.org/drawingml/2006/diagram" xmlns:o="urn:schemas-microsoft-com:office:office" xmlns:v="urn:schemas-microsoft-com:vml" xmlns:pvml="urn:schemas-microsoft-com:office:powerpoint" xmlns:com="http://schemas.openxmlformats.org/drawingml/2006/compatibility" xmlns:p14="http://schemas.microsoft.com/office/powerpoint/2010/main" xmlns:p15="http://schemas.microsoft.com/office/powerpoint/2012/main" xmlns:ahyp="http://schemas.microsoft.com/office/drawing/2018/hyperlinkcolor">
+  <p:cSld>
+    <p:spTree>
+      <p:nvGrpSpPr>
+        <p:cNvPr id="195" name="Shape 195"/>
+        <p:cNvGrpSpPr/>
+        <p:nvPr/>
+      </p:nvGrpSpPr>
+      <p:grpSpPr>
+        <a:xfrm>
+          <a:off x="0" y="0"/>
+          <a:ext cx="0" cy="0"/>
+          <a:chOff x="0" y="0"/>
+          <a:chExt cx="0" cy="0"/>
+        </a:xfrm>
+      </p:grpSpPr>
+      <p:sp>
+        <p:nvSpPr>
+          <p:cNvPr id="196" name="Google Shape;196;g3ba7baafcd5_0_224"/>
+          <p:cNvSpPr txBox="1"/>
+          <p:nvPr>
+            <p:ph type="title"/>
+          </p:nvPr>
+        </p:nvSpPr>
+        <p:spPr>
+          <a:xfrm>
+            <a:off x="457200" y="274638"/>
+            <a:ext cx="8229600" cy="1143000"/>
+          </a:xfrm>
+          <a:prstGeom prst="rect">
+            <a:avLst/>
+          </a:prstGeom>
+        </p:spPr>
+        <p:txBody>
+          <a:bodyPr anchorCtr="0" anchor="b" bIns="91425" lIns="91425" spcFirstLastPara="1" rIns="91425" wrap="square" tIns="91425">
+            <a:noAutofit/>
+          </a:bodyPr>
+          <a:lstStyle/>
+          <a:p>
+            <a:pPr indent="0" lvl="0" marL="0" rtl="0" algn="l">
+              <a:spcBef>
+                <a:spcPts val="0"/>
+              </a:spcBef>
+              <a:spcAft>
+                <a:spcPts val="0"/>
+              </a:spcAft>
+              <a:buNone/>
+            </a:pPr>
+            <a:r>
+              <a:rPr lang="en"/>
+              <a:t>Lists</a:t>
+            </a:r>
+            <a:endParaRPr/>
+          </a:p>
+        </p:txBody>
+      </p:sp>
+      <p:sp>
+        <p:nvSpPr>
+          <p:cNvPr id="197" name="Google Shape;197;g3ba7baafcd5_0_224"/>
+          <p:cNvSpPr txBox="1"/>
+          <p:nvPr>
+            <p:ph idx="1" type="body"/>
+          </p:nvPr>
+        </p:nvSpPr>
+        <p:spPr>
+          <a:xfrm>
+            <a:off x="457200" y="1600200"/>
+            <a:ext cx="8229600" cy="5121600"/>
+          </a:xfrm>
+          <a:prstGeom prst="rect">
+            <a:avLst/>
+          </a:prstGeom>
+        </p:spPr>
+        <p:txBody>
+          <a:bodyPr anchorCtr="0" anchor="t" bIns="91425" lIns="91425" spcFirstLastPara="1" rIns="91425" wrap="square" tIns="91425">
+            <a:noAutofit/>
+          </a:bodyPr>
+          <a:lstStyle/>
+          <a:p>
+            <a:pPr indent="0" lvl="0" marL="0" rtl="0" algn="l">
+              <a:spcBef>
+                <a:spcPts val="600"/>
+              </a:spcBef>
+              <a:spcAft>
+                <a:spcPts val="0"/>
+              </a:spcAft>
+              <a:buNone/>
+            </a:pPr>
+            <a:r>
+              <a:rPr b="1" lang="en">
+                <a:solidFill>
+                  <a:srgbClr val="5F1709"/>
+                </a:solidFill>
+                <a:latin typeface="Consolas"/>
+                <a:ea typeface="Consolas"/>
+                <a:cs typeface="Consolas"/>
+                <a:sym typeface="Consolas"/>
+              </a:rPr>
+              <a:t>l</a:t>
+            </a:r>
+            <a:r>
+              <a:rPr b="1" lang="en">
+                <a:solidFill>
+                  <a:srgbClr val="5F1709"/>
+                </a:solidFill>
+                <a:latin typeface="Consolas"/>
+                <a:ea typeface="Consolas"/>
+                <a:cs typeface="Consolas"/>
+                <a:sym typeface="Consolas"/>
+              </a:rPr>
+              <a:t>ists</a:t>
+            </a:r>
+            <a:r>
+              <a:rPr lang="en"/>
+              <a:t> can hold just about anything you would want, even other </a:t>
+            </a:r>
+            <a:r>
+              <a:rPr b="1" lang="en">
+                <a:solidFill>
+                  <a:srgbClr val="5F1709"/>
+                </a:solidFill>
+                <a:latin typeface="Consolas"/>
+                <a:ea typeface="Consolas"/>
+                <a:cs typeface="Consolas"/>
+                <a:sym typeface="Consolas"/>
+              </a:rPr>
+              <a:t>lists</a:t>
+            </a:r>
+            <a:r>
+              <a:rPr lang="en"/>
+              <a:t>!</a:t>
+            </a:r>
+            <a:endParaRPr/>
+          </a:p>
+          <a:p>
+            <a:pPr indent="0" lvl="0" marL="0" rtl="0" algn="l">
+              <a:spcBef>
+                <a:spcPts val="600"/>
+              </a:spcBef>
+              <a:spcAft>
+                <a:spcPts val="0"/>
+              </a:spcAft>
+              <a:buNone/>
+            </a:pPr>
+            <a:r>
+              <a:t/>
+            </a:r>
+            <a:endParaRPr/>
+          </a:p>
+          <a:p>
+            <a:pPr indent="0" lvl="0" marL="0" rtl="0" algn="l">
+              <a:spcBef>
+                <a:spcPts val="600"/>
+              </a:spcBef>
+              <a:spcAft>
+                <a:spcPts val="0"/>
+              </a:spcAft>
+              <a:buNone/>
+            </a:pPr>
+            <a:r>
+              <a:t/>
+            </a:r>
+            <a:endParaRPr/>
+          </a:p>
+          <a:p>
+            <a:pPr indent="0" lvl="0" marL="0" rtl="0" algn="l">
+              <a:spcBef>
+                <a:spcPts val="600"/>
+              </a:spcBef>
+              <a:spcAft>
+                <a:spcPts val="0"/>
+              </a:spcAft>
+              <a:buNone/>
+            </a:pPr>
+            <a:r>
+              <a:t/>
+            </a:r>
+            <a:endParaRPr/>
+          </a:p>
+          <a:p>
+            <a:pPr indent="0" lvl="0" marL="0" rtl="0" algn="l">
+              <a:spcBef>
+                <a:spcPts val="600"/>
+              </a:spcBef>
+              <a:spcAft>
+                <a:spcPts val="0"/>
+              </a:spcAft>
+              <a:buNone/>
+            </a:pPr>
+            <a:r>
+              <a:t/>
+            </a:r>
+            <a:endParaRPr/>
+          </a:p>
+          <a:p>
+            <a:pPr indent="0" lvl="0" marL="0" rtl="0" algn="l">
+              <a:spcBef>
+                <a:spcPts val="600"/>
+              </a:spcBef>
+              <a:spcAft>
+                <a:spcPts val="0"/>
+              </a:spcAft>
+              <a:buNone/>
+            </a:pPr>
+            <a:r>
+              <a:t/>
+            </a:r>
+            <a:endParaRPr/>
+          </a:p>
+          <a:p>
+            <a:pPr indent="0" lvl="0" marL="0" rtl="0" algn="l">
+              <a:spcBef>
+                <a:spcPts val="600"/>
+              </a:spcBef>
+              <a:spcAft>
+                <a:spcPts val="0"/>
+              </a:spcAft>
+              <a:buNone/>
+            </a:pPr>
+            <a:r>
+              <a:t/>
+            </a:r>
+            <a:endParaRPr/>
+          </a:p>
+          <a:p>
+            <a:pPr indent="0" lvl="0" marL="0" rtl="0" algn="l">
+              <a:spcBef>
+                <a:spcPts val="600"/>
+              </a:spcBef>
+              <a:spcAft>
+                <a:spcPts val="0"/>
+              </a:spcAft>
+              <a:buNone/>
+            </a:pPr>
+            <a:r>
+              <a:rPr lang="en"/>
+              <a:t>We can access specific items using </a:t>
+            </a:r>
+            <a:r>
+              <a:rPr b="1" lang="en">
+                <a:solidFill>
+                  <a:srgbClr val="DCB439"/>
+                </a:solidFill>
+              </a:rPr>
+              <a:t>square brackets</a:t>
+            </a:r>
+            <a:r>
+              <a:rPr lang="en"/>
+              <a:t> and an “</a:t>
+            </a:r>
+            <a:r>
+              <a:rPr b="1" lang="en">
+                <a:solidFill>
+                  <a:srgbClr val="DCB439"/>
+                </a:solidFill>
+              </a:rPr>
+              <a:t>index</a:t>
+            </a:r>
+            <a:r>
+              <a:rPr lang="en"/>
+              <a:t>”</a:t>
+            </a:r>
+            <a:endParaRPr/>
+          </a:p>
+        </p:txBody>
+      </p:sp>
+      <p:pic>
+        <p:nvPicPr>
+          <p:cNvPr id="198" name="Google Shape;198;g3ba7baafcd5_0_224" title="Screenshot 2026-01-15 at 9.17.02 AM.png"/>
+          <p:cNvPicPr preferRelativeResize="0"/>
+          <p:nvPr/>
+        </p:nvPicPr>
+        <p:blipFill>
+          <a:blip r:embed="rId3">
+            <a:alphaModFix/>
+          </a:blip>
+          <a:stretch>
+            <a:fillRect/>
+          </a:stretch>
+        </p:blipFill>
+        <p:spPr>
+          <a:xfrm>
+            <a:off x="1895475" y="2722800"/>
+            <a:ext cx="5353050" cy="2990850"/>
+          </a:xfrm>
+          <a:prstGeom prst="rect">
+            <a:avLst/>
+          </a:prstGeom>
+          <a:noFill/>
+          <a:ln cap="flat" cmpd="sng" w="38100">
+            <a:solidFill>
+              <a:srgbClr val="002B5B"/>
+            </a:solidFill>
+            <a:prstDash val="solid"/>
+            <a:round/>
+            <a:headEnd len="sm" w="sm" type="none"/>
+            <a:tailEnd len="sm" w="sm" type="none"/>
+          </a:ln>
+        </p:spPr>
+      </p:pic>
+      <p:sp>
+        <p:nvSpPr>
+          <p:cNvPr id="199" name="Google Shape;199;g3ba7baafcd5_0_224"/>
+          <p:cNvSpPr txBox="1"/>
+          <p:nvPr/>
+        </p:nvSpPr>
+        <p:spPr>
+          <a:xfrm>
+            <a:off x="2238300" y="4231825"/>
+            <a:ext cx="4667400" cy="381000"/>
+          </a:xfrm>
+          <a:prstGeom prst="rect">
+            <a:avLst/>
+          </a:prstGeom>
+          <a:solidFill>
+            <a:schemeClr val="lt1"/>
+          </a:solidFill>
+          <a:ln>
+            <a:noFill/>
+          </a:ln>
+        </p:spPr>
+        <p:txBody>
+          <a:bodyPr anchorCtr="0" anchor="t" bIns="91425" lIns="91425" spcFirstLastPara="1" rIns="91425" wrap="square" tIns="91425">
+            <a:noAutofit/>
+          </a:bodyPr>
+          <a:lstStyle/>
+          <a:p>
+            <a:pPr indent="0" lvl="0" marL="0" rtl="0" algn="ctr">
+              <a:spcBef>
+                <a:spcPts val="0"/>
+              </a:spcBef>
+              <a:spcAft>
+                <a:spcPts val="0"/>
+              </a:spcAft>
+              <a:buNone/>
+            </a:pPr>
+            <a:r>
+              <a:rPr b="1" lang="en">
+                <a:solidFill>
+                  <a:srgbClr val="DCB439"/>
+                </a:solidFill>
+              </a:rPr>
+              <a:t>NOTE:</a:t>
+            </a:r>
+            <a:r>
+              <a:rPr lang="en">
+                <a:solidFill>
+                  <a:schemeClr val="dk1"/>
+                </a:solidFill>
+              </a:rPr>
+              <a:t> the first item in a </a:t>
+            </a:r>
+            <a:r>
+              <a:rPr b="1" lang="en">
+                <a:solidFill>
+                  <a:schemeClr val="dk1"/>
+                </a:solidFill>
+                <a:latin typeface="Consolas"/>
+                <a:ea typeface="Consolas"/>
+                <a:cs typeface="Consolas"/>
+                <a:sym typeface="Consolas"/>
+              </a:rPr>
+              <a:t>list</a:t>
+            </a:r>
+            <a:r>
+              <a:rPr lang="en">
+                <a:solidFill>
+                  <a:schemeClr val="dk1"/>
+                </a:solidFill>
+              </a:rPr>
+              <a:t> is </a:t>
+            </a:r>
+            <a:r>
+              <a:rPr b="1" lang="en">
+                <a:solidFill>
+                  <a:srgbClr val="5F1709"/>
+                </a:solidFill>
+                <a:latin typeface="Consolas"/>
+                <a:ea typeface="Consolas"/>
+                <a:cs typeface="Consolas"/>
+                <a:sym typeface="Consolas"/>
+              </a:rPr>
+              <a:t>index</a:t>
+            </a:r>
+            <a:r>
+              <a:rPr lang="en">
+                <a:solidFill>
+                  <a:schemeClr val="dk1"/>
+                </a:solidFill>
+              </a:rPr>
+              <a:t> </a:t>
+            </a:r>
+            <a:r>
+              <a:rPr b="1" lang="en">
+                <a:solidFill>
+                  <a:srgbClr val="5F1709"/>
+                </a:solidFill>
+                <a:latin typeface="Consolas"/>
+                <a:ea typeface="Consolas"/>
+                <a:cs typeface="Consolas"/>
+                <a:sym typeface="Consolas"/>
+              </a:rPr>
+              <a:t>0</a:t>
+            </a:r>
+            <a:r>
+              <a:rPr lang="en">
+                <a:solidFill>
+                  <a:schemeClr val="dk1"/>
+                </a:solidFill>
+              </a:rPr>
+              <a:t>, NOT </a:t>
+            </a:r>
+            <a:r>
+              <a:rPr b="1" lang="en">
+                <a:solidFill>
+                  <a:srgbClr val="5F1709"/>
+                </a:solidFill>
+                <a:latin typeface="Consolas"/>
+                <a:ea typeface="Consolas"/>
+                <a:cs typeface="Consolas"/>
+                <a:sym typeface="Consolas"/>
+              </a:rPr>
+              <a:t>1</a:t>
+            </a:r>
+            <a:r>
+              <a:rPr lang="en">
+                <a:solidFill>
+                  <a:schemeClr val="dk1"/>
+                </a:solidFill>
+              </a:rPr>
+              <a:t>!</a:t>
+            </a:r>
+            <a:endParaRPr>
+              <a:solidFill>
+                <a:schemeClr val="dk1"/>
+              </a:solidFill>
+            </a:endParaRPr>
+          </a:p>
+        </p:txBody>
+      </p:sp>
+    </p:spTree>
+  </p:cSld>
+  <p:clrMapOvr>
+    <a:masterClrMapping/>
+  </p:clrMapOvr>
+</p:sld>
+</file>
+
+<file path=ppt/slides/slide24.xml><?xml version="1.0" encoding="utf-8"?>
+<p:sld xmlns:a="http://schemas.openxmlformats.org/drawingml/2006/main" xmlns:r="http://schemas.openxmlformats.org/officeDocument/2006/relationships" xmlns:mc="http://schemas.openxmlformats.org/markup-compatibility/2006" xmlns:mv="urn:schemas-microsoft-com:mac:vml" xmlns:p="http://schemas.openxmlformats.org/presentationml/2006/main" xmlns:c="http://schemas.openxmlformats.org/drawingml/2006/chart" xmlns:dgm="http://schemas.openxmlformats.org/drawingml/2006/diagram" xmlns:o="urn:schemas-microsoft-com:office:office" xmlns:v="urn:schemas-microsoft-com:vml" xmlns:pvml="urn:schemas-microsoft-com:office:powerpoint" xmlns:com="http://schemas.openxmlformats.org/drawingml/2006/compatibility" xmlns:p14="http://schemas.microsoft.com/office/powerpoint/2010/main" xmlns:p15="http://schemas.microsoft.com/office/powerpoint/2012/main" xmlns:ahyp="http://schemas.microsoft.com/office/drawing/2018/hyperlinkcolor">
+  <p:cSld>
+    <p:spTree>
+      <p:nvGrpSpPr>
+        <p:cNvPr id="203" name="Shape 203"/>
+        <p:cNvGrpSpPr/>
+        <p:nvPr/>
+      </p:nvGrpSpPr>
+      <p:grpSpPr>
+        <a:xfrm>
+          <a:off x="0" y="0"/>
+          <a:ext cx="0" cy="0"/>
+          <a:chOff x="0" y="0"/>
+          <a:chExt cx="0" cy="0"/>
+        </a:xfrm>
+      </p:grpSpPr>
+      <p:sp>
+        <p:nvSpPr>
+          <p:cNvPr id="204" name="Google Shape;204;g3ba7baafcd5_0_229"/>
+          <p:cNvSpPr txBox="1"/>
+          <p:nvPr>
+            <p:ph type="title"/>
+          </p:nvPr>
+        </p:nvSpPr>
+        <p:spPr>
+          <a:xfrm>
+            <a:off x="457200" y="274638"/>
+            <a:ext cx="8229600" cy="1143000"/>
+          </a:xfrm>
+          <a:prstGeom prst="rect">
+            <a:avLst/>
+          </a:prstGeom>
+        </p:spPr>
+        <p:txBody>
+          <a:bodyPr anchorCtr="0" anchor="b" bIns="91425" lIns="91425" spcFirstLastPara="1" rIns="91425" wrap="square" tIns="91425">
+            <a:noAutofit/>
+          </a:bodyPr>
+          <a:lstStyle/>
+          <a:p>
+            <a:pPr indent="0" lvl="0" marL="0" rtl="0" algn="l">
+              <a:spcBef>
+                <a:spcPts val="0"/>
+              </a:spcBef>
+              <a:spcAft>
+                <a:spcPts val="0"/>
+              </a:spcAft>
+              <a:buNone/>
+            </a:pPr>
+            <a:r>
+              <a:rPr lang="en"/>
+              <a:t>Dictionaries</a:t>
+            </a:r>
+            <a:endParaRPr/>
+          </a:p>
+        </p:txBody>
+      </p:sp>
+      <p:sp>
+        <p:nvSpPr>
+          <p:cNvPr id="205" name="Google Shape;205;g3ba7baafcd5_0_229"/>
+          <p:cNvSpPr txBox="1"/>
+          <p:nvPr>
+            <p:ph idx="1" type="body"/>
+          </p:nvPr>
+        </p:nvSpPr>
+        <p:spPr>
+          <a:xfrm>
+            <a:off x="457200" y="4449525"/>
+            <a:ext cx="8229600" cy="2118300"/>
+          </a:xfrm>
+          <a:prstGeom prst="rect">
+            <a:avLst/>
+          </a:prstGeom>
+        </p:spPr>
+        <p:txBody>
+          <a:bodyPr anchorCtr="0" anchor="t" bIns="91425" lIns="91425" spcFirstLastPara="1" rIns="91425" wrap="square" tIns="91425">
+            <a:noAutofit/>
+          </a:bodyPr>
+          <a:lstStyle/>
+          <a:p>
+            <a:pPr indent="0" lvl="0" marL="0" rtl="0" algn="l">
+              <a:spcBef>
+                <a:spcPts val="600"/>
+              </a:spcBef>
+              <a:spcAft>
+                <a:spcPts val="0"/>
+              </a:spcAft>
+              <a:buNone/>
+            </a:pPr>
+            <a:r>
+              <a:rPr lang="en"/>
+              <a:t>Dictionaries store groups of two things, called: </a:t>
+            </a:r>
+            <a:r>
+              <a:rPr b="1" lang="en">
+                <a:solidFill>
+                  <a:srgbClr val="5F1709"/>
+                </a:solidFill>
+                <a:latin typeface="Consolas"/>
+                <a:ea typeface="Consolas"/>
+                <a:cs typeface="Consolas"/>
+                <a:sym typeface="Consolas"/>
+              </a:rPr>
+              <a:t>“key - value pairs”</a:t>
+            </a:r>
+            <a:r>
+              <a:rPr lang="en">
+                <a:latin typeface="Consolas"/>
+                <a:ea typeface="Consolas"/>
+                <a:cs typeface="Consolas"/>
+                <a:sym typeface="Consolas"/>
+              </a:rPr>
+              <a:t>. </a:t>
+            </a:r>
+            <a:r>
+              <a:rPr lang="en"/>
+              <a:t>To access items in a dictionary we use </a:t>
+            </a:r>
+            <a:r>
+              <a:rPr b="1" lang="en">
+                <a:solidFill>
+                  <a:srgbClr val="DCB439"/>
+                </a:solidFill>
+              </a:rPr>
+              <a:t>square brackets</a:t>
+            </a:r>
+            <a:r>
+              <a:rPr lang="en"/>
+              <a:t> again, but with a </a:t>
+            </a:r>
+            <a:r>
+              <a:rPr b="1" lang="en">
+                <a:solidFill>
+                  <a:srgbClr val="5F1709"/>
+                </a:solidFill>
+                <a:latin typeface="Consolas"/>
+                <a:ea typeface="Consolas"/>
+                <a:cs typeface="Consolas"/>
+                <a:sym typeface="Consolas"/>
+              </a:rPr>
+              <a:t>value</a:t>
+            </a:r>
+            <a:r>
+              <a:rPr lang="en"/>
+              <a:t> in the brackets instead of an index</a:t>
+            </a:r>
+            <a:r>
+              <a:rPr lang="en">
+                <a:latin typeface="Consolas"/>
+                <a:ea typeface="Consolas"/>
+                <a:cs typeface="Consolas"/>
+                <a:sym typeface="Consolas"/>
+              </a:rPr>
+              <a:t> </a:t>
+            </a:r>
+            <a:endParaRPr>
+              <a:latin typeface="Consolas"/>
+              <a:ea typeface="Consolas"/>
+              <a:cs typeface="Consolas"/>
+              <a:sym typeface="Consolas"/>
+            </a:endParaRPr>
+          </a:p>
+        </p:txBody>
+      </p:sp>
+      <p:pic>
+        <p:nvPicPr>
+          <p:cNvPr id="206" name="Google Shape;206;g3ba7baafcd5_0_229" title="Screenshot 2026-01-15 at 9.20.52 AM.png"/>
+          <p:cNvPicPr preferRelativeResize="0"/>
+          <p:nvPr/>
+        </p:nvPicPr>
+        <p:blipFill>
+          <a:blip r:embed="rId3">
+            <a:alphaModFix/>
+          </a:blip>
+          <a:stretch>
+            <a:fillRect/>
+          </a:stretch>
+        </p:blipFill>
+        <p:spPr>
+          <a:xfrm>
+            <a:off x="4234550" y="274650"/>
+            <a:ext cx="4648200" cy="3981450"/>
+          </a:xfrm>
+          <a:prstGeom prst="rect">
+            <a:avLst/>
+          </a:prstGeom>
+          <a:noFill/>
+          <a:ln cap="flat" cmpd="sng" w="38100">
+            <a:solidFill>
+              <a:srgbClr val="002B5B"/>
+            </a:solidFill>
+            <a:prstDash val="solid"/>
+            <a:round/>
+            <a:headEnd len="sm" w="sm" type="none"/>
+            <a:tailEnd len="sm" w="sm" type="none"/>
+          </a:ln>
+        </p:spPr>
+      </p:pic>
+      <p:pic>
+        <p:nvPicPr>
+          <p:cNvPr id="207" name="Google Shape;207;g3ba7baafcd5_0_229" title="Screenshot 2026-01-15 at 9.23.42 AM.png"/>
+          <p:cNvPicPr preferRelativeResize="0"/>
+          <p:nvPr/>
+        </p:nvPicPr>
+        <p:blipFill>
+          <a:blip r:embed="rId4">
+            <a:alphaModFix/>
+          </a:blip>
+          <a:stretch>
+            <a:fillRect/>
+          </a:stretch>
+        </p:blipFill>
+        <p:spPr>
+          <a:xfrm>
+            <a:off x="457200" y="1570038"/>
+            <a:ext cx="3183777" cy="2727087"/>
+          </a:xfrm>
+          <a:prstGeom prst="rect">
+            <a:avLst/>
+          </a:prstGeom>
+          <a:noFill/>
+          <a:ln cap="flat" cmpd="sng" w="38100">
+            <a:solidFill>
+              <a:srgbClr val="002B5B"/>
+            </a:solidFill>
+            <a:prstDash val="solid"/>
+            <a:round/>
+            <a:headEnd len="sm" w="sm" type="none"/>
+            <a:tailEnd len="sm" w="sm" type="none"/>
+          </a:ln>
+        </p:spPr>
+      </p:pic>
+    </p:spTree>
+  </p:cSld>
+  <p:clrMapOvr>
+    <a:masterClrMapping/>
+  </p:clrMapOvr>
+</p:sld>
+</file>
+
+<file path=ppt/slides/slide25.xml><?xml version="1.0" encoding="utf-8"?>
+<p:sld xmlns:a="http://schemas.openxmlformats.org/drawingml/2006/main" xmlns:r="http://schemas.openxmlformats.org/officeDocument/2006/relationships" xmlns:mc="http://schemas.openxmlformats.org/markup-compatibility/2006" xmlns:mv="urn:schemas-microsoft-com:mac:vml" xmlns:p="http://schemas.openxmlformats.org/presentationml/2006/main" xmlns:c="http://schemas.openxmlformats.org/drawingml/2006/chart" xmlns:dgm="http://schemas.openxmlformats.org/drawingml/2006/diagram" xmlns:o="urn:schemas-microsoft-com:office:office" xmlns:v="urn:schemas-microsoft-com:vml" xmlns:pvml="urn:schemas-microsoft-com:office:powerpoint" xmlns:com="http://schemas.openxmlformats.org/drawingml/2006/compatibility" xmlns:p14="http://schemas.microsoft.com/office/powerpoint/2010/main" xmlns:p15="http://schemas.microsoft.com/office/powerpoint/2012/main" xmlns:ahyp="http://schemas.microsoft.com/office/drawing/2018/hyperlinkcolor">
+  <p:cSld>
+    <p:spTree>
+      <p:nvGrpSpPr>
+        <p:cNvPr id="211" name="Shape 211"/>
+        <p:cNvGrpSpPr/>
+        <p:nvPr/>
+      </p:nvGrpSpPr>
+      <p:grpSpPr>
+        <a:xfrm>
+          <a:off x="0" y="0"/>
+          <a:ext cx="0" cy="0"/>
+          <a:chOff x="0" y="0"/>
+          <a:chExt cx="0" cy="0"/>
+        </a:xfrm>
+      </p:grpSpPr>
+      <p:sp>
+        <p:nvSpPr>
+          <p:cNvPr id="212" name="Google Shape;212;g3ba7baafcd5_0_10"/>
+          <p:cNvSpPr txBox="1"/>
+          <p:nvPr>
+            <p:ph type="title"/>
+          </p:nvPr>
+        </p:nvSpPr>
+        <p:spPr>
+          <a:xfrm>
+            <a:off x="457200" y="274638"/>
+            <a:ext cx="8229600" cy="1143000"/>
+          </a:xfrm>
+          <a:prstGeom prst="rect">
+            <a:avLst/>
+          </a:prstGeom>
+        </p:spPr>
+        <p:txBody>
+          <a:bodyPr anchorCtr="0" anchor="b" bIns="91425" lIns="91425" spcFirstLastPara="1" rIns="91425" wrap="square" tIns="91425">
+            <a:noAutofit/>
+          </a:bodyPr>
+          <a:lstStyle/>
+          <a:p>
+            <a:pPr indent="0" lvl="0" marL="0" rtl="0" algn="l">
+              <a:spcBef>
+                <a:spcPts val="0"/>
+              </a:spcBef>
+              <a:spcAft>
+                <a:spcPts val="0"/>
+              </a:spcAft>
+              <a:buNone/>
+            </a:pPr>
+            <a:r>
+              <a:rPr lang="en"/>
+              <a:t>Loops</a:t>
+            </a:r>
+            <a:endParaRPr/>
+          </a:p>
+        </p:txBody>
+      </p:sp>
+      <p:sp>
+        <p:nvSpPr>
+          <p:cNvPr id="213" name="Google Shape;213;g3ba7baafcd5_0_10"/>
+          <p:cNvSpPr txBox="1"/>
+          <p:nvPr>
+            <p:ph idx="1" type="body"/>
+          </p:nvPr>
+        </p:nvSpPr>
+        <p:spPr>
+          <a:xfrm>
+            <a:off x="457200" y="1600200"/>
+            <a:ext cx="8229600" cy="4967700"/>
+          </a:xfrm>
+          <a:prstGeom prst="rect">
+            <a:avLst/>
+          </a:prstGeom>
+        </p:spPr>
+        <p:txBody>
+          <a:bodyPr anchorCtr="0" anchor="t" bIns="91425" lIns="91425" spcFirstLastPara="1" rIns="91425" wrap="square" tIns="91425">
+            <a:noAutofit/>
+          </a:bodyPr>
+          <a:lstStyle/>
+          <a:p>
+            <a:pPr indent="0" lvl="0" marL="0" rtl="0" algn="l">
+              <a:spcBef>
+                <a:spcPts val="600"/>
+              </a:spcBef>
+              <a:spcAft>
+                <a:spcPts val="0"/>
+              </a:spcAft>
+              <a:buNone/>
+            </a:pPr>
+            <a:r>
+              <a:rPr lang="en"/>
+              <a:t>When we have a data structure, we often want to </a:t>
+            </a:r>
+            <a:r>
+              <a:rPr b="1" lang="en">
+                <a:solidFill>
+                  <a:srgbClr val="5F1709"/>
+                </a:solidFill>
+                <a:latin typeface="Consolas"/>
+                <a:ea typeface="Consolas"/>
+                <a:cs typeface="Consolas"/>
+                <a:sym typeface="Consolas"/>
+              </a:rPr>
+              <a:t>loop</a:t>
+            </a:r>
+            <a:r>
+              <a:rPr lang="en"/>
+              <a:t> over it. The most common loop is the </a:t>
+            </a:r>
+            <a:r>
+              <a:rPr b="1" lang="en">
+                <a:solidFill>
+                  <a:srgbClr val="5F1709"/>
+                </a:solidFill>
+                <a:latin typeface="Consolas"/>
+                <a:ea typeface="Consolas"/>
+                <a:cs typeface="Consolas"/>
+                <a:sym typeface="Consolas"/>
+              </a:rPr>
+              <a:t>for loop</a:t>
+            </a:r>
+            <a:endParaRPr b="1">
+              <a:solidFill>
+                <a:srgbClr val="5F1709"/>
+              </a:solidFill>
+              <a:latin typeface="Consolas"/>
+              <a:ea typeface="Consolas"/>
+              <a:cs typeface="Consolas"/>
+              <a:sym typeface="Consolas"/>
+            </a:endParaRPr>
+          </a:p>
+        </p:txBody>
+      </p:sp>
+      <p:pic>
+        <p:nvPicPr>
+          <p:cNvPr id="214" name="Google Shape;214;g3ba7baafcd5_0_10" title="Screenshot 2026-01-15 at 9.31.24 AM.png"/>
+          <p:cNvPicPr preferRelativeResize="0"/>
+          <p:nvPr/>
+        </p:nvPicPr>
+        <p:blipFill>
+          <a:blip r:embed="rId3">
+            <a:alphaModFix/>
+          </a:blip>
+          <a:stretch>
+            <a:fillRect/>
+          </a:stretch>
+        </p:blipFill>
+        <p:spPr>
+          <a:xfrm>
+            <a:off x="2894213" y="3119075"/>
+            <a:ext cx="5915026" cy="3507576"/>
+          </a:xfrm>
+          <a:prstGeom prst="rect">
+            <a:avLst/>
+          </a:prstGeom>
+          <a:noFill/>
+          <a:ln cap="flat" cmpd="sng" w="38100">
+            <a:solidFill>
+              <a:srgbClr val="002B5B"/>
+            </a:solidFill>
+            <a:prstDash val="solid"/>
+            <a:round/>
+            <a:headEnd len="sm" w="sm" type="none"/>
+            <a:tailEnd len="sm" w="sm" type="none"/>
+          </a:ln>
+        </p:spPr>
+      </p:pic>
+    </p:spTree>
+  </p:cSld>
+  <p:clrMapOvr>
+    <a:masterClrMapping/>
+  </p:clrMapOvr>
+</p:sld>
+</file>
+
+<file path=ppt/slides/slide26.xml><?xml version="1.0" encoding="utf-8"?>
+<p:sld xmlns:a="http://schemas.openxmlformats.org/drawingml/2006/main" xmlns:r="http://schemas.openxmlformats.org/officeDocument/2006/relationships" xmlns:mc="http://schemas.openxmlformats.org/markup-compatibility/2006" xmlns:mv="urn:schemas-microsoft-com:mac:vml" xmlns:p="http://schemas.openxmlformats.org/presentationml/2006/main" xmlns:c="http://schemas.openxmlformats.org/drawingml/2006/chart" xmlns:dgm="http://schemas.openxmlformats.org/drawingml/2006/diagram" xmlns:o="urn:schemas-microsoft-com:office:office" xmlns:v="urn:schemas-microsoft-com:vml" xmlns:pvml="urn:schemas-microsoft-com:office:powerpoint" xmlns:com="http://schemas.openxmlformats.org/drawingml/2006/compatibility" xmlns:p14="http://schemas.microsoft.com/office/powerpoint/2010/main" xmlns:p15="http://schemas.microsoft.com/office/powerpoint/2012/main" xmlns:ahyp="http://schemas.microsoft.com/office/drawing/2018/hyperlinkcolor">
+  <p:cSld>
+    <p:spTree>
+      <p:nvGrpSpPr>
+        <p:cNvPr id="218" name="Shape 218"/>
+        <p:cNvGrpSpPr/>
+        <p:nvPr/>
+      </p:nvGrpSpPr>
+      <p:grpSpPr>
+        <a:xfrm>
+          <a:off x="0" y="0"/>
+          <a:ext cx="0" cy="0"/>
+          <a:chOff x="0" y="0"/>
+          <a:chExt cx="0" cy="0"/>
+        </a:xfrm>
+      </p:grpSpPr>
+      <p:sp>
+        <p:nvSpPr>
+          <p:cNvPr id="219" name="Google Shape;219;g3ba7baafcd5_0_15"/>
+          <p:cNvSpPr txBox="1"/>
+          <p:nvPr>
+            <p:ph type="title"/>
+          </p:nvPr>
+        </p:nvSpPr>
+        <p:spPr>
+          <a:xfrm>
+            <a:off x="457200" y="274638"/>
+            <a:ext cx="8229600" cy="1143000"/>
+          </a:xfrm>
+          <a:prstGeom prst="rect">
+            <a:avLst/>
+          </a:prstGeom>
+        </p:spPr>
+        <p:txBody>
+          <a:bodyPr anchorCtr="0" anchor="b" bIns="91425" lIns="91425" spcFirstLastPara="1" rIns="91425" wrap="square" tIns="91425">
+            <a:noAutofit/>
+          </a:bodyPr>
+          <a:lstStyle/>
+          <a:p>
+            <a:pPr indent="0" lvl="0" marL="0" rtl="0" algn="l">
+              <a:spcBef>
+                <a:spcPts val="0"/>
+              </a:spcBef>
+              <a:spcAft>
+                <a:spcPts val="0"/>
+              </a:spcAft>
+              <a:buNone/>
+            </a:pPr>
+            <a:r>
+              <a:rPr lang="en"/>
+              <a:t>Functions</a:t>
+            </a:r>
+            <a:endParaRPr/>
+          </a:p>
+        </p:txBody>
+      </p:sp>
+      <p:sp>
+        <p:nvSpPr>
+          <p:cNvPr id="220" name="Google Shape;220;g3ba7baafcd5_0_15"/>
+          <p:cNvSpPr txBox="1"/>
+          <p:nvPr>
+            <p:ph idx="1" type="body"/>
+          </p:nvPr>
+        </p:nvSpPr>
+        <p:spPr>
+          <a:xfrm>
+            <a:off x="457200" y="1600200"/>
+            <a:ext cx="8229600" cy="4967700"/>
+          </a:xfrm>
+          <a:prstGeom prst="rect">
+            <a:avLst/>
+          </a:prstGeom>
+        </p:spPr>
+        <p:txBody>
+          <a:bodyPr anchorCtr="0" anchor="t" bIns="91425" lIns="91425" spcFirstLastPara="1" rIns="91425" wrap="square" tIns="91425">
+            <a:noAutofit/>
+          </a:bodyPr>
+          <a:lstStyle/>
+          <a:p>
+            <a:pPr indent="0" lvl="0" marL="0" rtl="0" algn="l">
+              <a:spcBef>
+                <a:spcPts val="600"/>
+              </a:spcBef>
+              <a:spcAft>
+                <a:spcPts val="0"/>
+              </a:spcAft>
+              <a:buNone/>
+            </a:pPr>
+            <a:r>
+              <a:rPr lang="en"/>
+              <a:t>Often times we will want to </a:t>
+            </a:r>
+            <a:r>
+              <a:rPr b="1" lang="en">
+                <a:solidFill>
+                  <a:srgbClr val="DCB439"/>
+                </a:solidFill>
+              </a:rPr>
+              <a:t>run the same set of instructions on different variables</a:t>
+            </a:r>
+            <a:r>
+              <a:rPr lang="en"/>
+              <a:t>, we can define a </a:t>
+            </a:r>
+            <a:r>
+              <a:rPr b="1" lang="en">
+                <a:solidFill>
+                  <a:srgbClr val="5F1709"/>
+                </a:solidFill>
+              </a:rPr>
+              <a:t>function</a:t>
+            </a:r>
+            <a:r>
+              <a:rPr lang="en"/>
+              <a:t> to achieve this</a:t>
+            </a:r>
+            <a:endParaRPr/>
+          </a:p>
+        </p:txBody>
+      </p:sp>
+      <p:pic>
+        <p:nvPicPr>
+          <p:cNvPr id="221" name="Google Shape;221;g3ba7baafcd5_0_15" title="Screenshot 2026-01-15 at 8.54.11 AM.png"/>
+          <p:cNvPicPr preferRelativeResize="0"/>
+          <p:nvPr/>
+        </p:nvPicPr>
+        <p:blipFill>
+          <a:blip r:embed="rId3">
+            <a:alphaModFix/>
+          </a:blip>
+          <a:stretch>
+            <a:fillRect/>
+          </a:stretch>
+        </p:blipFill>
+        <p:spPr>
+          <a:xfrm>
+            <a:off x="819150" y="3511988"/>
+            <a:ext cx="7505700" cy="2609850"/>
+          </a:xfrm>
+          <a:prstGeom prst="rect">
+            <a:avLst/>
+          </a:prstGeom>
+          <a:noFill/>
+          <a:ln>
+            <a:noFill/>
+          </a:ln>
+        </p:spPr>
+      </p:pic>
+    </p:spTree>
+  </p:cSld>
+  <p:clrMapOvr>
+    <a:masterClrMapping/>
+  </p:clrMapOvr>
+</p:sld>
+</file>
+
+<file path=ppt/slides/slide27.xml><?xml version="1.0" encoding="utf-8"?>
+<p:sld xmlns:a="http://schemas.openxmlformats.org/drawingml/2006/main" xmlns:r="http://schemas.openxmlformats.org/officeDocument/2006/relationships" xmlns:mc="http://schemas.openxmlformats.org/markup-compatibility/2006" xmlns:mv="urn:schemas-microsoft-com:mac:vml" xmlns:p="http://schemas.openxmlformats.org/presentationml/2006/main" xmlns:c="http://schemas.openxmlformats.org/drawingml/2006/chart" xmlns:dgm="http://schemas.openxmlformats.org/drawingml/2006/diagram" xmlns:o="urn:schemas-microsoft-com:office:office" xmlns:v="urn:schemas-microsoft-com:vml" xmlns:pvml="urn:schemas-microsoft-com:office:powerpoint" xmlns:com="http://schemas.openxmlformats.org/drawingml/2006/compatibility" xmlns:p14="http://schemas.microsoft.com/office/powerpoint/2010/main" xmlns:p15="http://schemas.microsoft.com/office/powerpoint/2012/main" xmlns:ahyp="http://schemas.microsoft.com/office/drawing/2018/hyperlinkcolor">
+  <p:cSld>
+    <p:spTree>
+      <p:nvGrpSpPr>
+        <p:cNvPr id="225" name="Shape 225"/>
+        <p:cNvGrpSpPr/>
+        <p:nvPr/>
+      </p:nvGrpSpPr>
+      <p:grpSpPr>
+        <a:xfrm>
+          <a:off x="0" y="0"/>
+          <a:ext cx="0" cy="0"/>
+          <a:chOff x="0" y="0"/>
+          <a:chExt cx="0" cy="0"/>
+        </a:xfrm>
+      </p:grpSpPr>
+      <p:sp>
+        <p:nvSpPr>
+          <p:cNvPr id="226" name="Google Shape;226;g3ba7baafcd5_0_201"/>
+          <p:cNvSpPr txBox="1"/>
+          <p:nvPr>
+            <p:ph type="title"/>
+          </p:nvPr>
+        </p:nvSpPr>
+        <p:spPr>
+          <a:xfrm>
+            <a:off x="457200" y="274638"/>
+            <a:ext cx="8229600" cy="1143000"/>
+          </a:xfrm>
+          <a:prstGeom prst="rect">
+            <a:avLst/>
+          </a:prstGeom>
+        </p:spPr>
+        <p:txBody>
+          <a:bodyPr anchorCtr="0" anchor="t" bIns="91425" lIns="91425" spcFirstLastPara="1" rIns="91425" wrap="square" tIns="91425">
+            <a:noAutofit/>
+          </a:bodyPr>
+          <a:lstStyle/>
+          <a:p>
+            <a:pPr indent="0" lvl="0" marL="0" rtl="0" algn="l">
+              <a:spcBef>
+                <a:spcPts val="0"/>
+              </a:spcBef>
+              <a:spcAft>
+                <a:spcPts val="0"/>
+              </a:spcAft>
+              <a:buNone/>
+            </a:pPr>
+            <a:r>
+              <a:rPr lang="en"/>
+              <a:t>Creating our Graph: Code</a:t>
+            </a:r>
+            <a:endParaRPr/>
+          </a:p>
+        </p:txBody>
+      </p:sp>
+      <p:pic>
+        <p:nvPicPr>
+          <p:cNvPr id="227" name="Google Shape;227;g3ba7baafcd5_0_201" title="Screenshot 2026-01-15 at 8.55.23 AM.png"/>
+          <p:cNvPicPr preferRelativeResize="0"/>
+          <p:nvPr/>
+        </p:nvPicPr>
+        <p:blipFill>
+          <a:blip r:embed="rId3">
+            <a:alphaModFix/>
+          </a:blip>
+          <a:stretch>
+            <a:fillRect/>
+          </a:stretch>
+        </p:blipFill>
+        <p:spPr>
+          <a:xfrm>
+            <a:off x="457200" y="1417638"/>
+            <a:ext cx="5957252" cy="5135562"/>
+          </a:xfrm>
+          <a:prstGeom prst="rect">
+            <a:avLst/>
+          </a:prstGeom>
+          <a:noFill/>
+          <a:ln>
+            <a:noFill/>
+          </a:ln>
+        </p:spPr>
+      </p:pic>
+    </p:spTree>
+  </p:cSld>
+  <p:clrMapOvr>
+    <a:masterClrMapping/>
+  </p:clrMapOvr>
+</p:sld>
+</file>
+
+<file path=ppt/slides/slide28.xml><?xml version="1.0" encoding="utf-8"?>
+<p:sld xmlns:a="http://schemas.openxmlformats.org/drawingml/2006/main" xmlns:r="http://schemas.openxmlformats.org/officeDocument/2006/relationships" xmlns:mc="http://schemas.openxmlformats.org/markup-compatibility/2006" xmlns:mv="urn:schemas-microsoft-com:mac:vml" xmlns:p="http://schemas.openxmlformats.org/presentationml/2006/main" xmlns:c="http://schemas.openxmlformats.org/drawingml/2006/chart" xmlns:dgm="http://schemas.openxmlformats.org/drawingml/2006/diagram" xmlns:o="urn:schemas-microsoft-com:office:office" xmlns:v="urn:schemas-microsoft-com:vml" xmlns:pvml="urn:schemas-microsoft-com:office:powerpoint" xmlns:com="http://schemas.openxmlformats.org/drawingml/2006/compatibility" xmlns:p14="http://schemas.microsoft.com/office/powerpoint/2010/main" xmlns:p15="http://schemas.microsoft.com/office/powerpoint/2012/main" xmlns:ahyp="http://schemas.microsoft.com/office/drawing/2018/hyperlinkcolor">
+  <p:cSld>
+    <p:spTree>
+      <p:nvGrpSpPr>
+        <p:cNvPr id="231" name="Shape 231"/>
+        <p:cNvGrpSpPr/>
+        <p:nvPr/>
+      </p:nvGrpSpPr>
+      <p:grpSpPr>
+        <a:xfrm>
+          <a:off x="0" y="0"/>
+          <a:ext cx="0" cy="0"/>
+          <a:chOff x="0" y="0"/>
+          <a:chExt cx="0" cy="0"/>
+        </a:xfrm>
+      </p:grpSpPr>
+      <p:sp>
+        <p:nvSpPr>
+          <p:cNvPr id="232" name="Google Shape;232;g3ba79990f52_0_21"/>
+          <p:cNvSpPr txBox="1"/>
+          <p:nvPr>
+            <p:ph type="title"/>
+          </p:nvPr>
+        </p:nvSpPr>
+        <p:spPr>
+          <a:xfrm>
+            <a:off x="457200" y="274638"/>
+            <a:ext cx="8229600" cy="1143000"/>
+          </a:xfrm>
+          <a:prstGeom prst="rect">
+            <a:avLst/>
+          </a:prstGeom>
+          <a:noFill/>
+          <a:ln>
+            <a:noFill/>
+          </a:ln>
+        </p:spPr>
+        <p:txBody>
+          <a:bodyPr anchorCtr="0" anchor="b" bIns="91425" lIns="91425" spcFirstLastPara="1" rIns="91425" wrap="square" tIns="91425">
+            <a:noAutofit/>
+          </a:bodyPr>
+          <a:lstStyle/>
+          <a:p>
+            <a:pPr indent="0" lvl="0" marL="0" rtl="0" algn="l">
+              <a:lnSpc>
+                <a:spcPct val="100000"/>
+              </a:lnSpc>
+              <a:spcBef>
+                <a:spcPts val="0"/>
+              </a:spcBef>
+              <a:spcAft>
+                <a:spcPts val="0"/>
+              </a:spcAft>
+              <a:buSzPts val="3600"/>
+              <a:buNone/>
+            </a:pPr>
+            <a:r>
+              <a:rPr lang="en"/>
+              <a:t>Google Colab</a:t>
+            </a:r>
+            <a:endParaRPr/>
+          </a:p>
+        </p:txBody>
+      </p:sp>
+      <p:sp>
+        <p:nvSpPr>
+          <p:cNvPr id="233" name="Google Shape;233;g3ba79990f52_0_21"/>
+          <p:cNvSpPr txBox="1"/>
+          <p:nvPr>
+            <p:ph idx="1" type="body"/>
+          </p:nvPr>
+        </p:nvSpPr>
+        <p:spPr>
+          <a:xfrm>
+            <a:off x="457200" y="4299850"/>
+            <a:ext cx="8229600" cy="2268000"/>
+          </a:xfrm>
+          <a:prstGeom prst="rect">
+            <a:avLst/>
+          </a:prstGeom>
+          <a:noFill/>
+          <a:ln>
+            <a:noFill/>
+          </a:ln>
+        </p:spPr>
+        <p:txBody>
+          <a:bodyPr anchorCtr="0" anchor="t" bIns="91425" lIns="91425" spcFirstLastPara="1" rIns="91425" wrap="square" tIns="91425">
+            <a:noAutofit/>
+          </a:bodyPr>
+          <a:lstStyle/>
+          <a:p>
+            <a:pPr indent="0" lvl="0" marL="0" rtl="0" algn="l">
+              <a:lnSpc>
+                <a:spcPct val="100000"/>
+              </a:lnSpc>
+              <a:spcBef>
+                <a:spcPts val="600"/>
+              </a:spcBef>
+              <a:spcAft>
+                <a:spcPts val="0"/>
+              </a:spcAft>
+              <a:buSzPts val="3000"/>
+              <a:buNone/>
+            </a:pPr>
+            <a:r>
+              <a:rPr b="1" lang="en">
+                <a:solidFill>
+                  <a:srgbClr val="002B5B"/>
+                </a:solidFill>
+              </a:rPr>
+              <a:t>Google Colab</a:t>
+            </a:r>
+            <a:r>
+              <a:rPr lang="en"/>
+              <a:t> lets you run </a:t>
+            </a:r>
+            <a:r>
+              <a:rPr b="1" lang="en">
+                <a:solidFill>
+                  <a:srgbClr val="002B5B"/>
+                </a:solidFill>
+              </a:rPr>
+              <a:t>python</a:t>
+            </a:r>
+            <a:r>
+              <a:rPr lang="en"/>
+              <a:t> code in your online and integrates with your </a:t>
+            </a:r>
+            <a:r>
+              <a:rPr b="1" lang="en">
+                <a:solidFill>
+                  <a:srgbClr val="002B5B"/>
+                </a:solidFill>
+              </a:rPr>
+              <a:t>Google Drive</a:t>
+            </a:r>
+            <a:r>
+              <a:rPr lang="en"/>
+              <a:t>! This is primarily what we’ll be using in this class.</a:t>
+            </a:r>
+            <a:endParaRPr/>
+          </a:p>
+        </p:txBody>
+      </p:sp>
+      <p:pic>
+        <p:nvPicPr>
+          <p:cNvPr id="234" name="Google Shape;234;g3ba79990f52_0_21" title="Screenshot 2026-01-15 at 9.33.56 AM.png"/>
+          <p:cNvPicPr preferRelativeResize="0"/>
+          <p:nvPr/>
+        </p:nvPicPr>
+        <p:blipFill>
+          <a:blip r:embed="rId3">
+            <a:alphaModFix/>
+          </a:blip>
+          <a:stretch>
+            <a:fillRect/>
+          </a:stretch>
+        </p:blipFill>
+        <p:spPr>
+          <a:xfrm>
+            <a:off x="457200" y="1417651"/>
+            <a:ext cx="8229601" cy="2684249"/>
+          </a:xfrm>
+          <a:prstGeom prst="rect">
+            <a:avLst/>
+          </a:prstGeom>
+          <a:noFill/>
+          <a:ln>
+            <a:noFill/>
+          </a:ln>
+        </p:spPr>
+      </p:pic>
+    </p:spTree>
+  </p:cSld>
+  <p:clrMapOvr>
+    <a:masterClrMapping/>
+  </p:clrMapOvr>
+</p:sld>
+</file>
+
+<file path=ppt/slides/slide29.xml><?xml version="1.0" encoding="utf-8"?>
+<p:sld xmlns:a="http://schemas.openxmlformats.org/drawingml/2006/main" xmlns:r="http://schemas.openxmlformats.org/officeDocument/2006/relationships" xmlns:mc="http://schemas.openxmlformats.org/markup-compatibility/2006" xmlns:mv="urn:schemas-microsoft-com:mac:vml" xmlns:p="http://schemas.openxmlformats.org/presentationml/2006/main" xmlns:c="http://schemas.openxmlformats.org/drawingml/2006/chart" xmlns:dgm="http://schemas.openxmlformats.org/drawingml/2006/diagram" xmlns:o="urn:schemas-microsoft-com:office:office" xmlns:v="urn:schemas-microsoft-com:vml" xmlns:pvml="urn:schemas-microsoft-com:office:powerpoint" xmlns:com="http://schemas.openxmlformats.org/drawingml/2006/compatibility" xmlns:p14="http://schemas.microsoft.com/office/powerpoint/2010/main" xmlns:p15="http://schemas.microsoft.com/office/powerpoint/2012/main" xmlns:ahyp="http://schemas.microsoft.com/office/drawing/2018/hyperlinkcolor">
+  <p:cSld>
+    <p:spTree>
+      <p:nvGrpSpPr>
+        <p:cNvPr id="238" name="Shape 238"/>
+        <p:cNvGrpSpPr/>
+        <p:nvPr/>
+      </p:nvGrpSpPr>
+      <p:grpSpPr>
+        <a:xfrm>
+          <a:off x="0" y="0"/>
+          <a:ext cx="0" cy="0"/>
+          <a:chOff x="0" y="0"/>
+          <a:chExt cx="0" cy="0"/>
+        </a:xfrm>
+      </p:grpSpPr>
+      <p:sp>
+        <p:nvSpPr>
+          <p:cNvPr id="239" name="Google Shape;239;g3ba79990f52_0_26"/>
+          <p:cNvSpPr txBox="1"/>
+          <p:nvPr>
+            <p:ph type="title"/>
+          </p:nvPr>
+        </p:nvSpPr>
+        <p:spPr>
+          <a:xfrm>
+            <a:off x="457200" y="274638"/>
+            <a:ext cx="8229600" cy="1143000"/>
+          </a:xfrm>
+          <a:prstGeom prst="rect">
+            <a:avLst/>
+          </a:prstGeom>
+          <a:noFill/>
+          <a:ln>
+            <a:noFill/>
+          </a:ln>
+        </p:spPr>
+        <p:txBody>
+          <a:bodyPr anchorCtr="0" anchor="b" bIns="91425" lIns="91425" spcFirstLastPara="1" rIns="91425" wrap="square" tIns="91425">
+            <a:noAutofit/>
+          </a:bodyPr>
+          <a:lstStyle/>
+          <a:p>
+            <a:pPr indent="0" lvl="0" marL="0" rtl="0" algn="l">
+              <a:lnSpc>
+                <a:spcPct val="100000"/>
+              </a:lnSpc>
+              <a:spcBef>
+                <a:spcPts val="0"/>
+              </a:spcBef>
+              <a:spcAft>
+                <a:spcPts val="0"/>
+              </a:spcAft>
+              <a:buSzPts val="3600"/>
+              <a:buNone/>
+            </a:pPr>
+            <a:r>
+              <a:rPr lang="en"/>
+              <a:t>.ipynb Files</a:t>
+            </a:r>
+            <a:endParaRPr/>
+          </a:p>
+        </p:txBody>
+      </p:sp>
+      <p:sp>
+        <p:nvSpPr>
+          <p:cNvPr id="240" name="Google Shape;240;g3ba79990f52_0_26"/>
+          <p:cNvSpPr txBox="1"/>
+          <p:nvPr>
+            <p:ph idx="1" type="body"/>
+          </p:nvPr>
+        </p:nvSpPr>
+        <p:spPr>
+          <a:xfrm>
+            <a:off x="457200" y="1600200"/>
+            <a:ext cx="8229600" cy="4967700"/>
+          </a:xfrm>
+          <a:prstGeom prst="rect">
+            <a:avLst/>
+          </a:prstGeom>
+          <a:noFill/>
+          <a:ln>
+            <a:noFill/>
+          </a:ln>
+        </p:spPr>
+        <p:txBody>
+          <a:bodyPr anchorCtr="0" anchor="t" bIns="91425" lIns="91425" spcFirstLastPara="1" rIns="91425" wrap="square" tIns="91425">
+            <a:noAutofit/>
+          </a:bodyPr>
+          <a:lstStyle/>
+          <a:p>
+            <a:pPr indent="0" lvl="0" marL="0" rtl="0" algn="l">
+              <a:lnSpc>
+                <a:spcPct val="100000"/>
+              </a:lnSpc>
+              <a:spcBef>
+                <a:spcPts val="600"/>
+              </a:spcBef>
+              <a:spcAft>
+                <a:spcPts val="0"/>
+              </a:spcAft>
+              <a:buSzPts val="3000"/>
+              <a:buNone/>
+            </a:pPr>
+            <a:r>
+              <a:rPr lang="en"/>
+              <a:t>We’re going to use a type of file called a </a:t>
+            </a:r>
+            <a:r>
+              <a:rPr b="1" lang="en">
+                <a:solidFill>
+                  <a:srgbClr val="002B5B"/>
+                </a:solidFill>
+              </a:rPr>
+              <a:t>notebook</a:t>
+            </a:r>
+            <a:endParaRPr b="1">
+              <a:solidFill>
+                <a:srgbClr val="002B5B"/>
+              </a:solidFill>
+            </a:endParaRPr>
+          </a:p>
+          <a:p>
+            <a:pPr indent="0" lvl="0" marL="0" rtl="0" algn="l">
+              <a:lnSpc>
+                <a:spcPct val="100000"/>
+              </a:lnSpc>
+              <a:spcBef>
+                <a:spcPts val="600"/>
+              </a:spcBef>
+              <a:spcAft>
+                <a:spcPts val="0"/>
+              </a:spcAft>
+              <a:buSzPts val="3000"/>
+              <a:buNone/>
+            </a:pPr>
+            <a:r>
+              <a:t/>
+            </a:r>
+            <a:endParaRPr b="1">
+              <a:solidFill>
+                <a:srgbClr val="002B5B"/>
+              </a:solidFill>
+            </a:endParaRPr>
+          </a:p>
+          <a:p>
+            <a:pPr indent="0" lvl="0" marL="0" rtl="0" algn="l">
+              <a:lnSpc>
+                <a:spcPct val="100000"/>
+              </a:lnSpc>
+              <a:spcBef>
+                <a:spcPts val="600"/>
+              </a:spcBef>
+              <a:spcAft>
+                <a:spcPts val="0"/>
+              </a:spcAft>
+              <a:buSzPts val="3000"/>
+              <a:buNone/>
+            </a:pPr>
+            <a:r>
+              <a:t/>
+            </a:r>
+            <a:endParaRPr/>
+          </a:p>
+          <a:p>
+            <a:pPr indent="0" lvl="0" marL="0" rtl="0" algn="l">
+              <a:lnSpc>
+                <a:spcPct val="100000"/>
+              </a:lnSpc>
+              <a:spcBef>
+                <a:spcPts val="600"/>
+              </a:spcBef>
+              <a:spcAft>
+                <a:spcPts val="0"/>
+              </a:spcAft>
+              <a:buSzPts val="3000"/>
+              <a:buNone/>
+            </a:pPr>
+            <a:r>
+              <a:t/>
+            </a:r>
+            <a:endParaRPr/>
+          </a:p>
+          <a:p>
+            <a:pPr indent="0" lvl="0" marL="0" rtl="0" algn="l">
+              <a:lnSpc>
+                <a:spcPct val="100000"/>
+              </a:lnSpc>
+              <a:spcBef>
+                <a:spcPts val="600"/>
+              </a:spcBef>
+              <a:spcAft>
+                <a:spcPts val="0"/>
+              </a:spcAft>
+              <a:buSzPts val="3000"/>
+              <a:buNone/>
+            </a:pPr>
+            <a:r>
+              <a:t/>
+            </a:r>
+            <a:endParaRPr/>
+          </a:p>
+          <a:p>
+            <a:pPr indent="0" lvl="0" marL="0" rtl="0" algn="l">
+              <a:lnSpc>
+                <a:spcPct val="100000"/>
+              </a:lnSpc>
+              <a:spcBef>
+                <a:spcPts val="600"/>
+              </a:spcBef>
+              <a:spcAft>
+                <a:spcPts val="0"/>
+              </a:spcAft>
+              <a:buSzPts val="3000"/>
+              <a:buNone/>
+            </a:pPr>
+            <a:r>
+              <a:rPr lang="en"/>
+              <a:t>These let you put text and code alongside each other and can display graphs from your code right away. Most data scientists and AI researchers use notebooks every day.</a:t>
+            </a:r>
+            <a:endParaRPr/>
+          </a:p>
+        </p:txBody>
+      </p:sp>
+      <p:pic>
+        <p:nvPicPr>
+          <p:cNvPr id="241" name="Google Shape;241;g3ba79990f52_0_26" title="Screenshot 2026-01-15 at 9.37.04 AM.png"/>
+          <p:cNvPicPr preferRelativeResize="0"/>
+          <p:nvPr/>
+        </p:nvPicPr>
+        <p:blipFill>
+          <a:blip r:embed="rId3">
+            <a:alphaModFix/>
+          </a:blip>
+          <a:stretch>
+            <a:fillRect/>
+          </a:stretch>
+        </p:blipFill>
+        <p:spPr>
+          <a:xfrm>
+            <a:off x="2616650" y="2462900"/>
+            <a:ext cx="3624775" cy="2227475"/>
           </a:xfrm>
           <a:prstGeom prst="rect">
             <a:avLst/>
@@ -6593,7 +13266,7 @@
   <p:cSld>
     <p:spTree>
       <p:nvGrpSpPr>
-        <p:cNvPr id="44" name="Shape 44"/>
+        <p:cNvPr id="45" name="Shape 45"/>
         <p:cNvGrpSpPr/>
         <p:nvPr/>
       </p:nvGrpSpPr>
@@ -6607,7 +13280,7 @@
       </p:grpSpPr>
       <p:sp>
         <p:nvSpPr>
-          <p:cNvPr id="45" name="Google Shape;45;p3"/>
+          <p:cNvPr id="46" name="Google Shape;46;g3ba79990f52_0_5"/>
           <p:cNvSpPr txBox="1"/>
           <p:nvPr>
             <p:ph type="title"/>
@@ -6627,7 +13300,7 @@
           </a:ln>
         </p:spPr>
         <p:txBody>
-          <a:bodyPr anchorCtr="0" anchor="ctr" bIns="91425" lIns="91425" spcFirstLastPara="1" rIns="91425" wrap="square" tIns="91425">
+          <a:bodyPr anchorCtr="0" anchor="b" bIns="91425" lIns="91425" spcFirstLastPara="1" rIns="91425" wrap="square" tIns="91425">
             <a:noAutofit/>
           </a:bodyPr>
           <a:lstStyle/>
@@ -6647,28 +13320,29 @@
             </a:pPr>
             <a:r>
               <a:rPr lang="en"/>
-              <a:t>Markov Chains</a:t>
-            </a:r>
-            <a:endParaRPr i="1">
-              <a:solidFill>
-                <a:srgbClr val="DCB439"/>
-              </a:solidFill>
-            </a:endParaRPr>
+              <a:t>Last Class</a:t>
+            </a:r>
+            <a:endParaRPr/>
           </a:p>
         </p:txBody>
       </p:sp>
-      <p:sp>
-        <p:nvSpPr>
-          <p:cNvPr id="46" name="Google Shape;46;p3"/>
-          <p:cNvSpPr txBox="1"/>
-          <p:nvPr>
-            <p:ph idx="1" type="body"/>
-          </p:nvPr>
-        </p:nvSpPr>
-        <p:spPr>
-          <a:xfrm>
-            <a:off x="457200" y="1600200"/>
-            <a:ext cx="8229600" cy="4967700"/>
+      <p:pic>
+        <p:nvPicPr>
+          <p:cNvPr id="47" name="Google Shape;47;g3ba79990f52_0_5"/>
+          <p:cNvPicPr preferRelativeResize="0"/>
+          <p:nvPr/>
+        </p:nvPicPr>
+        <p:blipFill rotWithShape="1">
+          <a:blip r:embed="rId3">
+            <a:alphaModFix/>
+          </a:blip>
+          <a:srcRect b="0" l="0" r="0" t="0"/>
+          <a:stretch/>
+        </p:blipFill>
+        <p:spPr>
+          <a:xfrm>
+            <a:off x="519113" y="2286000"/>
+            <a:ext cx="8105775" cy="2286000"/>
           </a:xfrm>
           <a:prstGeom prst="rect">
             <a:avLst/>
@@ -6678,13 +13352,158 @@
             <a:noFill/>
           </a:ln>
         </p:spPr>
+      </p:pic>
+      <p:sp>
+        <p:nvSpPr>
+          <p:cNvPr id="48" name="Google Shape;48;g3ba79990f52_0_5"/>
+          <p:cNvSpPr txBox="1"/>
+          <p:nvPr/>
+        </p:nvSpPr>
+        <p:spPr>
+          <a:xfrm>
+            <a:off x="793750" y="5254625"/>
+            <a:ext cx="7746900" cy="1143000"/>
+          </a:xfrm>
+          <a:prstGeom prst="rect">
+            <a:avLst/>
+          </a:prstGeom>
+          <a:noFill/>
+          <a:ln>
+            <a:noFill/>
+          </a:ln>
+        </p:spPr>
         <p:txBody>
           <a:bodyPr anchorCtr="0" anchor="t" bIns="91425" lIns="91425" spcFirstLastPara="1" rIns="91425" wrap="square" tIns="91425">
             <a:noAutofit/>
           </a:bodyPr>
           <a:lstStyle/>
           <a:p>
-            <a:pPr indent="-419100" lvl="0" marL="457200" rtl="0" algn="l">
+            <a:pPr indent="0" lvl="0" marL="0" rtl="0" algn="ctr">
+              <a:spcBef>
+                <a:spcPts val="0"/>
+              </a:spcBef>
+              <a:spcAft>
+                <a:spcPts val="0"/>
+              </a:spcAft>
+              <a:buNone/>
+            </a:pPr>
+            <a:r>
+              <a:rPr b="1" lang="en" sz="3600">
+                <a:solidFill>
+                  <a:srgbClr val="002B5B"/>
+                </a:solidFill>
+              </a:rPr>
+              <a:t>Markov Babbler</a:t>
+            </a:r>
+            <a:endParaRPr b="1" sz="3600">
+              <a:solidFill>
+                <a:srgbClr val="002B5B"/>
+              </a:solidFill>
+            </a:endParaRPr>
+          </a:p>
+        </p:txBody>
+      </p:sp>
+    </p:spTree>
+  </p:cSld>
+  <p:clrMapOvr>
+    <a:masterClrMapping/>
+  </p:clrMapOvr>
+</p:sld>
+</file>
+
+<file path=ppt/slides/slide30.xml><?xml version="1.0" encoding="utf-8"?>
+<p:sld xmlns:a="http://schemas.openxmlformats.org/drawingml/2006/main" xmlns:r="http://schemas.openxmlformats.org/officeDocument/2006/relationships" xmlns:mc="http://schemas.openxmlformats.org/markup-compatibility/2006" xmlns:mv="urn:schemas-microsoft-com:mac:vml" xmlns:p="http://schemas.openxmlformats.org/presentationml/2006/main" xmlns:c="http://schemas.openxmlformats.org/drawingml/2006/chart" xmlns:dgm="http://schemas.openxmlformats.org/drawingml/2006/diagram" xmlns:o="urn:schemas-microsoft-com:office:office" xmlns:v="urn:schemas-microsoft-com:vml" xmlns:pvml="urn:schemas-microsoft-com:office:powerpoint" xmlns:com="http://schemas.openxmlformats.org/drawingml/2006/compatibility" xmlns:p14="http://schemas.microsoft.com/office/powerpoint/2010/main" xmlns:p15="http://schemas.microsoft.com/office/powerpoint/2012/main" xmlns:ahyp="http://schemas.microsoft.com/office/drawing/2018/hyperlinkcolor">
+  <p:cSld>
+    <p:spTree>
+      <p:nvGrpSpPr>
+        <p:cNvPr id="245" name="Shape 245"/>
+        <p:cNvGrpSpPr/>
+        <p:nvPr/>
+      </p:nvGrpSpPr>
+      <p:grpSpPr>
+        <a:xfrm>
+          <a:off x="0" y="0"/>
+          <a:ext cx="0" cy="0"/>
+          <a:chOff x="0" y="0"/>
+          <a:chExt cx="0" cy="0"/>
+        </a:xfrm>
+      </p:grpSpPr>
+      <p:sp>
+        <p:nvSpPr>
+          <p:cNvPr id="246" name="Google Shape;246;g3ba79990f52_0_31"/>
+          <p:cNvSpPr txBox="1"/>
+          <p:nvPr>
+            <p:ph type="title"/>
+          </p:nvPr>
+        </p:nvSpPr>
+        <p:spPr>
+          <a:xfrm>
+            <a:off x="457200" y="274638"/>
+            <a:ext cx="8229600" cy="1143000"/>
+          </a:xfrm>
+          <a:prstGeom prst="rect">
+            <a:avLst/>
+          </a:prstGeom>
+          <a:noFill/>
+          <a:ln>
+            <a:noFill/>
+          </a:ln>
+        </p:spPr>
+        <p:txBody>
+          <a:bodyPr anchorCtr="0" anchor="b" bIns="91425" lIns="91425" spcFirstLastPara="1" rIns="91425" wrap="square" tIns="91425">
+            <a:noAutofit/>
+          </a:bodyPr>
+          <a:lstStyle/>
+          <a:p>
+            <a:pPr indent="0" lvl="0" marL="0" rtl="0" algn="l">
+              <a:lnSpc>
+                <a:spcPct val="100000"/>
+              </a:lnSpc>
+              <a:spcBef>
+                <a:spcPts val="0"/>
+              </a:spcBef>
+              <a:spcAft>
+                <a:spcPts val="0"/>
+              </a:spcAft>
+              <a:buSzPts val="3600"/>
+              <a:buNone/>
+            </a:pPr>
+            <a:r>
+              <a:rPr lang="en"/>
+              <a:t>Our First Notebook</a:t>
+            </a:r>
+            <a:endParaRPr/>
+          </a:p>
+        </p:txBody>
+      </p:sp>
+      <p:sp>
+        <p:nvSpPr>
+          <p:cNvPr id="247" name="Google Shape;247;g3ba79990f52_0_31"/>
+          <p:cNvSpPr txBox="1"/>
+          <p:nvPr>
+            <p:ph idx="1" type="body"/>
+          </p:nvPr>
+        </p:nvSpPr>
+        <p:spPr>
+          <a:xfrm>
+            <a:off x="457200" y="1600200"/>
+            <a:ext cx="8229600" cy="4967700"/>
+          </a:xfrm>
+          <a:prstGeom prst="rect">
+            <a:avLst/>
+          </a:prstGeom>
+          <a:noFill/>
+          <a:ln>
+            <a:noFill/>
+          </a:ln>
+        </p:spPr>
+        <p:txBody>
+          <a:bodyPr anchorCtr="0" anchor="t" bIns="91425" lIns="91425" spcFirstLastPara="1" rIns="91425" wrap="square" tIns="91425">
+            <a:noAutofit/>
+          </a:bodyPr>
+          <a:lstStyle/>
+          <a:p>
+            <a:pPr indent="0" lvl="0" marL="0" rtl="0" algn="l">
               <a:lnSpc>
                 <a:spcPct val="100000"/>
               </a:lnSpc>
@@ -6695,103 +13514,71 @@
                 <a:spcPts val="0"/>
               </a:spcAft>
               <a:buSzPts val="3000"/>
-              <a:buAutoNum type="arabicPeriod"/>
+              <a:buNone/>
             </a:pPr>
             <a:r>
               <a:rPr lang="en"/>
-              <a:t>What is your </a:t>
-            </a:r>
-            <a:r>
-              <a:rPr b="1" lang="en">
-                <a:solidFill>
-                  <a:srgbClr val="465510"/>
-                </a:solidFill>
+              <a:t>Let's</a:t>
+            </a:r>
+            <a:r>
+              <a:rPr lang="en"/>
+              <a:t> open our notebook for today’s lecture and get started!</a:t>
+            </a:r>
+            <a:endParaRPr/>
+          </a:p>
+          <a:p>
+            <a:pPr indent="0" lvl="0" marL="0" rtl="0" algn="l">
+              <a:lnSpc>
+                <a:spcPct val="100000"/>
+              </a:lnSpc>
+              <a:spcBef>
+                <a:spcPts val="600"/>
+              </a:spcBef>
+              <a:spcAft>
+                <a:spcPts val="0"/>
+              </a:spcAft>
+              <a:buSzPts val="3000"/>
+              <a:buNone/>
+            </a:pPr>
+            <a:r>
+              <a:t/>
+            </a:r>
+            <a:endParaRPr/>
+          </a:p>
+          <a:p>
+            <a:pPr indent="0" lvl="0" marL="0" rtl="0" algn="ctr">
+              <a:lnSpc>
+                <a:spcPct val="100000"/>
+              </a:lnSpc>
+              <a:spcBef>
+                <a:spcPts val="600"/>
+              </a:spcBef>
+              <a:spcAft>
+                <a:spcPts val="0"/>
+              </a:spcAft>
+              <a:buSzPts val="3000"/>
+              <a:buNone/>
+            </a:pPr>
+            <a:r>
+              <a:rPr b="1" lang="en" sz="3600" u="sng">
+                <a:solidFill>
+                  <a:srgbClr val="DCB439"/>
+                </a:solidFill>
+                <a:hlinkClick r:id="rId3">
+                  <a:extLst>
+                    <a:ext uri="{A12FA001-AC4F-418D-AE19-62706E023703}">
+                      <ahyp:hlinkClr val="tx"/>
+                    </a:ext>
+                  </a:extLst>
+                </a:hlinkClick>
               </a:rPr>
-              <a:t>name</a:t>
-            </a:r>
-            <a:r>
-              <a:rPr lang="en"/>
-              <a:t>?</a:t>
-            </a:r>
-            <a:br>
-              <a:rPr lang="en"/>
-            </a:br>
-            <a:endParaRPr/>
-          </a:p>
-          <a:p>
-            <a:pPr indent="-419100" lvl="0" marL="457200" rtl="0" algn="l">
-              <a:lnSpc>
-                <a:spcPct val="100000"/>
-              </a:lnSpc>
-              <a:spcBef>
-                <a:spcPts val="0"/>
-              </a:spcBef>
-              <a:spcAft>
-                <a:spcPts val="0"/>
-              </a:spcAft>
-              <a:buSzPts val="3000"/>
-              <a:buAutoNum type="arabicPeriod"/>
-            </a:pPr>
-            <a:r>
-              <a:rPr lang="en"/>
-              <a:t>What is your favorite</a:t>
-            </a:r>
-            <a:r>
-              <a:rPr lang="en">
-                <a:solidFill>
-                  <a:srgbClr val="465510"/>
-                </a:solidFill>
-              </a:rPr>
-              <a:t> </a:t>
-            </a:r>
-            <a:r>
-              <a:rPr b="1" lang="en">
-                <a:solidFill>
-                  <a:srgbClr val="465510"/>
-                </a:solidFill>
-              </a:rPr>
-              <a:t>AI tool</a:t>
-            </a:r>
-            <a:r>
-              <a:rPr lang="en"/>
-              <a:t>?</a:t>
-            </a:r>
-            <a:br>
-              <a:rPr lang="en"/>
-            </a:br>
-            <a:endParaRPr/>
-          </a:p>
-          <a:p>
-            <a:pPr indent="-419100" lvl="0" marL="457200" rtl="0" algn="l">
-              <a:lnSpc>
-                <a:spcPct val="100000"/>
-              </a:lnSpc>
-              <a:spcBef>
-                <a:spcPts val="0"/>
-              </a:spcBef>
-              <a:spcAft>
-                <a:spcPts val="0"/>
-              </a:spcAft>
-              <a:buSzPts val="3000"/>
-              <a:buAutoNum type="arabicPeriod"/>
-            </a:pPr>
-            <a:r>
-              <a:rPr lang="en"/>
-              <a:t>What are you most excited to </a:t>
-            </a:r>
-            <a:r>
-              <a:rPr b="1" lang="en">
-                <a:solidFill>
-                  <a:srgbClr val="465510"/>
-                </a:solidFill>
-              </a:rPr>
-              <a:t>learn</a:t>
-            </a:r>
-            <a:r>
-              <a:rPr lang="en"/>
-              <a:t> in this class?</a:t>
-            </a:r>
-            <a:endParaRPr/>
+              <a:t>Notebook</a:t>
+            </a:r>
+            <a:endParaRPr b="1" sz="3600">
+              <a:solidFill>
+                <a:srgbClr val="DCB439"/>
+              </a:solidFill>
+            </a:endParaRPr>
           </a:p>
         </p:txBody>
       </p:sp>
@@ -6808,7 +13595,7 @@
   <p:cSld>
     <p:spTree>
       <p:nvGrpSpPr>
-        <p:cNvPr id="50" name="Shape 50"/>
+        <p:cNvPr id="52" name="Shape 52"/>
         <p:cNvGrpSpPr/>
         <p:nvPr/>
       </p:nvGrpSpPr>
@@ -6822,7 +13609,7 @@
       </p:grpSpPr>
       <p:sp>
         <p:nvSpPr>
-          <p:cNvPr id="51" name="Google Shape;51;g3ba79990f52_0_11"/>
+          <p:cNvPr id="53" name="Google Shape;53;g3ba7baafcd5_0_144"/>
           <p:cNvSpPr txBox="1"/>
           <p:nvPr>
             <p:ph type="title"/>
@@ -6836,6 +13623,10 @@
           <a:prstGeom prst="rect">
             <a:avLst/>
           </a:prstGeom>
+          <a:noFill/>
+          <a:ln>
+            <a:noFill/>
+          </a:ln>
         </p:spPr>
         <p:txBody>
           <a:bodyPr anchorCtr="0" anchor="b" bIns="91425" lIns="91425" spcFirstLastPara="1" rIns="91425" wrap="square" tIns="91425">
@@ -6844,25 +13635,37 @@
           <a:lstStyle/>
           <a:p>
             <a:pPr indent="0" lvl="0" marL="0" rtl="0" algn="l">
-              <a:spcBef>
-                <a:spcPts val="0"/>
-              </a:spcBef>
-              <a:spcAft>
-                <a:spcPts val="0"/>
-              </a:spcAft>
-              <a:buNone/>
-            </a:pPr>
-            <a:r>
-              <a:rPr lang="en"/>
-              <a:t>Markov Babbler</a:t>
-            </a:r>
-            <a:endParaRPr/>
+              <a:lnSpc>
+                <a:spcPct val="100000"/>
+              </a:lnSpc>
+              <a:spcBef>
+                <a:spcPts val="0"/>
+              </a:spcBef>
+              <a:spcAft>
+                <a:spcPts val="0"/>
+              </a:spcAft>
+              <a:buSzPts val="3600"/>
+              <a:buNone/>
+            </a:pPr>
+            <a:r>
+              <a:rPr lang="en">
+                <a:solidFill>
+                  <a:srgbClr val="002B5B"/>
+                </a:solidFill>
+              </a:rPr>
+              <a:t>Introduction to Markov Processes</a:t>
+            </a:r>
+            <a:endParaRPr>
+              <a:solidFill>
+                <a:srgbClr val="002B5B"/>
+              </a:solidFill>
+            </a:endParaRPr>
           </a:p>
         </p:txBody>
       </p:sp>
       <p:sp>
         <p:nvSpPr>
-          <p:cNvPr id="52" name="Google Shape;52;g3ba79990f52_0_11"/>
+          <p:cNvPr id="54" name="Google Shape;54;g3ba7baafcd5_0_144"/>
           <p:cNvSpPr txBox="1"/>
           <p:nvPr>
             <p:ph idx="1" type="body"/>
@@ -6876,6 +13679,10 @@
           <a:prstGeom prst="rect">
             <a:avLst/>
           </a:prstGeom>
+          <a:noFill/>
+          <a:ln>
+            <a:noFill/>
+          </a:ln>
         </p:spPr>
         <p:txBody>
           <a:bodyPr anchorCtr="0" anchor="t" bIns="91425" lIns="91425" spcFirstLastPara="1" rIns="91425" wrap="square" tIns="91425">
@@ -6884,21 +13691,154 @@
           <a:lstStyle/>
           <a:p>
             <a:pPr indent="0" lvl="0" marL="0" rtl="0" algn="l">
+              <a:lnSpc>
+                <a:spcPct val="100000"/>
+              </a:lnSpc>
               <a:spcBef>
                 <a:spcPts val="600"/>
               </a:spcBef>
               <a:spcAft>
                 <a:spcPts val="0"/>
               </a:spcAft>
+              <a:buSzPts val="3000"/>
+              <a:buNone/>
+            </a:pPr>
+            <a:r>
+              <a:rPr lang="en"/>
+              <a:t>A systematic method for </a:t>
+            </a:r>
+            <a:r>
+              <a:rPr b="1" lang="en">
+                <a:solidFill>
+                  <a:srgbClr val="002B5B"/>
+                </a:solidFill>
+              </a:rPr>
+              <a:t>generating a sequence of random variables</a:t>
+            </a:r>
+            <a:r>
+              <a:rPr lang="en"/>
+              <a:t> where the current value is probabilistically dependent on the value of the prior variable </a:t>
+            </a:r>
+            <a:endParaRPr/>
+          </a:p>
+          <a:p>
+            <a:pPr indent="0" lvl="0" marL="0" rtl="0" algn="l">
+              <a:lnSpc>
+                <a:spcPct val="100000"/>
+              </a:lnSpc>
+              <a:spcBef>
+                <a:spcPts val="600"/>
+              </a:spcBef>
+              <a:spcAft>
+                <a:spcPts val="0"/>
+              </a:spcAft>
+              <a:buSzPts val="3000"/>
               <a:buNone/>
             </a:pPr>
             <a:r>
               <a:t/>
+            </a:r>
+            <a:endParaRPr/>
+          </a:p>
+          <a:p>
+            <a:pPr indent="0" lvl="0" marL="0" rtl="0" algn="l">
+              <a:lnSpc>
+                <a:spcPct val="100000"/>
+              </a:lnSpc>
+              <a:spcBef>
+                <a:spcPts val="600"/>
+              </a:spcBef>
+              <a:spcAft>
+                <a:spcPts val="0"/>
+              </a:spcAft>
+              <a:buSzPts val="3000"/>
+              <a:buNone/>
+            </a:pPr>
+            <a:r>
+              <a:t/>
+            </a:r>
+            <a:endParaRPr/>
+          </a:p>
+          <a:p>
+            <a:pPr indent="0" lvl="0" marL="0" rtl="0" algn="l">
+              <a:lnSpc>
+                <a:spcPct val="100000"/>
+              </a:lnSpc>
+              <a:spcBef>
+                <a:spcPts val="600"/>
+              </a:spcBef>
+              <a:spcAft>
+                <a:spcPts val="0"/>
+              </a:spcAft>
+              <a:buSzPts val="3000"/>
+              <a:buNone/>
+            </a:pPr>
+            <a:r>
+              <a:t/>
+            </a:r>
+            <a:endParaRPr/>
+          </a:p>
+          <a:p>
+            <a:pPr indent="0" lvl="0" marL="0" rtl="0" algn="l">
+              <a:lnSpc>
+                <a:spcPct val="100000"/>
+              </a:lnSpc>
+              <a:spcBef>
+                <a:spcPts val="600"/>
+              </a:spcBef>
+              <a:spcAft>
+                <a:spcPts val="0"/>
+              </a:spcAft>
+              <a:buSzPts val="3000"/>
+              <a:buNone/>
+            </a:pPr>
+            <a:r>
+              <a:rPr lang="en"/>
+              <a:t>Specifically, </a:t>
+            </a:r>
+            <a:r>
+              <a:rPr b="1" lang="en">
+                <a:solidFill>
+                  <a:srgbClr val="DCB439"/>
+                </a:solidFill>
+              </a:rPr>
+              <a:t>selecting the next variable is dependent upon</a:t>
+            </a:r>
+            <a:r>
+              <a:rPr lang="en"/>
+              <a:t> _______________________</a:t>
             </a:r>
             <a:endParaRPr/>
           </a:p>
         </p:txBody>
       </p:sp>
+      <p:pic>
+        <p:nvPicPr>
+          <p:cNvPr id="55" name="Google Shape;55;g3ba7baafcd5_0_144"/>
+          <p:cNvPicPr preferRelativeResize="0"/>
+          <p:nvPr/>
+        </p:nvPicPr>
+        <p:blipFill rotWithShape="1">
+          <a:blip r:embed="rId3">
+            <a:alphaModFix/>
+          </a:blip>
+          <a:srcRect b="38978" l="0" r="0" t="39794"/>
+          <a:stretch/>
+        </p:blipFill>
+        <p:spPr>
+          <a:xfrm>
+            <a:off x="1143000" y="4320050"/>
+            <a:ext cx="6858000" cy="727800"/>
+          </a:xfrm>
+          <a:prstGeom prst="rect">
+            <a:avLst/>
+          </a:prstGeom>
+          <a:noFill/>
+          <a:ln>
+            <a:noFill/>
+          </a:ln>
+        </p:spPr>
+      </p:pic>
     </p:spTree>
   </p:cSld>
   <p:clrMapOvr>
@@ -6912,7 +13852,7 @@
   <p:cSld>
     <p:spTree>
       <p:nvGrpSpPr>
-        <p:cNvPr id="56" name="Shape 56"/>
+        <p:cNvPr id="59" name="Shape 59"/>
         <p:cNvGrpSpPr/>
         <p:nvPr/>
       </p:nvGrpSpPr>
@@ -6926,7 +13866,7 @@
       </p:grpSpPr>
       <p:sp>
         <p:nvSpPr>
-          <p:cNvPr id="57" name="Google Shape;57;g3ba79990f52_0_16"/>
+          <p:cNvPr id="60" name="Google Shape;60;g3ba7baafcd5_0_151"/>
           <p:cNvSpPr txBox="1"/>
           <p:nvPr>
             <p:ph type="title"/>
@@ -6940,6 +13880,10 @@
           <a:prstGeom prst="rect">
             <a:avLst/>
           </a:prstGeom>
+          <a:noFill/>
+          <a:ln>
+            <a:noFill/>
+          </a:ln>
         </p:spPr>
         <p:txBody>
           <a:bodyPr anchorCtr="0" anchor="b" bIns="91425" lIns="91425" spcFirstLastPara="1" rIns="91425" wrap="square" tIns="91425">
@@ -6948,25 +13892,37 @@
           <a:lstStyle/>
           <a:p>
             <a:pPr indent="0" lvl="0" marL="0" rtl="0" algn="l">
-              <a:spcBef>
-                <a:spcPts val="0"/>
-              </a:spcBef>
-              <a:spcAft>
-                <a:spcPts val="0"/>
-              </a:spcAft>
-              <a:buNone/>
-            </a:pPr>
-            <a:r>
-              <a:rPr lang="en"/>
-              <a:t>Programming Python</a:t>
-            </a:r>
-            <a:endParaRPr/>
+              <a:lnSpc>
+                <a:spcPct val="100000"/>
+              </a:lnSpc>
+              <a:spcBef>
+                <a:spcPts val="0"/>
+              </a:spcBef>
+              <a:spcAft>
+                <a:spcPts val="0"/>
+              </a:spcAft>
+              <a:buSzPts val="3600"/>
+              <a:buNone/>
+            </a:pPr>
+            <a:r>
+              <a:rPr lang="en">
+                <a:solidFill>
+                  <a:srgbClr val="002B5B"/>
+                </a:solidFill>
+              </a:rPr>
+              <a:t>Markovian Terms</a:t>
+            </a:r>
+            <a:endParaRPr>
+              <a:solidFill>
+                <a:srgbClr val="002B5B"/>
+              </a:solidFill>
+            </a:endParaRPr>
           </a:p>
         </p:txBody>
       </p:sp>
       <p:sp>
         <p:nvSpPr>
-          <p:cNvPr id="58" name="Google Shape;58;g3ba79990f52_0_16"/>
+          <p:cNvPr id="61" name="Google Shape;61;g3ba7baafcd5_0_151"/>
           <p:cNvSpPr txBox="1"/>
           <p:nvPr>
             <p:ph idx="1" type="body"/>
@@ -6980,6 +13936,10 @@
           <a:prstGeom prst="rect">
             <a:avLst/>
           </a:prstGeom>
+          <a:noFill/>
+          <a:ln>
+            <a:noFill/>
+          </a:ln>
         </p:spPr>
         <p:txBody>
           <a:bodyPr anchorCtr="0" anchor="t" bIns="91425" lIns="91425" spcFirstLastPara="1" rIns="91425" wrap="square" tIns="91425">
@@ -6988,18 +13948,150 @@
           <a:lstStyle/>
           <a:p>
             <a:pPr indent="0" lvl="0" marL="0" rtl="0" algn="l">
+              <a:lnSpc>
+                <a:spcPct val="100000"/>
+              </a:lnSpc>
               <a:spcBef>
                 <a:spcPts val="600"/>
               </a:spcBef>
               <a:spcAft>
                 <a:spcPts val="0"/>
               </a:spcAft>
+              <a:buSzPts val="3000"/>
+              <a:buNone/>
+            </a:pPr>
+            <a:r>
+              <a:rPr lang="en"/>
+              <a:t>The </a:t>
+            </a:r>
+            <a:r>
+              <a:rPr b="1" lang="en">
+                <a:solidFill>
+                  <a:srgbClr val="002B5B"/>
+                </a:solidFill>
+              </a:rPr>
+              <a:t>changes of state</a:t>
+            </a:r>
+            <a:r>
+              <a:rPr lang="en"/>
+              <a:t> of the system are called ____________ and the probabilities associated are called _______________________</a:t>
+            </a:r>
+            <a:endParaRPr/>
+          </a:p>
+          <a:p>
+            <a:pPr indent="0" lvl="0" marL="0" rtl="0" algn="l">
+              <a:lnSpc>
+                <a:spcPct val="100000"/>
+              </a:lnSpc>
+              <a:spcBef>
+                <a:spcPts val="600"/>
+              </a:spcBef>
+              <a:spcAft>
+                <a:spcPts val="0"/>
+              </a:spcAft>
+              <a:buSzPts val="3000"/>
               <a:buNone/>
             </a:pPr>
             <a:r>
               <a:t/>
             </a:r>
             <a:endParaRPr/>
+          </a:p>
+          <a:p>
+            <a:pPr indent="0" lvl="0" marL="0" rtl="0" algn="l">
+              <a:lnSpc>
+                <a:spcPct val="100000"/>
+              </a:lnSpc>
+              <a:spcBef>
+                <a:spcPts val="600"/>
+              </a:spcBef>
+              <a:spcAft>
+                <a:spcPts val="0"/>
+              </a:spcAft>
+              <a:buSzPts val="3000"/>
+              <a:buNone/>
+            </a:pPr>
+            <a:r>
+              <a:rPr lang="en"/>
+              <a:t>The </a:t>
+            </a:r>
+            <a:r>
+              <a:rPr b="1" lang="en">
+                <a:solidFill>
+                  <a:srgbClr val="002B5B"/>
+                </a:solidFill>
+              </a:rPr>
+              <a:t>process is characterized by</a:t>
+            </a:r>
+            <a:r>
+              <a:rPr lang="en"/>
+              <a:t>:</a:t>
+            </a:r>
+            <a:endParaRPr/>
+          </a:p>
+          <a:p>
+            <a:pPr indent="-419100" lvl="0" marL="457200" rtl="0" algn="l">
+              <a:lnSpc>
+                <a:spcPct val="100000"/>
+              </a:lnSpc>
+              <a:spcBef>
+                <a:spcPts val="600"/>
+              </a:spcBef>
+              <a:spcAft>
+                <a:spcPts val="0"/>
+              </a:spcAft>
+              <a:buSzPts val="3000"/>
+              <a:buAutoNum type="arabicPeriod"/>
+            </a:pPr>
+            <a:r>
+              <a:rPr lang="en"/>
+              <a:t>_____________________</a:t>
+            </a:r>
+            <a:r>
+              <a:rPr lang="en" u="sng"/>
+              <a:t> </a:t>
+            </a:r>
+            <a:endParaRPr u="sng"/>
+          </a:p>
+          <a:p>
+            <a:pPr indent="-419100" lvl="0" marL="457200" rtl="0" algn="l">
+              <a:lnSpc>
+                <a:spcPct val="100000"/>
+              </a:lnSpc>
+              <a:spcBef>
+                <a:spcPts val="1000"/>
+              </a:spcBef>
+              <a:spcAft>
+                <a:spcPts val="0"/>
+              </a:spcAft>
+              <a:buSzPts val="3000"/>
+              <a:buAutoNum type="arabicPeriod"/>
+            </a:pPr>
+            <a:r>
+              <a:rPr lang="en"/>
+              <a:t>_____________________</a:t>
+            </a:r>
+            <a:endParaRPr u="sng"/>
+          </a:p>
+          <a:p>
+            <a:pPr indent="-419100" lvl="0" marL="457200" rtl="0" algn="l">
+              <a:lnSpc>
+                <a:spcPct val="100000"/>
+              </a:lnSpc>
+              <a:spcBef>
+                <a:spcPts val="1000"/>
+              </a:spcBef>
+              <a:spcAft>
+                <a:spcPts val="1000"/>
+              </a:spcAft>
+              <a:buSzPts val="3000"/>
+              <a:buAutoNum type="arabicPeriod"/>
+            </a:pPr>
+            <a:r>
+              <a:rPr lang="en"/>
+              <a:t>_____________________</a:t>
+            </a:r>
+            <a:endParaRPr u="sng"/>
           </a:p>
         </p:txBody>
       </p:sp>
@@ -7016,7 +14108,7 @@
   <p:cSld>
     <p:spTree>
       <p:nvGrpSpPr>
-        <p:cNvPr id="62" name="Shape 62"/>
+        <p:cNvPr id="65" name="Shape 65"/>
         <p:cNvGrpSpPr/>
         <p:nvPr/>
       </p:nvGrpSpPr>
@@ -7030,7 +14122,7 @@
       </p:grpSpPr>
       <p:sp>
         <p:nvSpPr>
-          <p:cNvPr id="63" name="Google Shape;63;g3ba79990f52_0_21"/>
+          <p:cNvPr id="66" name="Google Shape;66;g3ba7baafcd5_0_157"/>
           <p:cNvSpPr txBox="1"/>
           <p:nvPr>
             <p:ph type="title"/>
@@ -7044,33 +14136,45 @@
           <a:prstGeom prst="rect">
             <a:avLst/>
           </a:prstGeom>
+          <a:noFill/>
+          <a:ln>
+            <a:noFill/>
+          </a:ln>
         </p:spPr>
         <p:txBody>
-          <a:bodyPr anchorCtr="0" anchor="b" bIns="91425" lIns="91425" spcFirstLastPara="1" rIns="91425" wrap="square" tIns="91425">
+          <a:bodyPr anchorCtr="0" anchor="ctr" bIns="91425" lIns="91425" spcFirstLastPara="1" rIns="91425" wrap="square" tIns="91425">
             <a:noAutofit/>
           </a:bodyPr>
           <a:lstStyle/>
           <a:p>
             <a:pPr indent="0" lvl="0" marL="0" rtl="0" algn="l">
-              <a:spcBef>
-                <a:spcPts val="0"/>
-              </a:spcBef>
-              <a:spcAft>
-                <a:spcPts val="0"/>
-              </a:spcAft>
+              <a:lnSpc>
+                <a:spcPct val="100000"/>
+              </a:lnSpc>
+              <a:spcBef>
+                <a:spcPts val="0"/>
+              </a:spcBef>
+              <a:spcAft>
+                <a:spcPts val="0"/>
+              </a:spcAft>
+              <a:buSzPts val="3600"/>
               <a:buNone/>
             </a:pPr>
             <a:r>
               <a:rPr lang="en"/>
-              <a:t>Google Colab</a:t>
-            </a:r>
-            <a:endParaRPr/>
+              <a:t>Markov Chains</a:t>
+            </a:r>
+            <a:endParaRPr i="1">
+              <a:solidFill>
+                <a:srgbClr val="DCB439"/>
+              </a:solidFill>
+            </a:endParaRPr>
           </a:p>
         </p:txBody>
       </p:sp>
       <p:sp>
         <p:nvSpPr>
-          <p:cNvPr id="64" name="Google Shape;64;g3ba79990f52_0_21"/>
+          <p:cNvPr id="67" name="Google Shape;67;g3ba7baafcd5_0_157"/>
           <p:cNvSpPr txBox="1"/>
           <p:nvPr>
             <p:ph idx="1" type="body"/>
@@ -7084,6 +14188,10 @@
           <a:prstGeom prst="rect">
             <a:avLst/>
           </a:prstGeom>
+          <a:noFill/>
+          <a:ln>
+            <a:noFill/>
+          </a:ln>
         </p:spPr>
         <p:txBody>
           <a:bodyPr anchorCtr="0" anchor="t" bIns="91425" lIns="91425" spcFirstLastPara="1" rIns="91425" wrap="square" tIns="91425">
@@ -7092,8 +14200,11 @@
           <a:lstStyle/>
           <a:p>
             <a:pPr indent="0" lvl="0" marL="0" rtl="0" algn="l">
-              <a:spcBef>
-                <a:spcPts val="600"/>
+              <a:lnSpc>
+                <a:spcPct val="100000"/>
+              </a:lnSpc>
+              <a:spcBef>
+                <a:spcPts val="0"/>
               </a:spcBef>
               <a:spcAft>
                 <a:spcPts val="0"/>
@@ -7120,7 +14231,7 @@
   <p:cSld>
     <p:spTree>
       <p:nvGrpSpPr>
-        <p:cNvPr id="68" name="Shape 68"/>
+        <p:cNvPr id="71" name="Shape 71"/>
         <p:cNvGrpSpPr/>
         <p:nvPr/>
       </p:nvGrpSpPr>
@@ -7134,7 +14245,7 @@
       </p:grpSpPr>
       <p:sp>
         <p:nvSpPr>
-          <p:cNvPr id="69" name="Google Shape;69;g3ba79990f52_0_26"/>
+          <p:cNvPr id="72" name="Google Shape;72;g3ba7baafcd5_0_189"/>
           <p:cNvSpPr txBox="1"/>
           <p:nvPr>
             <p:ph type="title"/>
@@ -7148,6 +14259,10 @@
           <a:prstGeom prst="rect">
             <a:avLst/>
           </a:prstGeom>
+          <a:noFill/>
+          <a:ln>
+            <a:noFill/>
+          </a:ln>
         </p:spPr>
         <p:txBody>
           <a:bodyPr anchorCtr="0" anchor="b" bIns="91425" lIns="91425" spcFirstLastPara="1" rIns="91425" wrap="square" tIns="91425">
@@ -7156,17 +14271,21 @@
           <a:lstStyle/>
           <a:p>
             <a:pPr indent="0" lvl="0" marL="0" rtl="0" algn="l">
-              <a:spcBef>
-                <a:spcPts val="0"/>
-              </a:spcBef>
-              <a:spcAft>
-                <a:spcPts val="0"/>
-              </a:spcAft>
+              <a:lnSpc>
+                <a:spcPct val="100000"/>
+              </a:lnSpc>
+              <a:spcBef>
+                <a:spcPts val="0"/>
+              </a:spcBef>
+              <a:spcAft>
+                <a:spcPts val="0"/>
+              </a:spcAft>
+              <a:buSzPts val="3600"/>
               <a:buNone/>
             </a:pPr>
             <a:r>
               <a:rPr lang="en"/>
-              <a:t>.ipynb Files</a:t>
+              <a:t>Markov Babbler</a:t>
             </a:r>
             <a:endParaRPr/>
           </a:p>
@@ -7174,7 +14293,7 @@
       </p:sp>
       <p:sp>
         <p:nvSpPr>
-          <p:cNvPr id="70" name="Google Shape;70;g3ba79990f52_0_26"/>
+          <p:cNvPr id="73" name="Google Shape;73;g3ba7baafcd5_0_189"/>
           <p:cNvSpPr txBox="1"/>
           <p:nvPr>
             <p:ph idx="1" type="body"/>
@@ -7183,11 +14302,21 @@
         <p:spPr>
           <a:xfrm>
             <a:off x="457200" y="1600200"/>
-            <a:ext cx="8229600" cy="4967700"/>
+            <a:ext cx="8229600" cy="563400"/>
           </a:xfrm>
           <a:prstGeom prst="rect">
             <a:avLst/>
           </a:prstGeom>
+          <a:noFill/>
+          <a:ln cap="flat" cmpd="sng" w="38100">
+            <a:solidFill>
+              <a:srgbClr val="002B5B"/>
+            </a:solidFill>
+            <a:prstDash val="solid"/>
+            <a:round/>
+            <a:headEnd len="sm" w="sm" type="none"/>
+            <a:tailEnd len="sm" w="sm" type="none"/>
+          </a:ln>
         </p:spPr>
         <p:txBody>
           <a:bodyPr anchorCtr="0" anchor="t" bIns="91425" lIns="91425" spcFirstLastPara="1" rIns="91425" wrap="square" tIns="91425">
@@ -7195,22 +14324,70 @@
           </a:bodyPr>
           <a:lstStyle/>
           <a:p>
-            <a:pPr indent="0" lvl="0" marL="0" rtl="0" algn="l">
+            <a:pPr indent="0" lvl="0" marL="0" rtl="0" algn="ctr">
+              <a:lnSpc>
+                <a:spcPct val="100000"/>
+              </a:lnSpc>
               <a:spcBef>
                 <a:spcPts val="600"/>
               </a:spcBef>
               <a:spcAft>
                 <a:spcPts val="0"/>
               </a:spcAft>
-              <a:buNone/>
-            </a:pPr>
-            <a:r>
-              <a:t/>
-            </a:r>
-            <a:endParaRPr/>
+              <a:buSzPts val="3000"/>
+              <a:buNone/>
+            </a:pPr>
+            <a:r>
+              <a:rPr b="1" lang="en" sz="2200">
+                <a:solidFill>
+                  <a:srgbClr val="980000"/>
+                </a:solidFill>
+                <a:latin typeface="Consolas"/>
+                <a:ea typeface="Consolas"/>
+                <a:cs typeface="Consolas"/>
+                <a:sym typeface="Consolas"/>
+              </a:rPr>
+              <a:t>“&lt;SOS&gt; And yet I got ganked while questing. &lt;EOS&gt;”</a:t>
+            </a:r>
+            <a:endParaRPr b="1" sz="2200">
+              <a:solidFill>
+                <a:srgbClr val="980000"/>
+              </a:solidFill>
+              <a:latin typeface="Consolas"/>
+              <a:ea typeface="Consolas"/>
+              <a:cs typeface="Consolas"/>
+              <a:sym typeface="Consolas"/>
+            </a:endParaRPr>
           </a:p>
         </p:txBody>
       </p:sp>
+      <p:pic>
+        <p:nvPicPr>
+          <p:cNvPr id="74" name="Google Shape;74;g3ba7baafcd5_0_189"/>
+          <p:cNvPicPr preferRelativeResize="0"/>
+          <p:nvPr/>
+        </p:nvPicPr>
+        <p:blipFill rotWithShape="1">
+          <a:blip r:embed="rId3">
+            <a:alphaModFix/>
+          </a:blip>
+          <a:srcRect b="0" l="0" r="0" t="0"/>
+          <a:stretch/>
+        </p:blipFill>
+        <p:spPr>
+          <a:xfrm>
+            <a:off x="519100" y="2346150"/>
+            <a:ext cx="8105775" cy="2286000"/>
+          </a:xfrm>
+          <a:prstGeom prst="rect">
+            <a:avLst/>
+          </a:prstGeom>
+          <a:noFill/>
+          <a:ln>
+            <a:noFill/>
+          </a:ln>
+        </p:spPr>
+      </p:pic>
     </p:spTree>
   </p:cSld>
   <p:clrMapOvr>
@@ -7224,7 +14401,7 @@
   <p:cSld>
     <p:spTree>
       <p:nvGrpSpPr>
-        <p:cNvPr id="74" name="Shape 74"/>
+        <p:cNvPr id="78" name="Shape 78"/>
         <p:cNvGrpSpPr/>
         <p:nvPr/>
       </p:nvGrpSpPr>
@@ -7238,7 +14415,7 @@
       </p:grpSpPr>
       <p:sp>
         <p:nvSpPr>
-          <p:cNvPr id="75" name="Google Shape;75;g3ba79990f52_0_31"/>
+          <p:cNvPr id="79" name="Google Shape;79;g3ba7baafcd5_0_84"/>
           <p:cNvSpPr txBox="1"/>
           <p:nvPr>
             <p:ph type="title"/>
@@ -7254,7 +14431,7 @@
           </a:prstGeom>
         </p:spPr>
         <p:txBody>
-          <a:bodyPr anchorCtr="0" anchor="b" bIns="91425" lIns="91425" spcFirstLastPara="1" rIns="91425" wrap="square" tIns="91425">
+          <a:bodyPr anchorCtr="0" anchor="ctr" bIns="91425" lIns="91425" spcFirstLastPara="1" rIns="91425" wrap="square" tIns="91425">
             <a:noAutofit/>
           </a:bodyPr>
           <a:lstStyle/>
@@ -7270,7 +14447,7 @@
             </a:pPr>
             <a:r>
               <a:rPr lang="en"/>
-              <a:t>Our First Notebook</a:t>
+              <a:t>Creating our Graph</a:t>
             </a:r>
             <a:endParaRPr/>
           </a:p>
@@ -7278,7 +14455,7 @@
       </p:sp>
       <p:sp>
         <p:nvSpPr>
-          <p:cNvPr id="76" name="Google Shape;76;g3ba79990f52_0_31"/>
+          <p:cNvPr id="80" name="Google Shape;80;g3ba7baafcd5_0_84"/>
           <p:cNvSpPr txBox="1"/>
           <p:nvPr>
             <p:ph idx="1" type="body"/>
@@ -7286,12 +14463,21 @@
         </p:nvSpPr>
         <p:spPr>
           <a:xfrm>
-            <a:off x="457200" y="1600200"/>
-            <a:ext cx="8229600" cy="4967700"/>
+            <a:off x="457200" y="1789900"/>
+            <a:ext cx="3297600" cy="4778100"/>
           </a:xfrm>
           <a:prstGeom prst="rect">
             <a:avLst/>
           </a:prstGeom>
+          <a:ln cap="flat" cmpd="sng" w="38100">
+            <a:solidFill>
+              <a:srgbClr val="002B5B"/>
+            </a:solidFill>
+            <a:prstDash val="solid"/>
+            <a:round/>
+            <a:headEnd len="sm" w="sm" type="none"/>
+            <a:tailEnd len="sm" w="sm" type="none"/>
+          </a:ln>
         </p:spPr>
         <p:txBody>
           <a:bodyPr anchorCtr="0" anchor="t" bIns="91425" lIns="91425" spcFirstLastPara="1" rIns="91425" wrap="square" tIns="91425">
@@ -7309,12 +14495,1023 @@
               <a:buNone/>
             </a:pPr>
             <a:r>
+              <a:rPr lang="en" sz="1200">
+                <a:latin typeface="Consolas"/>
+                <a:ea typeface="Consolas"/>
+                <a:cs typeface="Consolas"/>
+                <a:sym typeface="Consolas"/>
+              </a:rPr>
+              <a:t>"Jabberwocky"</a:t>
+            </a:r>
+            <a:endParaRPr sz="1200">
+              <a:latin typeface="Consolas"/>
+              <a:ea typeface="Consolas"/>
+              <a:cs typeface="Consolas"/>
+              <a:sym typeface="Consolas"/>
+            </a:endParaRPr>
+          </a:p>
+          <a:p>
+            <a:pPr indent="0" lvl="0" marL="0" rtl="0" algn="l">
+              <a:spcBef>
+                <a:spcPts val="600"/>
+              </a:spcBef>
+              <a:spcAft>
+                <a:spcPts val="0"/>
+              </a:spcAft>
+              <a:buNone/>
+            </a:pPr>
+            <a:r>
+              <a:rPr lang="en" sz="1200">
+                <a:latin typeface="Consolas"/>
+                <a:ea typeface="Consolas"/>
+                <a:cs typeface="Consolas"/>
+                <a:sym typeface="Consolas"/>
+              </a:rPr>
+              <a:t>by Lewis Carroll</a:t>
+            </a:r>
+            <a:endParaRPr sz="1200">
+              <a:latin typeface="Consolas"/>
+              <a:ea typeface="Consolas"/>
+              <a:cs typeface="Consolas"/>
+              <a:sym typeface="Consolas"/>
+            </a:endParaRPr>
+          </a:p>
+          <a:p>
+            <a:pPr indent="0" lvl="0" marL="0" rtl="0" algn="l">
+              <a:spcBef>
+                <a:spcPts val="600"/>
+              </a:spcBef>
+              <a:spcAft>
+                <a:spcPts val="0"/>
+              </a:spcAft>
+              <a:buNone/>
+            </a:pPr>
+            <a:r>
               <a:t/>
             </a:r>
-            <a:endParaRPr/>
+            <a:endParaRPr sz="1200">
+              <a:latin typeface="Consolas"/>
+              <a:ea typeface="Consolas"/>
+              <a:cs typeface="Consolas"/>
+              <a:sym typeface="Consolas"/>
+            </a:endParaRPr>
+          </a:p>
+          <a:p>
+            <a:pPr indent="0" lvl="0" marL="0" rtl="0" algn="l">
+              <a:spcBef>
+                <a:spcPts val="600"/>
+              </a:spcBef>
+              <a:spcAft>
+                <a:spcPts val="0"/>
+              </a:spcAft>
+              <a:buNone/>
+            </a:pPr>
+            <a:r>
+              <a:rPr lang="en" sz="1200">
+                <a:latin typeface="Consolas"/>
+                <a:ea typeface="Consolas"/>
+                <a:cs typeface="Consolas"/>
+                <a:sym typeface="Consolas"/>
+              </a:rPr>
+              <a:t>'Twas brillig, and the slithy toves</a:t>
+            </a:r>
+            <a:endParaRPr sz="1200">
+              <a:latin typeface="Consolas"/>
+              <a:ea typeface="Consolas"/>
+              <a:cs typeface="Consolas"/>
+              <a:sym typeface="Consolas"/>
+            </a:endParaRPr>
+          </a:p>
+          <a:p>
+            <a:pPr indent="0" lvl="0" marL="0" rtl="0" algn="l">
+              <a:spcBef>
+                <a:spcPts val="600"/>
+              </a:spcBef>
+              <a:spcAft>
+                <a:spcPts val="0"/>
+              </a:spcAft>
+              <a:buNone/>
+            </a:pPr>
+            <a:r>
+              <a:rPr lang="en" sz="1200">
+                <a:latin typeface="Consolas"/>
+                <a:ea typeface="Consolas"/>
+                <a:cs typeface="Consolas"/>
+                <a:sym typeface="Consolas"/>
+              </a:rPr>
+              <a:t>Did gyre and gimble in the wabe;</a:t>
+            </a:r>
+            <a:endParaRPr sz="1200">
+              <a:latin typeface="Consolas"/>
+              <a:ea typeface="Consolas"/>
+              <a:cs typeface="Consolas"/>
+              <a:sym typeface="Consolas"/>
+            </a:endParaRPr>
+          </a:p>
+          <a:p>
+            <a:pPr indent="0" lvl="0" marL="0" rtl="0" algn="l">
+              <a:spcBef>
+                <a:spcPts val="600"/>
+              </a:spcBef>
+              <a:spcAft>
+                <a:spcPts val="0"/>
+              </a:spcAft>
+              <a:buNone/>
+            </a:pPr>
+            <a:r>
+              <a:rPr lang="en" sz="1200">
+                <a:latin typeface="Consolas"/>
+                <a:ea typeface="Consolas"/>
+                <a:cs typeface="Consolas"/>
+                <a:sym typeface="Consolas"/>
+              </a:rPr>
+              <a:t>All mimsy were the borogoves,</a:t>
+            </a:r>
+            <a:endParaRPr sz="1200">
+              <a:latin typeface="Consolas"/>
+              <a:ea typeface="Consolas"/>
+              <a:cs typeface="Consolas"/>
+              <a:sym typeface="Consolas"/>
+            </a:endParaRPr>
+          </a:p>
+          <a:p>
+            <a:pPr indent="0" lvl="0" marL="0" rtl="0" algn="l">
+              <a:spcBef>
+                <a:spcPts val="600"/>
+              </a:spcBef>
+              <a:spcAft>
+                <a:spcPts val="0"/>
+              </a:spcAft>
+              <a:buNone/>
+            </a:pPr>
+            <a:r>
+              <a:rPr lang="en" sz="1200">
+                <a:latin typeface="Consolas"/>
+                <a:ea typeface="Consolas"/>
+                <a:cs typeface="Consolas"/>
+                <a:sym typeface="Consolas"/>
+              </a:rPr>
+              <a:t>And the mome raths outgrabe.</a:t>
+            </a:r>
+            <a:endParaRPr sz="1200">
+              <a:latin typeface="Consolas"/>
+              <a:ea typeface="Consolas"/>
+              <a:cs typeface="Consolas"/>
+              <a:sym typeface="Consolas"/>
+            </a:endParaRPr>
+          </a:p>
+          <a:p>
+            <a:pPr indent="0" lvl="0" marL="0" rtl="0" algn="l">
+              <a:spcBef>
+                <a:spcPts val="600"/>
+              </a:spcBef>
+              <a:spcAft>
+                <a:spcPts val="0"/>
+              </a:spcAft>
+              <a:buNone/>
+            </a:pPr>
+            <a:r>
+              <a:t/>
+            </a:r>
+            <a:endParaRPr sz="1200">
+              <a:latin typeface="Consolas"/>
+              <a:ea typeface="Consolas"/>
+              <a:cs typeface="Consolas"/>
+              <a:sym typeface="Consolas"/>
+            </a:endParaRPr>
+          </a:p>
+          <a:p>
+            <a:pPr indent="0" lvl="0" marL="0" rtl="0" algn="l">
+              <a:spcBef>
+                <a:spcPts val="600"/>
+              </a:spcBef>
+              <a:spcAft>
+                <a:spcPts val="0"/>
+              </a:spcAft>
+              <a:buNone/>
+            </a:pPr>
+            <a:r>
+              <a:rPr lang="en" sz="1200">
+                <a:latin typeface="Consolas"/>
+                <a:ea typeface="Consolas"/>
+                <a:cs typeface="Consolas"/>
+                <a:sym typeface="Consolas"/>
+              </a:rPr>
+              <a:t>"Beware the Jabberwock, my son!</a:t>
+            </a:r>
+            <a:endParaRPr sz="1200">
+              <a:latin typeface="Consolas"/>
+              <a:ea typeface="Consolas"/>
+              <a:cs typeface="Consolas"/>
+              <a:sym typeface="Consolas"/>
+            </a:endParaRPr>
+          </a:p>
+          <a:p>
+            <a:pPr indent="0" lvl="0" marL="0" rtl="0" algn="l">
+              <a:spcBef>
+                <a:spcPts val="600"/>
+              </a:spcBef>
+              <a:spcAft>
+                <a:spcPts val="0"/>
+              </a:spcAft>
+              <a:buNone/>
+            </a:pPr>
+            <a:r>
+              <a:rPr lang="en" sz="1200">
+                <a:latin typeface="Consolas"/>
+                <a:ea typeface="Consolas"/>
+                <a:cs typeface="Consolas"/>
+                <a:sym typeface="Consolas"/>
+              </a:rPr>
+              <a:t>The jaws that bite, the claws that catch!</a:t>
+            </a:r>
+            <a:endParaRPr sz="1200">
+              <a:latin typeface="Consolas"/>
+              <a:ea typeface="Consolas"/>
+              <a:cs typeface="Consolas"/>
+              <a:sym typeface="Consolas"/>
+            </a:endParaRPr>
+          </a:p>
+          <a:p>
+            <a:pPr indent="0" lvl="0" marL="0" rtl="0" algn="l">
+              <a:spcBef>
+                <a:spcPts val="600"/>
+              </a:spcBef>
+              <a:spcAft>
+                <a:spcPts val="0"/>
+              </a:spcAft>
+              <a:buNone/>
+            </a:pPr>
+            <a:r>
+              <a:rPr lang="en" sz="1200">
+                <a:latin typeface="Consolas"/>
+                <a:ea typeface="Consolas"/>
+                <a:cs typeface="Consolas"/>
+                <a:sym typeface="Consolas"/>
+              </a:rPr>
+              <a:t>Beware the Jubjub bird, and shun</a:t>
+            </a:r>
+            <a:endParaRPr sz="1200">
+              <a:latin typeface="Consolas"/>
+              <a:ea typeface="Consolas"/>
+              <a:cs typeface="Consolas"/>
+              <a:sym typeface="Consolas"/>
+            </a:endParaRPr>
+          </a:p>
+          <a:p>
+            <a:pPr indent="0" lvl="0" marL="0" rtl="0" algn="l">
+              <a:spcBef>
+                <a:spcPts val="600"/>
+              </a:spcBef>
+              <a:spcAft>
+                <a:spcPts val="0"/>
+              </a:spcAft>
+              <a:buNone/>
+            </a:pPr>
+            <a:r>
+              <a:rPr lang="en" sz="1200">
+                <a:latin typeface="Consolas"/>
+                <a:ea typeface="Consolas"/>
+                <a:cs typeface="Consolas"/>
+                <a:sym typeface="Consolas"/>
+              </a:rPr>
+              <a:t>The frumious Bandersnatch!"</a:t>
+            </a:r>
+            <a:endParaRPr sz="1200">
+              <a:latin typeface="Consolas"/>
+              <a:ea typeface="Consolas"/>
+              <a:cs typeface="Consolas"/>
+              <a:sym typeface="Consolas"/>
+            </a:endParaRPr>
+          </a:p>
+          <a:p>
+            <a:pPr indent="0" lvl="0" marL="0" rtl="0" algn="l">
+              <a:spcBef>
+                <a:spcPts val="600"/>
+              </a:spcBef>
+              <a:spcAft>
+                <a:spcPts val="0"/>
+              </a:spcAft>
+              <a:buNone/>
+            </a:pPr>
+            <a:r>
+              <a:t/>
+            </a:r>
+            <a:endParaRPr sz="1200">
+              <a:latin typeface="Consolas"/>
+              <a:ea typeface="Consolas"/>
+              <a:cs typeface="Consolas"/>
+              <a:sym typeface="Consolas"/>
+            </a:endParaRPr>
+          </a:p>
+          <a:p>
+            <a:pPr indent="0" lvl="0" marL="0" rtl="0" algn="l">
+              <a:spcBef>
+                <a:spcPts val="600"/>
+              </a:spcBef>
+              <a:spcAft>
+                <a:spcPts val="0"/>
+              </a:spcAft>
+              <a:buNone/>
+            </a:pPr>
+            <a:r>
+              <a:rPr lang="en" sz="1200">
+                <a:latin typeface="Consolas"/>
+                <a:ea typeface="Consolas"/>
+                <a:cs typeface="Consolas"/>
+                <a:sym typeface="Consolas"/>
+              </a:rPr>
+              <a:t>He took his vorpal sword in hand:</a:t>
+            </a:r>
+            <a:endParaRPr sz="1200">
+              <a:latin typeface="Consolas"/>
+              <a:ea typeface="Consolas"/>
+              <a:cs typeface="Consolas"/>
+              <a:sym typeface="Consolas"/>
+            </a:endParaRPr>
+          </a:p>
+          <a:p>
+            <a:pPr indent="0" lvl="0" marL="0" rtl="0" algn="l">
+              <a:spcBef>
+                <a:spcPts val="600"/>
+              </a:spcBef>
+              <a:spcAft>
+                <a:spcPts val="0"/>
+              </a:spcAft>
+              <a:buNone/>
+            </a:pPr>
+            <a:r>
+              <a:rPr lang="en" sz="1200">
+                <a:latin typeface="Consolas"/>
+                <a:ea typeface="Consolas"/>
+                <a:cs typeface="Consolas"/>
+                <a:sym typeface="Consolas"/>
+              </a:rPr>
+              <a:t>Long time the manxome foe he sought—</a:t>
+            </a:r>
+            <a:endParaRPr sz="1200">
+              <a:latin typeface="Consolas"/>
+              <a:ea typeface="Consolas"/>
+              <a:cs typeface="Consolas"/>
+              <a:sym typeface="Consolas"/>
+            </a:endParaRPr>
+          </a:p>
+          <a:p>
+            <a:pPr indent="0" lvl="0" marL="0" rtl="0" algn="l">
+              <a:spcBef>
+                <a:spcPts val="600"/>
+              </a:spcBef>
+              <a:spcAft>
+                <a:spcPts val="0"/>
+              </a:spcAft>
+              <a:buNone/>
+            </a:pPr>
+            <a:r>
+              <a:rPr lang="en" sz="1200">
+                <a:latin typeface="Consolas"/>
+                <a:ea typeface="Consolas"/>
+                <a:cs typeface="Consolas"/>
+                <a:sym typeface="Consolas"/>
+              </a:rPr>
+              <a:t>So rested he by the Tumtum tree,</a:t>
+            </a:r>
+            <a:endParaRPr sz="1200">
+              <a:latin typeface="Consolas"/>
+              <a:ea typeface="Consolas"/>
+              <a:cs typeface="Consolas"/>
+              <a:sym typeface="Consolas"/>
+            </a:endParaRPr>
+          </a:p>
+          <a:p>
+            <a:pPr indent="0" lvl="0" marL="0" rtl="0" algn="l">
+              <a:spcBef>
+                <a:spcPts val="600"/>
+              </a:spcBef>
+              <a:spcAft>
+                <a:spcPts val="0"/>
+              </a:spcAft>
+              <a:buNone/>
+            </a:pPr>
+            <a:r>
+              <a:rPr lang="en" sz="1200">
+                <a:latin typeface="Consolas"/>
+                <a:ea typeface="Consolas"/>
+                <a:cs typeface="Consolas"/>
+                <a:sym typeface="Consolas"/>
+              </a:rPr>
+              <a:t>And stood awhile in thought.</a:t>
+            </a:r>
+            <a:endParaRPr sz="1200">
+              <a:latin typeface="Consolas"/>
+              <a:ea typeface="Consolas"/>
+              <a:cs typeface="Consolas"/>
+              <a:sym typeface="Consolas"/>
+            </a:endParaRPr>
           </a:p>
         </p:txBody>
       </p:sp>
+      <p:sp>
+        <p:nvSpPr>
+          <p:cNvPr id="81" name="Google Shape;81;g3ba7baafcd5_0_84"/>
+          <p:cNvSpPr txBox="1"/>
+          <p:nvPr/>
+        </p:nvSpPr>
+        <p:spPr>
+          <a:xfrm>
+            <a:off x="1468800" y="1469225"/>
+            <a:ext cx="2286000" cy="269100"/>
+          </a:xfrm>
+          <a:prstGeom prst="rect">
+            <a:avLst/>
+          </a:prstGeom>
+          <a:noFill/>
+          <a:ln>
+            <a:noFill/>
+          </a:ln>
+        </p:spPr>
+        <p:txBody>
+          <a:bodyPr anchorCtr="0" anchor="ctr" bIns="91425" lIns="91425" spcFirstLastPara="1" rIns="91425" wrap="square" tIns="91425">
+            <a:noAutofit/>
+          </a:bodyPr>
+          <a:lstStyle/>
+          <a:p>
+            <a:pPr indent="0" lvl="0" marL="0" rtl="0" algn="r">
+              <a:spcBef>
+                <a:spcPts val="0"/>
+              </a:spcBef>
+              <a:spcAft>
+                <a:spcPts val="0"/>
+              </a:spcAft>
+              <a:buNone/>
+            </a:pPr>
+            <a:r>
+              <a:rPr b="1" lang="en" sz="1800">
+                <a:solidFill>
+                  <a:srgbClr val="DCB439"/>
+                </a:solidFill>
+                <a:latin typeface="Consolas"/>
+                <a:ea typeface="Consolas"/>
+                <a:cs typeface="Consolas"/>
+                <a:sym typeface="Consolas"/>
+              </a:rPr>
+              <a:t>jabberwocky.txt</a:t>
+            </a:r>
+            <a:endParaRPr b="1" sz="1800">
+              <a:solidFill>
+                <a:srgbClr val="DCB439"/>
+              </a:solidFill>
+              <a:latin typeface="Consolas"/>
+              <a:ea typeface="Consolas"/>
+              <a:cs typeface="Consolas"/>
+              <a:sym typeface="Consolas"/>
+            </a:endParaRPr>
+          </a:p>
+        </p:txBody>
+      </p:sp>
+      <p:sp>
+        <p:nvSpPr>
+          <p:cNvPr id="82" name="Google Shape;82;g3ba7baafcd5_0_84"/>
+          <p:cNvSpPr/>
+          <p:nvPr/>
+        </p:nvSpPr>
+        <p:spPr>
+          <a:xfrm>
+            <a:off x="457200" y="1417638"/>
+            <a:ext cx="3297600" cy="372300"/>
+          </a:xfrm>
+          <a:prstGeom prst="rect">
+            <a:avLst/>
+          </a:prstGeom>
+          <a:noFill/>
+          <a:ln cap="flat" cmpd="sng" w="38100">
+            <a:solidFill>
+              <a:srgbClr val="002B5B"/>
+            </a:solidFill>
+            <a:prstDash val="solid"/>
+            <a:round/>
+            <a:headEnd len="sm" w="sm" type="none"/>
+            <a:tailEnd len="sm" w="sm" type="none"/>
+          </a:ln>
+        </p:spPr>
+        <p:txBody>
+          <a:bodyPr anchorCtr="0" anchor="ctr" bIns="91425" lIns="91425" spcFirstLastPara="1" rIns="91425" wrap="square" tIns="91425">
+            <a:noAutofit/>
+          </a:bodyPr>
+          <a:lstStyle/>
+          <a:p>
+            <a:pPr indent="0" lvl="0" marL="0" rtl="0" algn="r">
+              <a:spcBef>
+                <a:spcPts val="0"/>
+              </a:spcBef>
+              <a:spcAft>
+                <a:spcPts val="0"/>
+              </a:spcAft>
+              <a:buNone/>
+            </a:pPr>
+            <a:r>
+              <a:t/>
+            </a:r>
+            <a:endParaRPr/>
+          </a:p>
+        </p:txBody>
+      </p:sp>
+      <p:pic>
+        <p:nvPicPr>
+          <p:cNvPr id="83" name="Google Shape;83;g3ba7baafcd5_0_84"/>
+          <p:cNvPicPr preferRelativeResize="0"/>
+          <p:nvPr/>
+        </p:nvPicPr>
+        <p:blipFill rotWithShape="1">
+          <a:blip r:embed="rId3">
+            <a:alphaModFix/>
+          </a:blip>
+          <a:srcRect b="12536" l="18278" r="18430" t="12303"/>
+          <a:stretch/>
+        </p:blipFill>
+        <p:spPr>
+          <a:xfrm>
+            <a:off x="496475" y="1449688"/>
+            <a:ext cx="259514" cy="308175"/>
+          </a:xfrm>
+          <a:prstGeom prst="rect">
+            <a:avLst/>
+          </a:prstGeom>
+          <a:noFill/>
+          <a:ln>
+            <a:noFill/>
+          </a:ln>
+        </p:spPr>
+      </p:pic>
+    </p:spTree>
+  </p:cSld>
+  <p:clrMapOvr>
+    <a:masterClrMapping/>
+  </p:clrMapOvr>
+</p:sld>
+</file>
+
+<file path=ppt/slides/slide9.xml><?xml version="1.0" encoding="utf-8"?>
+<p:sld xmlns:a="http://schemas.openxmlformats.org/drawingml/2006/main" xmlns:r="http://schemas.openxmlformats.org/officeDocument/2006/relationships" xmlns:mc="http://schemas.openxmlformats.org/markup-compatibility/2006" xmlns:mv="urn:schemas-microsoft-com:mac:vml" xmlns:p="http://schemas.openxmlformats.org/presentationml/2006/main" xmlns:c="http://schemas.openxmlformats.org/drawingml/2006/chart" xmlns:dgm="http://schemas.openxmlformats.org/drawingml/2006/diagram" xmlns:o="urn:schemas-microsoft-com:office:office" xmlns:v="urn:schemas-microsoft-com:vml" xmlns:pvml="urn:schemas-microsoft-com:office:powerpoint" xmlns:com="http://schemas.openxmlformats.org/drawingml/2006/compatibility" xmlns:p14="http://schemas.microsoft.com/office/powerpoint/2010/main" xmlns:p15="http://schemas.microsoft.com/office/powerpoint/2012/main" xmlns:ahyp="http://schemas.microsoft.com/office/drawing/2018/hyperlinkcolor">
+  <p:cSld>
+    <p:spTree>
+      <p:nvGrpSpPr>
+        <p:cNvPr id="87" name="Shape 87"/>
+        <p:cNvGrpSpPr/>
+        <p:nvPr/>
+      </p:nvGrpSpPr>
+      <p:grpSpPr>
+        <a:xfrm>
+          <a:off x="0" y="0"/>
+          <a:ext cx="0" cy="0"/>
+          <a:chOff x="0" y="0"/>
+          <a:chExt cx="0" cy="0"/>
+        </a:xfrm>
+      </p:grpSpPr>
+      <p:sp>
+        <p:nvSpPr>
+          <p:cNvPr id="88" name="Google Shape;88;g3ba7baafcd5_0_92"/>
+          <p:cNvSpPr/>
+          <p:nvPr/>
+        </p:nvSpPr>
+        <p:spPr>
+          <a:xfrm>
+            <a:off x="457200" y="1417638"/>
+            <a:ext cx="3297600" cy="372300"/>
+          </a:xfrm>
+          <a:prstGeom prst="rect">
+            <a:avLst/>
+          </a:prstGeom>
+          <a:noFill/>
+          <a:ln cap="flat" cmpd="sng" w="38100">
+            <a:solidFill>
+              <a:srgbClr val="002B5B"/>
+            </a:solidFill>
+            <a:prstDash val="solid"/>
+            <a:round/>
+            <a:headEnd len="sm" w="sm" type="none"/>
+            <a:tailEnd len="sm" w="sm" type="none"/>
+          </a:ln>
+        </p:spPr>
+        <p:txBody>
+          <a:bodyPr anchorCtr="0" anchor="ctr" bIns="91425" lIns="91425" spcFirstLastPara="1" rIns="91425" wrap="square" tIns="91425">
+            <a:noAutofit/>
+          </a:bodyPr>
+          <a:lstStyle/>
+          <a:p>
+            <a:pPr indent="0" lvl="0" marL="0" rtl="0" algn="r">
+              <a:spcBef>
+                <a:spcPts val="0"/>
+              </a:spcBef>
+              <a:spcAft>
+                <a:spcPts val="0"/>
+              </a:spcAft>
+              <a:buNone/>
+            </a:pPr>
+            <a:r>
+              <a:t/>
+            </a:r>
+            <a:endParaRPr/>
+          </a:p>
+        </p:txBody>
+      </p:sp>
+      <p:sp>
+        <p:nvSpPr>
+          <p:cNvPr id="89" name="Google Shape;89;g3ba7baafcd5_0_92"/>
+          <p:cNvSpPr txBox="1"/>
+          <p:nvPr>
+            <p:ph type="title"/>
+          </p:nvPr>
+        </p:nvSpPr>
+        <p:spPr>
+          <a:xfrm>
+            <a:off x="457200" y="274638"/>
+            <a:ext cx="8229600" cy="1143000"/>
+          </a:xfrm>
+          <a:prstGeom prst="rect">
+            <a:avLst/>
+          </a:prstGeom>
+        </p:spPr>
+        <p:txBody>
+          <a:bodyPr anchorCtr="0" anchor="ctr" bIns="91425" lIns="91425" spcFirstLastPara="1" rIns="91425" wrap="square" tIns="91425">
+            <a:noAutofit/>
+          </a:bodyPr>
+          <a:lstStyle/>
+          <a:p>
+            <a:pPr indent="0" lvl="0" marL="0" rtl="0" algn="l">
+              <a:spcBef>
+                <a:spcPts val="0"/>
+              </a:spcBef>
+              <a:spcAft>
+                <a:spcPts val="0"/>
+              </a:spcAft>
+              <a:buNone/>
+            </a:pPr>
+            <a:r>
+              <a:rPr lang="en"/>
+              <a:t>Creating our Graph</a:t>
+            </a:r>
+            <a:endParaRPr/>
+          </a:p>
+        </p:txBody>
+      </p:sp>
+      <p:sp>
+        <p:nvSpPr>
+          <p:cNvPr id="90" name="Google Shape;90;g3ba7baafcd5_0_92"/>
+          <p:cNvSpPr txBox="1"/>
+          <p:nvPr>
+            <p:ph idx="1" type="body"/>
+          </p:nvPr>
+        </p:nvSpPr>
+        <p:spPr>
+          <a:xfrm>
+            <a:off x="457200" y="1789900"/>
+            <a:ext cx="3297600" cy="4778100"/>
+          </a:xfrm>
+          <a:prstGeom prst="rect">
+            <a:avLst/>
+          </a:prstGeom>
+          <a:ln cap="flat" cmpd="sng" w="38100">
+            <a:solidFill>
+              <a:srgbClr val="002B5B"/>
+            </a:solidFill>
+            <a:prstDash val="solid"/>
+            <a:round/>
+            <a:headEnd len="sm" w="sm" type="none"/>
+            <a:tailEnd len="sm" w="sm" type="none"/>
+          </a:ln>
+        </p:spPr>
+        <p:txBody>
+          <a:bodyPr anchorCtr="0" anchor="t" bIns="91425" lIns="91425" spcFirstLastPara="1" rIns="91425" wrap="square" tIns="91425">
+            <a:noAutofit/>
+          </a:bodyPr>
+          <a:lstStyle/>
+          <a:p>
+            <a:pPr indent="0" lvl="0" marL="0" rtl="0" algn="l">
+              <a:spcBef>
+                <a:spcPts val="600"/>
+              </a:spcBef>
+              <a:spcAft>
+                <a:spcPts val="0"/>
+              </a:spcAft>
+              <a:buNone/>
+            </a:pPr>
+            <a:r>
+              <a:rPr lang="en" sz="1200">
+                <a:latin typeface="Consolas"/>
+                <a:ea typeface="Consolas"/>
+                <a:cs typeface="Consolas"/>
+                <a:sym typeface="Consolas"/>
+              </a:rPr>
+              <a:t>From fairest creatures we desire increase,</a:t>
+            </a:r>
+            <a:endParaRPr sz="1200">
+              <a:latin typeface="Consolas"/>
+              <a:ea typeface="Consolas"/>
+              <a:cs typeface="Consolas"/>
+              <a:sym typeface="Consolas"/>
+            </a:endParaRPr>
+          </a:p>
+          <a:p>
+            <a:pPr indent="0" lvl="0" marL="0" rtl="0" algn="l">
+              <a:spcBef>
+                <a:spcPts val="600"/>
+              </a:spcBef>
+              <a:spcAft>
+                <a:spcPts val="0"/>
+              </a:spcAft>
+              <a:buNone/>
+            </a:pPr>
+            <a:r>
+              <a:rPr lang="en" sz="1200">
+                <a:latin typeface="Consolas"/>
+                <a:ea typeface="Consolas"/>
+                <a:cs typeface="Consolas"/>
+                <a:sym typeface="Consolas"/>
+              </a:rPr>
+              <a:t>That thereby beauty's rose might never die,</a:t>
+            </a:r>
+            <a:endParaRPr sz="1200">
+              <a:latin typeface="Consolas"/>
+              <a:ea typeface="Consolas"/>
+              <a:cs typeface="Consolas"/>
+              <a:sym typeface="Consolas"/>
+            </a:endParaRPr>
+          </a:p>
+          <a:p>
+            <a:pPr indent="0" lvl="0" marL="0" rtl="0" algn="l">
+              <a:spcBef>
+                <a:spcPts val="600"/>
+              </a:spcBef>
+              <a:spcAft>
+                <a:spcPts val="0"/>
+              </a:spcAft>
+              <a:buNone/>
+            </a:pPr>
+            <a:r>
+              <a:rPr lang="en" sz="1200">
+                <a:latin typeface="Consolas"/>
+                <a:ea typeface="Consolas"/>
+                <a:cs typeface="Consolas"/>
+                <a:sym typeface="Consolas"/>
+              </a:rPr>
+              <a:t>But as the riper should by time decease,</a:t>
+            </a:r>
+            <a:endParaRPr sz="1200">
+              <a:latin typeface="Consolas"/>
+              <a:ea typeface="Consolas"/>
+              <a:cs typeface="Consolas"/>
+              <a:sym typeface="Consolas"/>
+            </a:endParaRPr>
+          </a:p>
+          <a:p>
+            <a:pPr indent="0" lvl="0" marL="0" rtl="0" algn="l">
+              <a:spcBef>
+                <a:spcPts val="600"/>
+              </a:spcBef>
+              <a:spcAft>
+                <a:spcPts val="0"/>
+              </a:spcAft>
+              <a:buNone/>
+            </a:pPr>
+            <a:r>
+              <a:rPr lang="en" sz="1200">
+                <a:latin typeface="Consolas"/>
+                <a:ea typeface="Consolas"/>
+                <a:cs typeface="Consolas"/>
+                <a:sym typeface="Consolas"/>
+              </a:rPr>
+              <a:t>His tender heir might bear his memory:</a:t>
+            </a:r>
+            <a:endParaRPr sz="1200">
+              <a:latin typeface="Consolas"/>
+              <a:ea typeface="Consolas"/>
+              <a:cs typeface="Consolas"/>
+              <a:sym typeface="Consolas"/>
+            </a:endParaRPr>
+          </a:p>
+          <a:p>
+            <a:pPr indent="0" lvl="0" marL="0" rtl="0" algn="l">
+              <a:spcBef>
+                <a:spcPts val="600"/>
+              </a:spcBef>
+              <a:spcAft>
+                <a:spcPts val="0"/>
+              </a:spcAft>
+              <a:buNone/>
+            </a:pPr>
+            <a:r>
+              <a:rPr lang="en" sz="1200">
+                <a:latin typeface="Consolas"/>
+                <a:ea typeface="Consolas"/>
+                <a:cs typeface="Consolas"/>
+                <a:sym typeface="Consolas"/>
+              </a:rPr>
+              <a:t>But thou contracted to thine own bright eyes,</a:t>
+            </a:r>
+            <a:endParaRPr sz="1200">
+              <a:latin typeface="Consolas"/>
+              <a:ea typeface="Consolas"/>
+              <a:cs typeface="Consolas"/>
+              <a:sym typeface="Consolas"/>
+            </a:endParaRPr>
+          </a:p>
+          <a:p>
+            <a:pPr indent="0" lvl="0" marL="0" rtl="0" algn="l">
+              <a:spcBef>
+                <a:spcPts val="600"/>
+              </a:spcBef>
+              <a:spcAft>
+                <a:spcPts val="0"/>
+              </a:spcAft>
+              <a:buNone/>
+            </a:pPr>
+            <a:r>
+              <a:rPr lang="en" sz="1200">
+                <a:latin typeface="Consolas"/>
+                <a:ea typeface="Consolas"/>
+                <a:cs typeface="Consolas"/>
+                <a:sym typeface="Consolas"/>
+              </a:rPr>
+              <a:t>Feed'st thy light's flame with self-substantial fuel,</a:t>
+            </a:r>
+            <a:endParaRPr sz="1200">
+              <a:latin typeface="Consolas"/>
+              <a:ea typeface="Consolas"/>
+              <a:cs typeface="Consolas"/>
+              <a:sym typeface="Consolas"/>
+            </a:endParaRPr>
+          </a:p>
+          <a:p>
+            <a:pPr indent="0" lvl="0" marL="0" rtl="0" algn="l">
+              <a:spcBef>
+                <a:spcPts val="600"/>
+              </a:spcBef>
+              <a:spcAft>
+                <a:spcPts val="0"/>
+              </a:spcAft>
+              <a:buNone/>
+            </a:pPr>
+            <a:r>
+              <a:rPr lang="en" sz="1200">
+                <a:latin typeface="Consolas"/>
+                <a:ea typeface="Consolas"/>
+                <a:cs typeface="Consolas"/>
+                <a:sym typeface="Consolas"/>
+              </a:rPr>
+              <a:t>Making a famine where abundance lies,</a:t>
+            </a:r>
+            <a:endParaRPr sz="1200">
+              <a:latin typeface="Consolas"/>
+              <a:ea typeface="Consolas"/>
+              <a:cs typeface="Consolas"/>
+              <a:sym typeface="Consolas"/>
+            </a:endParaRPr>
+          </a:p>
+          <a:p>
+            <a:pPr indent="0" lvl="0" marL="0" rtl="0" algn="l">
+              <a:spcBef>
+                <a:spcPts val="600"/>
+              </a:spcBef>
+              <a:spcAft>
+                <a:spcPts val="0"/>
+              </a:spcAft>
+              <a:buNone/>
+            </a:pPr>
+            <a:r>
+              <a:rPr lang="en" sz="1200">
+                <a:latin typeface="Consolas"/>
+                <a:ea typeface="Consolas"/>
+                <a:cs typeface="Consolas"/>
+                <a:sym typeface="Consolas"/>
+              </a:rPr>
+              <a:t>Thy self thy foe, to thy sweet self too cruel:</a:t>
+            </a:r>
+            <a:endParaRPr sz="1200">
+              <a:latin typeface="Consolas"/>
+              <a:ea typeface="Consolas"/>
+              <a:cs typeface="Consolas"/>
+              <a:sym typeface="Consolas"/>
+            </a:endParaRPr>
+          </a:p>
+          <a:p>
+            <a:pPr indent="0" lvl="0" marL="0" rtl="0" algn="l">
+              <a:spcBef>
+                <a:spcPts val="600"/>
+              </a:spcBef>
+              <a:spcAft>
+                <a:spcPts val="0"/>
+              </a:spcAft>
+              <a:buNone/>
+            </a:pPr>
+            <a:r>
+              <a:t/>
+            </a:r>
+            <a:endParaRPr sz="1200">
+              <a:latin typeface="Consolas"/>
+              <a:ea typeface="Consolas"/>
+              <a:cs typeface="Consolas"/>
+              <a:sym typeface="Consolas"/>
+            </a:endParaRPr>
+          </a:p>
+        </p:txBody>
+      </p:sp>
+      <p:sp>
+        <p:nvSpPr>
+          <p:cNvPr id="91" name="Google Shape;91;g3ba7baafcd5_0_92"/>
+          <p:cNvSpPr txBox="1"/>
+          <p:nvPr/>
+        </p:nvSpPr>
+        <p:spPr>
+          <a:xfrm>
+            <a:off x="1468800" y="1469225"/>
+            <a:ext cx="2286000" cy="269100"/>
+          </a:xfrm>
+          <a:prstGeom prst="rect">
+            <a:avLst/>
+          </a:prstGeom>
+          <a:noFill/>
+          <a:ln>
+            <a:noFill/>
+          </a:ln>
+        </p:spPr>
+        <p:txBody>
+          <a:bodyPr anchorCtr="0" anchor="ctr" bIns="91425" lIns="91425" spcFirstLastPara="1" rIns="91425" wrap="square" tIns="91425">
+            <a:noAutofit/>
+          </a:bodyPr>
+          <a:lstStyle/>
+          <a:p>
+            <a:pPr indent="0" lvl="0" marL="0" rtl="0" algn="r">
+              <a:spcBef>
+                <a:spcPts val="0"/>
+              </a:spcBef>
+              <a:spcAft>
+                <a:spcPts val="0"/>
+              </a:spcAft>
+              <a:buNone/>
+            </a:pPr>
+            <a:r>
+              <a:rPr b="1" lang="en" sz="1800">
+                <a:solidFill>
+                  <a:srgbClr val="DCB439"/>
+                </a:solidFill>
+                <a:latin typeface="Consolas"/>
+                <a:ea typeface="Consolas"/>
+                <a:cs typeface="Consolas"/>
+                <a:sym typeface="Consolas"/>
+              </a:rPr>
+              <a:t>shakespeare</a:t>
+            </a:r>
+            <a:r>
+              <a:rPr b="1" lang="en" sz="1800">
+                <a:solidFill>
+                  <a:srgbClr val="DCB439"/>
+                </a:solidFill>
+                <a:latin typeface="Consolas"/>
+                <a:ea typeface="Consolas"/>
+                <a:cs typeface="Consolas"/>
+                <a:sym typeface="Consolas"/>
+              </a:rPr>
+              <a:t>.txt</a:t>
+            </a:r>
+            <a:endParaRPr b="1" sz="1800">
+              <a:solidFill>
+                <a:srgbClr val="DCB439"/>
+              </a:solidFill>
+              <a:latin typeface="Consolas"/>
+              <a:ea typeface="Consolas"/>
+              <a:cs typeface="Consolas"/>
+              <a:sym typeface="Consolas"/>
+            </a:endParaRPr>
+          </a:p>
+        </p:txBody>
+      </p:sp>
+      <p:pic>
+        <p:nvPicPr>
+          <p:cNvPr id="92" name="Google Shape;92;g3ba7baafcd5_0_92"/>
+          <p:cNvPicPr preferRelativeResize="0"/>
+          <p:nvPr/>
+        </p:nvPicPr>
+        <p:blipFill rotWithShape="1">
+          <a:blip r:embed="rId3">
+            <a:alphaModFix/>
+          </a:blip>
+          <a:srcRect b="12536" l="18278" r="18430" t="12303"/>
+          <a:stretch/>
+        </p:blipFill>
+        <p:spPr>
+          <a:xfrm>
+            <a:off x="496475" y="1449688"/>
+            <a:ext cx="259514" cy="308175"/>
+          </a:xfrm>
+          <a:prstGeom prst="rect">
+            <a:avLst/>
+          </a:prstGeom>
+          <a:noFill/>
+          <a:ln>
+            <a:noFill/>
+          </a:ln>
+        </p:spPr>
+      </p:pic>
     </p:spTree>
   </p:cSld>
   <p:clrMapOvr>
